--- a/PresentaciónStarkey.pptx
+++ b/PresentaciónStarkey.pptx
@@ -5,7 +5,7 @@
     <p:sldMasterId id="2147483648" r:id="rId1"/>
   </p:sldMasterIdLst>
   <p:notesMasterIdLst>
-    <p:notesMasterId r:id="rId24"/>
+    <p:notesMasterId r:id="rId31"/>
   </p:notesMasterIdLst>
   <p:sldIdLst>
     <p:sldId id="304" r:id="rId2"/>
@@ -30,6 +30,13 @@
     <p:sldId id="271" r:id="rId21"/>
     <p:sldId id="309" r:id="rId22"/>
     <p:sldId id="298" r:id="rId23"/>
+    <p:sldId id="312" r:id="rId24"/>
+    <p:sldId id="313" r:id="rId25"/>
+    <p:sldId id="314" r:id="rId26"/>
+    <p:sldId id="315" r:id="rId27"/>
+    <p:sldId id="316" r:id="rId28"/>
+    <p:sldId id="317" r:id="rId29"/>
+    <p:sldId id="318" r:id="rId30"/>
   </p:sldIdLst>
   <p:sldSz cx="9144000" cy="5143500" type="screen16x9"/>
   <p:notesSz cx="6858000" cy="9144000"/>
@@ -130,7 +137,7 @@
   </p:defaultTextStyle>
   <p:extLst>
     <p:ext uri="{EFAFB233-063F-42B5-8137-9DF3F51BA10A}">
-      <p15:sldGuideLst xmlns:p15="http://schemas.microsoft.com/office/powerpoint/2012/main" xmlns="">
+      <p15:sldGuideLst xmlns="" xmlns:p15="http://schemas.microsoft.com/office/powerpoint/2012/main">
         <p15:guide id="1" orient="horz" pos="2160">
           <p15:clr>
             <a:srgbClr val="A4A3A4"/>
@@ -4337,6 +4344,788 @@
 </file>
 
 <file path=ppt/diagrams/colors6.xml><?xml version="1.0" encoding="utf-8"?>
+<dgm:colorsDef xmlns:dgm="http://schemas.openxmlformats.org/drawingml/2006/diagram" xmlns:a="http://schemas.openxmlformats.org/drawingml/2006/main" uniqueId="urn:microsoft.com/office/officeart/2005/8/colors/colorful4">
+  <dgm:title val=""/>
+  <dgm:desc val=""/>
+  <dgm:catLst>
+    <dgm:cat type="colorful" pri="10400"/>
+  </dgm:catLst>
+  <dgm:styleLbl name="node0">
+    <dgm:fillClrLst meth="repeat">
+      <a:schemeClr val="accent3"/>
+    </dgm:fillClrLst>
+    <dgm:linClrLst meth="repeat">
+      <a:schemeClr val="lt1"/>
+    </dgm:linClrLst>
+    <dgm:effectClrLst/>
+    <dgm:txLinClrLst/>
+    <dgm:txFillClrLst/>
+    <dgm:txEffectClrLst/>
+  </dgm:styleLbl>
+  <dgm:styleLbl name="node1">
+    <dgm:fillClrLst>
+      <a:schemeClr val="accent4"/>
+      <a:schemeClr val="accent5"/>
+    </dgm:fillClrLst>
+    <dgm:linClrLst meth="repeat">
+      <a:schemeClr val="lt1"/>
+    </dgm:linClrLst>
+    <dgm:effectClrLst/>
+    <dgm:txLinClrLst/>
+    <dgm:txFillClrLst/>
+    <dgm:txEffectClrLst/>
+  </dgm:styleLbl>
+  <dgm:styleLbl name="alignNode1">
+    <dgm:fillClrLst>
+      <a:schemeClr val="accent4"/>
+      <a:schemeClr val="accent5"/>
+    </dgm:fillClrLst>
+    <dgm:linClrLst>
+      <a:schemeClr val="accent4"/>
+      <a:schemeClr val="accent5"/>
+    </dgm:linClrLst>
+    <dgm:effectClrLst/>
+    <dgm:txLinClrLst/>
+    <dgm:txFillClrLst/>
+    <dgm:txEffectClrLst/>
+  </dgm:styleLbl>
+  <dgm:styleLbl name="lnNode1">
+    <dgm:fillClrLst>
+      <a:schemeClr val="accent4"/>
+      <a:schemeClr val="accent5"/>
+    </dgm:fillClrLst>
+    <dgm:linClrLst meth="repeat">
+      <a:schemeClr val="lt1"/>
+    </dgm:linClrLst>
+    <dgm:effectClrLst/>
+    <dgm:txLinClrLst/>
+    <dgm:txFillClrLst/>
+    <dgm:txEffectClrLst/>
+  </dgm:styleLbl>
+  <dgm:styleLbl name="vennNode1">
+    <dgm:fillClrLst>
+      <a:schemeClr val="accent4">
+        <a:alpha val="50000"/>
+      </a:schemeClr>
+      <a:schemeClr val="accent5">
+        <a:alpha val="50000"/>
+      </a:schemeClr>
+    </dgm:fillClrLst>
+    <dgm:linClrLst meth="repeat">
+      <a:schemeClr val="lt1"/>
+    </dgm:linClrLst>
+    <dgm:effectClrLst/>
+    <dgm:txLinClrLst/>
+    <dgm:txFillClrLst/>
+    <dgm:txEffectClrLst/>
+  </dgm:styleLbl>
+  <dgm:styleLbl name="node2">
+    <dgm:fillClrLst>
+      <a:schemeClr val="accent5"/>
+    </dgm:fillClrLst>
+    <dgm:linClrLst meth="repeat">
+      <a:schemeClr val="lt1"/>
+    </dgm:linClrLst>
+    <dgm:effectClrLst/>
+    <dgm:txLinClrLst/>
+    <dgm:txFillClrLst/>
+    <dgm:txEffectClrLst/>
+  </dgm:styleLbl>
+  <dgm:styleLbl name="node3">
+    <dgm:fillClrLst>
+      <a:schemeClr val="accent6"/>
+    </dgm:fillClrLst>
+    <dgm:linClrLst meth="repeat">
+      <a:schemeClr val="lt1"/>
+    </dgm:linClrLst>
+    <dgm:effectClrLst/>
+    <dgm:txLinClrLst/>
+    <dgm:txFillClrLst/>
+    <dgm:txEffectClrLst/>
+  </dgm:styleLbl>
+  <dgm:styleLbl name="node4">
+    <dgm:fillClrLst>
+      <a:schemeClr val="accent1"/>
+    </dgm:fillClrLst>
+    <dgm:linClrLst meth="repeat">
+      <a:schemeClr val="lt1"/>
+    </dgm:linClrLst>
+    <dgm:effectClrLst/>
+    <dgm:txLinClrLst/>
+    <dgm:txFillClrLst/>
+    <dgm:txEffectClrLst/>
+  </dgm:styleLbl>
+  <dgm:styleLbl name="fgImgPlace1">
+    <dgm:fillClrLst>
+      <a:schemeClr val="accent4">
+        <a:tint val="50000"/>
+      </a:schemeClr>
+      <a:schemeClr val="accent5">
+        <a:tint val="50000"/>
+      </a:schemeClr>
+    </dgm:fillClrLst>
+    <dgm:linClrLst meth="repeat">
+      <a:schemeClr val="lt1"/>
+    </dgm:linClrLst>
+    <dgm:effectClrLst/>
+    <dgm:txLinClrLst/>
+    <dgm:txFillClrLst meth="repeat">
+      <a:schemeClr val="lt1"/>
+    </dgm:txFillClrLst>
+    <dgm:txEffectClrLst/>
+  </dgm:styleLbl>
+  <dgm:styleLbl name="alignImgPlace1">
+    <dgm:fillClrLst>
+      <a:schemeClr val="accent4">
+        <a:tint val="50000"/>
+      </a:schemeClr>
+      <a:schemeClr val="accent5">
+        <a:tint val="20000"/>
+      </a:schemeClr>
+    </dgm:fillClrLst>
+    <dgm:linClrLst meth="repeat">
+      <a:schemeClr val="lt1"/>
+    </dgm:linClrLst>
+    <dgm:effectClrLst/>
+    <dgm:txLinClrLst/>
+    <dgm:txFillClrLst meth="repeat">
+      <a:schemeClr val="lt1"/>
+    </dgm:txFillClrLst>
+    <dgm:txEffectClrLst/>
+  </dgm:styleLbl>
+  <dgm:styleLbl name="bgImgPlace1">
+    <dgm:fillClrLst>
+      <a:schemeClr val="accent4">
+        <a:tint val="50000"/>
+      </a:schemeClr>
+      <a:schemeClr val="accent5">
+        <a:tint val="20000"/>
+      </a:schemeClr>
+    </dgm:fillClrLst>
+    <dgm:linClrLst meth="repeat">
+      <a:schemeClr val="lt1"/>
+    </dgm:linClrLst>
+    <dgm:effectClrLst/>
+    <dgm:txLinClrLst/>
+    <dgm:txFillClrLst meth="repeat">
+      <a:schemeClr val="lt1"/>
+    </dgm:txFillClrLst>
+    <dgm:txEffectClrLst/>
+  </dgm:styleLbl>
+  <dgm:styleLbl name="sibTrans2D1">
+    <dgm:fillClrLst>
+      <a:schemeClr val="accent4"/>
+      <a:schemeClr val="accent5"/>
+    </dgm:fillClrLst>
+    <dgm:linClrLst meth="repeat">
+      <a:schemeClr val="lt1"/>
+    </dgm:linClrLst>
+    <dgm:effectClrLst/>
+    <dgm:txLinClrLst/>
+    <dgm:txFillClrLst/>
+    <dgm:txEffectClrLst/>
+  </dgm:styleLbl>
+  <dgm:styleLbl name="fgSibTrans2D1">
+    <dgm:fillClrLst>
+      <a:schemeClr val="accent4"/>
+      <a:schemeClr val="accent5"/>
+    </dgm:fillClrLst>
+    <dgm:linClrLst meth="repeat">
+      <a:schemeClr val="lt1"/>
+    </dgm:linClrLst>
+    <dgm:effectClrLst/>
+    <dgm:txLinClrLst/>
+    <dgm:txFillClrLst meth="repeat">
+      <a:schemeClr val="lt1"/>
+    </dgm:txFillClrLst>
+    <dgm:txEffectClrLst/>
+  </dgm:styleLbl>
+  <dgm:styleLbl name="bgSibTrans2D1">
+    <dgm:fillClrLst>
+      <a:schemeClr val="accent4"/>
+      <a:schemeClr val="accent5"/>
+    </dgm:fillClrLst>
+    <dgm:linClrLst meth="repeat">
+      <a:schemeClr val="lt1"/>
+    </dgm:linClrLst>
+    <dgm:effectClrLst/>
+    <dgm:txLinClrLst/>
+    <dgm:txFillClrLst meth="repeat">
+      <a:schemeClr val="lt1"/>
+    </dgm:txFillClrLst>
+    <dgm:txEffectClrLst/>
+  </dgm:styleLbl>
+  <dgm:styleLbl name="sibTrans1D1">
+    <dgm:fillClrLst/>
+    <dgm:linClrLst>
+      <a:schemeClr val="accent4"/>
+      <a:schemeClr val="accent5"/>
+    </dgm:linClrLst>
+    <dgm:effectClrLst/>
+    <dgm:txLinClrLst/>
+    <dgm:txFillClrLst meth="repeat">
+      <a:schemeClr val="tx1"/>
+    </dgm:txFillClrLst>
+    <dgm:txEffectClrLst/>
+  </dgm:styleLbl>
+  <dgm:styleLbl name="callout">
+    <dgm:fillClrLst meth="repeat">
+      <a:schemeClr val="accent4"/>
+    </dgm:fillClrLst>
+    <dgm:linClrLst meth="repeat">
+      <a:schemeClr val="accent4">
+        <a:tint val="50000"/>
+      </a:schemeClr>
+    </dgm:linClrLst>
+    <dgm:effectClrLst/>
+    <dgm:txLinClrLst/>
+    <dgm:txFillClrLst meth="repeat">
+      <a:schemeClr val="tx1"/>
+    </dgm:txFillClrLst>
+    <dgm:txEffectClrLst/>
+  </dgm:styleLbl>
+  <dgm:styleLbl name="asst0">
+    <dgm:fillClrLst meth="repeat">
+      <a:schemeClr val="accent4"/>
+    </dgm:fillClrLst>
+    <dgm:linClrLst meth="repeat">
+      <a:schemeClr val="lt1">
+        <a:shade val="80000"/>
+      </a:schemeClr>
+    </dgm:linClrLst>
+    <dgm:effectClrLst/>
+    <dgm:txLinClrLst/>
+    <dgm:txFillClrLst/>
+    <dgm:txEffectClrLst/>
+  </dgm:styleLbl>
+  <dgm:styleLbl name="asst1">
+    <dgm:fillClrLst meth="repeat">
+      <a:schemeClr val="accent5"/>
+    </dgm:fillClrLst>
+    <dgm:linClrLst meth="repeat">
+      <a:schemeClr val="lt1">
+        <a:shade val="80000"/>
+      </a:schemeClr>
+    </dgm:linClrLst>
+    <dgm:effectClrLst/>
+    <dgm:txLinClrLst/>
+    <dgm:txFillClrLst/>
+    <dgm:txEffectClrLst/>
+  </dgm:styleLbl>
+  <dgm:styleLbl name="asst2">
+    <dgm:fillClrLst>
+      <a:schemeClr val="accent6"/>
+    </dgm:fillClrLst>
+    <dgm:linClrLst meth="repeat">
+      <a:schemeClr val="lt1"/>
+    </dgm:linClrLst>
+    <dgm:effectClrLst/>
+    <dgm:txLinClrLst/>
+    <dgm:txFillClrLst/>
+    <dgm:txEffectClrLst/>
+  </dgm:styleLbl>
+  <dgm:styleLbl name="asst3">
+    <dgm:fillClrLst>
+      <a:schemeClr val="accent1"/>
+    </dgm:fillClrLst>
+    <dgm:linClrLst meth="repeat">
+      <a:schemeClr val="lt1"/>
+    </dgm:linClrLst>
+    <dgm:effectClrLst/>
+    <dgm:txLinClrLst/>
+    <dgm:txFillClrLst/>
+    <dgm:txEffectClrLst/>
+  </dgm:styleLbl>
+  <dgm:styleLbl name="asst4">
+    <dgm:fillClrLst>
+      <a:schemeClr val="accent2"/>
+    </dgm:fillClrLst>
+    <dgm:linClrLst meth="repeat">
+      <a:schemeClr val="lt1"/>
+    </dgm:linClrLst>
+    <dgm:effectClrLst/>
+    <dgm:txLinClrLst/>
+    <dgm:txFillClrLst/>
+    <dgm:txEffectClrLst/>
+  </dgm:styleLbl>
+  <dgm:styleLbl name="parChTrans2D1">
+    <dgm:fillClrLst meth="repeat">
+      <a:schemeClr val="accent4"/>
+    </dgm:fillClrLst>
+    <dgm:linClrLst meth="repeat">
+      <a:schemeClr val="lt1"/>
+    </dgm:linClrLst>
+    <dgm:effectClrLst/>
+    <dgm:txLinClrLst/>
+    <dgm:txFillClrLst meth="repeat">
+      <a:schemeClr val="lt1"/>
+    </dgm:txFillClrLst>
+    <dgm:txEffectClrLst/>
+  </dgm:styleLbl>
+  <dgm:styleLbl name="parChTrans2D2">
+    <dgm:fillClrLst meth="repeat">
+      <a:schemeClr val="accent5"/>
+    </dgm:fillClrLst>
+    <dgm:linClrLst meth="repeat">
+      <a:schemeClr val="lt1"/>
+    </dgm:linClrLst>
+    <dgm:effectClrLst/>
+    <dgm:txLinClrLst/>
+    <dgm:txFillClrLst/>
+    <dgm:txEffectClrLst/>
+  </dgm:styleLbl>
+  <dgm:styleLbl name="parChTrans2D3">
+    <dgm:fillClrLst meth="repeat">
+      <a:schemeClr val="accent5"/>
+    </dgm:fillClrLst>
+    <dgm:linClrLst meth="repeat">
+      <a:schemeClr val="lt1"/>
+    </dgm:linClrLst>
+    <dgm:effectClrLst/>
+    <dgm:txLinClrLst/>
+    <dgm:txFillClrLst/>
+    <dgm:txEffectClrLst/>
+  </dgm:styleLbl>
+  <dgm:styleLbl name="parChTrans2D4">
+    <dgm:fillClrLst meth="repeat">
+      <a:schemeClr val="accent6"/>
+    </dgm:fillClrLst>
+    <dgm:linClrLst meth="repeat">
+      <a:schemeClr val="lt1"/>
+    </dgm:linClrLst>
+    <dgm:effectClrLst/>
+    <dgm:txLinClrLst/>
+    <dgm:txFillClrLst meth="repeat">
+      <a:schemeClr val="lt1"/>
+    </dgm:txFillClrLst>
+    <dgm:txEffectClrLst/>
+  </dgm:styleLbl>
+  <dgm:styleLbl name="parChTrans1D1">
+    <dgm:fillClrLst meth="repeat">
+      <a:schemeClr val="accent4"/>
+    </dgm:fillClrLst>
+    <dgm:linClrLst meth="repeat">
+      <a:schemeClr val="accent4"/>
+    </dgm:linClrLst>
+    <dgm:effectClrLst/>
+    <dgm:txLinClrLst/>
+    <dgm:txFillClrLst meth="repeat">
+      <a:schemeClr val="tx1"/>
+    </dgm:txFillClrLst>
+    <dgm:txEffectClrLst/>
+  </dgm:styleLbl>
+  <dgm:styleLbl name="parChTrans1D2">
+    <dgm:fillClrLst meth="repeat">
+      <a:schemeClr val="accent4">
+        <a:tint val="90000"/>
+      </a:schemeClr>
+    </dgm:fillClrLst>
+    <dgm:linClrLst meth="repeat">
+      <a:schemeClr val="accent5"/>
+    </dgm:linClrLst>
+    <dgm:effectClrLst/>
+    <dgm:txLinClrLst/>
+    <dgm:txFillClrLst meth="repeat">
+      <a:schemeClr val="tx1"/>
+    </dgm:txFillClrLst>
+    <dgm:txEffectClrLst/>
+  </dgm:styleLbl>
+  <dgm:styleLbl name="parChTrans1D3">
+    <dgm:fillClrLst meth="repeat">
+      <a:schemeClr val="accent4">
+        <a:tint val="70000"/>
+      </a:schemeClr>
+    </dgm:fillClrLst>
+    <dgm:linClrLst meth="repeat">
+      <a:schemeClr val="accent6"/>
+    </dgm:linClrLst>
+    <dgm:effectClrLst/>
+    <dgm:txLinClrLst/>
+    <dgm:txFillClrLst meth="repeat">
+      <a:schemeClr val="tx1"/>
+    </dgm:txFillClrLst>
+    <dgm:txEffectClrLst/>
+  </dgm:styleLbl>
+  <dgm:styleLbl name="parChTrans1D4">
+    <dgm:fillClrLst meth="repeat">
+      <a:schemeClr val="accent4">
+        <a:tint val="50000"/>
+      </a:schemeClr>
+    </dgm:fillClrLst>
+    <dgm:linClrLst meth="repeat">
+      <a:schemeClr val="accent1"/>
+    </dgm:linClrLst>
+    <dgm:effectClrLst/>
+    <dgm:txLinClrLst/>
+    <dgm:txFillClrLst meth="repeat">
+      <a:schemeClr val="tx1"/>
+    </dgm:txFillClrLst>
+    <dgm:txEffectClrLst/>
+  </dgm:styleLbl>
+  <dgm:styleLbl name="fgAcc1">
+    <dgm:fillClrLst meth="repeat">
+      <a:schemeClr val="lt1">
+        <a:alpha val="90000"/>
+      </a:schemeClr>
+    </dgm:fillClrLst>
+    <dgm:linClrLst>
+      <a:schemeClr val="accent4"/>
+      <a:schemeClr val="accent5"/>
+    </dgm:linClrLst>
+    <dgm:effectClrLst/>
+    <dgm:txLinClrLst/>
+    <dgm:txFillClrLst meth="repeat">
+      <a:schemeClr val="dk1"/>
+    </dgm:txFillClrLst>
+    <dgm:txEffectClrLst/>
+  </dgm:styleLbl>
+  <dgm:styleLbl name="conFgAcc1">
+    <dgm:fillClrLst meth="repeat">
+      <a:schemeClr val="lt1">
+        <a:alpha val="90000"/>
+      </a:schemeClr>
+    </dgm:fillClrLst>
+    <dgm:linClrLst>
+      <a:schemeClr val="accent4"/>
+      <a:schemeClr val="accent5"/>
+    </dgm:linClrLst>
+    <dgm:effectClrLst/>
+    <dgm:txLinClrLst/>
+    <dgm:txFillClrLst meth="repeat">
+      <a:schemeClr val="dk1"/>
+    </dgm:txFillClrLst>
+    <dgm:txEffectClrLst/>
+  </dgm:styleLbl>
+  <dgm:styleLbl name="alignAcc1">
+    <dgm:fillClrLst meth="repeat">
+      <a:schemeClr val="lt1">
+        <a:alpha val="90000"/>
+      </a:schemeClr>
+    </dgm:fillClrLst>
+    <dgm:linClrLst>
+      <a:schemeClr val="accent4"/>
+      <a:schemeClr val="accent5"/>
+    </dgm:linClrLst>
+    <dgm:effectClrLst/>
+    <dgm:txLinClrLst/>
+    <dgm:txFillClrLst meth="repeat">
+      <a:schemeClr val="dk1"/>
+    </dgm:txFillClrLst>
+    <dgm:txEffectClrLst/>
+  </dgm:styleLbl>
+  <dgm:styleLbl name="trAlignAcc1">
+    <dgm:fillClrLst meth="repeat">
+      <a:schemeClr val="lt1">
+        <a:alpha val="40000"/>
+      </a:schemeClr>
+    </dgm:fillClrLst>
+    <dgm:linClrLst meth="repeat">
+      <a:schemeClr val="accent4"/>
+    </dgm:linClrLst>
+    <dgm:effectClrLst/>
+    <dgm:txLinClrLst/>
+    <dgm:txFillClrLst meth="repeat">
+      <a:schemeClr val="dk1"/>
+    </dgm:txFillClrLst>
+    <dgm:txEffectClrLst/>
+  </dgm:styleLbl>
+  <dgm:styleLbl name="bgAcc1">
+    <dgm:fillClrLst meth="repeat">
+      <a:schemeClr val="lt1">
+        <a:alpha val="90000"/>
+      </a:schemeClr>
+    </dgm:fillClrLst>
+    <dgm:linClrLst>
+      <a:schemeClr val="accent4"/>
+      <a:schemeClr val="accent5"/>
+    </dgm:linClrLst>
+    <dgm:effectClrLst/>
+    <dgm:txLinClrLst/>
+    <dgm:txFillClrLst meth="repeat">
+      <a:schemeClr val="dk1"/>
+    </dgm:txFillClrLst>
+    <dgm:txEffectClrLst/>
+  </dgm:styleLbl>
+  <dgm:styleLbl name="solidFgAcc1">
+    <dgm:fillClrLst meth="repeat">
+      <a:schemeClr val="lt1"/>
+    </dgm:fillClrLst>
+    <dgm:linClrLst>
+      <a:schemeClr val="accent4"/>
+      <a:schemeClr val="accent5"/>
+    </dgm:linClrLst>
+    <dgm:effectClrLst/>
+    <dgm:txLinClrLst/>
+    <dgm:txFillClrLst meth="repeat">
+      <a:schemeClr val="dk1"/>
+    </dgm:txFillClrLst>
+    <dgm:txEffectClrLst/>
+  </dgm:styleLbl>
+  <dgm:styleLbl name="solidAlignAcc1">
+    <dgm:fillClrLst meth="repeat">
+      <a:schemeClr val="lt1"/>
+    </dgm:fillClrLst>
+    <dgm:linClrLst>
+      <a:schemeClr val="accent4"/>
+      <a:schemeClr val="accent5"/>
+    </dgm:linClrLst>
+    <dgm:effectClrLst/>
+    <dgm:txLinClrLst/>
+    <dgm:txFillClrLst meth="repeat">
+      <a:schemeClr val="dk1"/>
+    </dgm:txFillClrLst>
+    <dgm:txEffectClrLst/>
+  </dgm:styleLbl>
+  <dgm:styleLbl name="solidBgAcc1">
+    <dgm:fillClrLst meth="repeat">
+      <a:schemeClr val="lt1"/>
+    </dgm:fillClrLst>
+    <dgm:linClrLst>
+      <a:schemeClr val="accent4"/>
+      <a:schemeClr val="accent5"/>
+    </dgm:linClrLst>
+    <dgm:effectClrLst/>
+    <dgm:txLinClrLst/>
+    <dgm:txFillClrLst meth="repeat">
+      <a:schemeClr val="dk1"/>
+    </dgm:txFillClrLst>
+    <dgm:txEffectClrLst/>
+  </dgm:styleLbl>
+  <dgm:styleLbl name="fgAccFollowNode1">
+    <dgm:fillClrLst>
+      <a:schemeClr val="accent4">
+        <a:tint val="40000"/>
+        <a:alpha val="90000"/>
+      </a:schemeClr>
+      <a:schemeClr val="accent5">
+        <a:tint val="40000"/>
+        <a:alpha val="90000"/>
+      </a:schemeClr>
+    </dgm:fillClrLst>
+    <dgm:linClrLst>
+      <a:schemeClr val="accent4">
+        <a:tint val="40000"/>
+        <a:alpha val="90000"/>
+      </a:schemeClr>
+      <a:schemeClr val="accent5">
+        <a:tint val="40000"/>
+        <a:alpha val="90000"/>
+      </a:schemeClr>
+    </dgm:linClrLst>
+    <dgm:effectClrLst/>
+    <dgm:txLinClrLst/>
+    <dgm:txFillClrLst meth="repeat">
+      <a:schemeClr val="dk1"/>
+    </dgm:txFillClrLst>
+    <dgm:txEffectClrLst/>
+  </dgm:styleLbl>
+  <dgm:styleLbl name="alignAccFollowNode1">
+    <dgm:fillClrLst>
+      <a:schemeClr val="accent4">
+        <a:tint val="40000"/>
+        <a:alpha val="90000"/>
+      </a:schemeClr>
+      <a:schemeClr val="accent5">
+        <a:tint val="40000"/>
+        <a:alpha val="90000"/>
+      </a:schemeClr>
+    </dgm:fillClrLst>
+    <dgm:linClrLst>
+      <a:schemeClr val="accent4">
+        <a:tint val="40000"/>
+        <a:alpha val="90000"/>
+      </a:schemeClr>
+      <a:schemeClr val="accent5">
+        <a:tint val="40000"/>
+        <a:alpha val="90000"/>
+      </a:schemeClr>
+    </dgm:linClrLst>
+    <dgm:effectClrLst/>
+    <dgm:txLinClrLst/>
+    <dgm:txFillClrLst meth="repeat">
+      <a:schemeClr val="dk1"/>
+    </dgm:txFillClrLst>
+    <dgm:txEffectClrLst/>
+  </dgm:styleLbl>
+  <dgm:styleLbl name="bgAccFollowNode1">
+    <dgm:fillClrLst>
+      <a:schemeClr val="accent4">
+        <a:tint val="40000"/>
+        <a:alpha val="90000"/>
+      </a:schemeClr>
+      <a:schemeClr val="accent5">
+        <a:tint val="40000"/>
+        <a:alpha val="90000"/>
+      </a:schemeClr>
+    </dgm:fillClrLst>
+    <dgm:linClrLst>
+      <a:schemeClr val="accent4">
+        <a:tint val="40000"/>
+        <a:alpha val="90000"/>
+      </a:schemeClr>
+      <a:schemeClr val="accent5">
+        <a:tint val="40000"/>
+        <a:alpha val="90000"/>
+      </a:schemeClr>
+    </dgm:linClrLst>
+    <dgm:effectClrLst/>
+    <dgm:txLinClrLst/>
+    <dgm:txFillClrLst meth="repeat">
+      <a:schemeClr val="dk1"/>
+    </dgm:txFillClrLst>
+    <dgm:txEffectClrLst/>
+  </dgm:styleLbl>
+  <dgm:styleLbl name="fgAcc0">
+    <dgm:fillClrLst meth="repeat">
+      <a:schemeClr val="lt1">
+        <a:alpha val="90000"/>
+      </a:schemeClr>
+    </dgm:fillClrLst>
+    <dgm:linClrLst>
+      <a:schemeClr val="accent3"/>
+    </dgm:linClrLst>
+    <dgm:effectClrLst/>
+    <dgm:txLinClrLst/>
+    <dgm:txFillClrLst meth="repeat">
+      <a:schemeClr val="dk1"/>
+    </dgm:txFillClrLst>
+    <dgm:txEffectClrLst/>
+  </dgm:styleLbl>
+  <dgm:styleLbl name="fgAcc2">
+    <dgm:fillClrLst meth="repeat">
+      <a:schemeClr val="lt1">
+        <a:alpha val="90000"/>
+      </a:schemeClr>
+    </dgm:fillClrLst>
+    <dgm:linClrLst>
+      <a:schemeClr val="accent5"/>
+    </dgm:linClrLst>
+    <dgm:effectClrLst/>
+    <dgm:txLinClrLst/>
+    <dgm:txFillClrLst meth="repeat">
+      <a:schemeClr val="dk1"/>
+    </dgm:txFillClrLst>
+    <dgm:txEffectClrLst/>
+  </dgm:styleLbl>
+  <dgm:styleLbl name="fgAcc3">
+    <dgm:fillClrLst meth="repeat">
+      <a:schemeClr val="lt1">
+        <a:alpha val="90000"/>
+      </a:schemeClr>
+    </dgm:fillClrLst>
+    <dgm:linClrLst>
+      <a:schemeClr val="accent6"/>
+    </dgm:linClrLst>
+    <dgm:effectClrLst/>
+    <dgm:txLinClrLst/>
+    <dgm:txFillClrLst meth="repeat">
+      <a:schemeClr val="dk1"/>
+    </dgm:txFillClrLst>
+    <dgm:txEffectClrLst/>
+  </dgm:styleLbl>
+  <dgm:styleLbl name="fgAcc4">
+    <dgm:fillClrLst meth="repeat">
+      <a:schemeClr val="lt1">
+        <a:alpha val="90000"/>
+      </a:schemeClr>
+    </dgm:fillClrLst>
+    <dgm:linClrLst>
+      <a:schemeClr val="accent1"/>
+    </dgm:linClrLst>
+    <dgm:effectClrLst/>
+    <dgm:txLinClrLst/>
+    <dgm:txFillClrLst meth="repeat">
+      <a:schemeClr val="dk1"/>
+    </dgm:txFillClrLst>
+    <dgm:txEffectClrLst/>
+  </dgm:styleLbl>
+  <dgm:styleLbl name="bgShp">
+    <dgm:fillClrLst meth="repeat">
+      <a:schemeClr val="accent4">
+        <a:tint val="40000"/>
+      </a:schemeClr>
+    </dgm:fillClrLst>
+    <dgm:linClrLst meth="repeat">
+      <a:schemeClr val="dk1"/>
+    </dgm:linClrLst>
+    <dgm:effectClrLst/>
+    <dgm:txLinClrLst/>
+    <dgm:txFillClrLst meth="repeat">
+      <a:schemeClr val="dk1"/>
+    </dgm:txFillClrLst>
+    <dgm:txEffectClrLst/>
+  </dgm:styleLbl>
+  <dgm:styleLbl name="dkBgShp">
+    <dgm:fillClrLst meth="repeat">
+      <a:schemeClr val="accent4">
+        <a:shade val="90000"/>
+      </a:schemeClr>
+    </dgm:fillClrLst>
+    <dgm:linClrLst meth="repeat">
+      <a:schemeClr val="dk1"/>
+    </dgm:linClrLst>
+    <dgm:effectClrLst/>
+    <dgm:txLinClrLst/>
+    <dgm:txFillClrLst meth="repeat">
+      <a:schemeClr val="lt1"/>
+    </dgm:txFillClrLst>
+    <dgm:txEffectClrLst/>
+  </dgm:styleLbl>
+  <dgm:styleLbl name="trBgShp">
+    <dgm:fillClrLst meth="repeat">
+      <a:schemeClr val="accent4">
+        <a:tint val="50000"/>
+        <a:alpha val="40000"/>
+      </a:schemeClr>
+    </dgm:fillClrLst>
+    <dgm:linClrLst meth="repeat">
+      <a:schemeClr val="accent4"/>
+    </dgm:linClrLst>
+    <dgm:effectClrLst/>
+    <dgm:txLinClrLst/>
+    <dgm:txFillClrLst meth="repeat">
+      <a:schemeClr val="lt1"/>
+    </dgm:txFillClrLst>
+    <dgm:txEffectClrLst/>
+  </dgm:styleLbl>
+  <dgm:styleLbl name="fgShp">
+    <dgm:fillClrLst meth="repeat">
+      <a:schemeClr val="accent4">
+        <a:tint val="40000"/>
+      </a:schemeClr>
+    </dgm:fillClrLst>
+    <dgm:linClrLst meth="repeat">
+      <a:schemeClr val="lt1"/>
+    </dgm:linClrLst>
+    <dgm:effectClrLst/>
+    <dgm:txLinClrLst/>
+    <dgm:txFillClrLst meth="repeat">
+      <a:schemeClr val="dk1"/>
+    </dgm:txFillClrLst>
+    <dgm:txEffectClrLst/>
+  </dgm:styleLbl>
+  <dgm:styleLbl name="revTx">
+    <dgm:fillClrLst meth="repeat">
+      <a:schemeClr val="lt1">
+        <a:alpha val="0"/>
+      </a:schemeClr>
+    </dgm:fillClrLst>
+    <dgm:linClrLst meth="repeat">
+      <a:schemeClr val="dk1">
+        <a:alpha val="0"/>
+      </a:schemeClr>
+    </dgm:linClrLst>
+    <dgm:effectClrLst/>
+    <dgm:txLinClrLst/>
+    <dgm:txFillClrLst meth="repeat">
+      <a:schemeClr val="tx1"/>
+    </dgm:txFillClrLst>
+    <dgm:txEffectClrLst/>
+  </dgm:styleLbl>
+</dgm:colorsDef>
+</file>
+
+<file path=ppt/diagrams/colors7.xml><?xml version="1.0" encoding="utf-8"?>
 <dgm:colorsDef xmlns:dgm="http://schemas.openxmlformats.org/drawingml/2006/diagram" xmlns:a="http://schemas.openxmlformats.org/drawingml/2006/main" uniqueId="urn:microsoft.com/office/officeart/2005/8/colors/colorful4">
   <dgm:title val=""/>
   <dgm:desc val=""/>
@@ -8353,6 +9142,382 @@
     <dgm:cxn modelId="{A665E71D-7B9D-4D0A-9A17-B241F0E4DBBD}" type="presParOf" srcId="{DF7D0933-C1E5-47C9-8745-F619EA28DBBB}" destId="{E5C5322A-9B35-4E7A-ABCC-2F41E5F5DF06}" srcOrd="7" destOrd="0" presId="urn:microsoft.com/office/officeart/2008/layout/VerticalCurvedList"/>
     <dgm:cxn modelId="{36BA184F-B08A-4471-BA2B-1C63BBA954AD}" type="presParOf" srcId="{DF7D0933-C1E5-47C9-8745-F619EA28DBBB}" destId="{0BE10B5B-6EF7-4397-AFBD-5CF215689284}" srcOrd="8" destOrd="0" presId="urn:microsoft.com/office/officeart/2008/layout/VerticalCurvedList"/>
     <dgm:cxn modelId="{D26475C5-7A89-44A5-941C-1928B4F2D3DC}" type="presParOf" srcId="{0BE10B5B-6EF7-4397-AFBD-5CF215689284}" destId="{62FCC98B-742F-4319-A4F6-1468FF5E9BAA}" srcOrd="0" destOrd="0" presId="urn:microsoft.com/office/officeart/2008/layout/VerticalCurvedList"/>
+  </dgm:cxnLst>
+  <dgm:bg/>
+  <dgm:whole/>
+  <dgm:extLst>
+    <a:ext uri="http://schemas.microsoft.com/office/drawing/2008/diagram">
+      <dsp:dataModelExt xmlns:dsp="http://schemas.microsoft.com/office/drawing/2008/diagram" relId="rId7" minVer="http://schemas.openxmlformats.org/drawingml/2006/diagram"/>
+    </a:ext>
+  </dgm:extLst>
+</dgm:dataModel>
+</file>
+
+<file path=ppt/diagrams/data7.xml><?xml version="1.0" encoding="utf-8"?>
+<dgm:dataModel xmlns:dgm="http://schemas.openxmlformats.org/drawingml/2006/diagram" xmlns:a="http://schemas.openxmlformats.org/drawingml/2006/main">
+  <dgm:ptLst>
+    <dgm:pt modelId="{031C2286-89FA-4746-8913-C03744F284D0}" type="doc">
+      <dgm:prSet loTypeId="urn:microsoft.com/office/officeart/2008/layout/VerticalCurvedList" loCatId="list" qsTypeId="urn:microsoft.com/office/officeart/2005/8/quickstyle/simple5" qsCatId="simple" csTypeId="urn:microsoft.com/office/officeart/2005/8/colors/colorful4" csCatId="colorful" phldr="1"/>
+      <dgm:spPr/>
+      <dgm:t>
+        <a:bodyPr/>
+        <a:lstStyle/>
+        <a:p>
+          <a:endParaRPr lang="es-PE"/>
+        </a:p>
+      </dgm:t>
+    </dgm:pt>
+    <dgm:pt modelId="{F12680A9-2E1F-43C7-8136-EF6BE7C8C3C1}">
+      <dgm:prSet phldrT="[Texto]" custT="1"/>
+      <dgm:spPr/>
+      <dgm:t>
+        <a:bodyPr/>
+        <a:lstStyle/>
+        <a:p>
+          <a:r>
+            <a:rPr lang="es-PE" sz="1600" b="0" dirty="0" smtClean="0">
+              <a:latin typeface="Arial" panose="020B0604020202020204" pitchFamily="34" charset="0"/>
+              <a:cs typeface="Arial" panose="020B0604020202020204" pitchFamily="34" charset="0"/>
+            </a:rPr>
+            <a:t>Producto: Tecnología, servicio, garantía y financiamiento.</a:t>
+          </a:r>
+          <a:endParaRPr lang="es-PE" sz="1600" b="0" dirty="0">
+            <a:latin typeface="Arial" panose="020B0604020202020204" pitchFamily="34" charset="0"/>
+            <a:cs typeface="Arial" panose="020B0604020202020204" pitchFamily="34" charset="0"/>
+          </a:endParaRPr>
+        </a:p>
+      </dgm:t>
+    </dgm:pt>
+    <dgm:pt modelId="{4243D0EC-51D7-4223-85C1-83BAE7F300AD}" type="parTrans" cxnId="{0A15EBF0-E59C-4E53-BD80-E2164133A6B8}">
+      <dgm:prSet/>
+      <dgm:spPr/>
+      <dgm:t>
+        <a:bodyPr/>
+        <a:lstStyle/>
+        <a:p>
+          <a:endParaRPr lang="es-PE"/>
+        </a:p>
+      </dgm:t>
+    </dgm:pt>
+    <dgm:pt modelId="{AB2B0323-5AB3-43C3-8E17-7B89BD7BAFC2}" type="sibTrans" cxnId="{0A15EBF0-E59C-4E53-BD80-E2164133A6B8}">
+      <dgm:prSet/>
+      <dgm:spPr/>
+      <dgm:t>
+        <a:bodyPr/>
+        <a:lstStyle/>
+        <a:p>
+          <a:endParaRPr lang="es-PE"/>
+        </a:p>
+      </dgm:t>
+    </dgm:pt>
+    <dgm:pt modelId="{5EC56C85-899C-47B5-8FE4-6DD8968DC427}">
+      <dgm:prSet phldrT="[Texto]" custT="1"/>
+      <dgm:spPr/>
+      <dgm:t>
+        <a:bodyPr/>
+        <a:lstStyle/>
+        <a:p>
+          <a:r>
+            <a:rPr lang="es-PE" sz="1600" b="0" dirty="0" smtClean="0">
+              <a:latin typeface="Arial" panose="020B0604020202020204" pitchFamily="34" charset="0"/>
+              <a:cs typeface="Arial" panose="020B0604020202020204" pitchFamily="34" charset="0"/>
+            </a:rPr>
+            <a:t>Precio: Dólares, refleja calidad.</a:t>
+          </a:r>
+          <a:endParaRPr lang="es-PE" sz="1600" b="0" dirty="0">
+            <a:latin typeface="Arial" panose="020B0604020202020204" pitchFamily="34" charset="0"/>
+            <a:cs typeface="Arial" panose="020B0604020202020204" pitchFamily="34" charset="0"/>
+          </a:endParaRPr>
+        </a:p>
+      </dgm:t>
+    </dgm:pt>
+    <dgm:pt modelId="{56995858-4DA7-456C-9098-737306204A72}" type="parTrans" cxnId="{B3524F19-5D6E-43CB-847E-12F8569430DE}">
+      <dgm:prSet/>
+      <dgm:spPr/>
+      <dgm:t>
+        <a:bodyPr/>
+        <a:lstStyle/>
+        <a:p>
+          <a:endParaRPr lang="es-PE"/>
+        </a:p>
+      </dgm:t>
+    </dgm:pt>
+    <dgm:pt modelId="{1482C9C8-A6BA-45A4-B207-F201E5B3CB55}" type="sibTrans" cxnId="{B3524F19-5D6E-43CB-847E-12F8569430DE}">
+      <dgm:prSet/>
+      <dgm:spPr/>
+      <dgm:t>
+        <a:bodyPr/>
+        <a:lstStyle/>
+        <a:p>
+          <a:endParaRPr lang="es-PE"/>
+        </a:p>
+      </dgm:t>
+    </dgm:pt>
+    <dgm:pt modelId="{68CE1387-4AE5-4163-A9D4-C94459FB13B5}">
+      <dgm:prSet phldrT="[Texto]" custT="1"/>
+      <dgm:spPr/>
+      <dgm:t>
+        <a:bodyPr/>
+        <a:lstStyle/>
+        <a:p>
+          <a:r>
+            <a:rPr lang="es-PE" sz="1600" b="0" dirty="0" smtClean="0">
+              <a:latin typeface="Arial" panose="020B0604020202020204" pitchFamily="34" charset="0"/>
+              <a:cs typeface="Arial" panose="020B0604020202020204" pitchFamily="34" charset="0"/>
+            </a:rPr>
+            <a:t>Plaza: San Borja, San Isidro, Miraflores y San Miguel.</a:t>
+          </a:r>
+        </a:p>
+        <a:p>
+          <a:r>
+            <a:rPr lang="es-PE" sz="1600" b="0" dirty="0" smtClean="0">
+              <a:latin typeface="Arial" panose="020B0604020202020204" pitchFamily="34" charset="0"/>
+              <a:cs typeface="Arial" panose="020B0604020202020204" pitchFamily="34" charset="0"/>
+            </a:rPr>
+            <a:t>Nuevo canal indirecto. </a:t>
+          </a:r>
+          <a:endParaRPr lang="es-PE" sz="1600" b="0" dirty="0">
+            <a:latin typeface="Arial" panose="020B0604020202020204" pitchFamily="34" charset="0"/>
+            <a:cs typeface="Arial" panose="020B0604020202020204" pitchFamily="34" charset="0"/>
+          </a:endParaRPr>
+        </a:p>
+      </dgm:t>
+    </dgm:pt>
+    <dgm:pt modelId="{81AF4372-FCBB-43B3-ABF0-B6662778D4BD}" type="parTrans" cxnId="{F072D4F6-15AA-45D6-8F08-EC7ECF53211D}">
+      <dgm:prSet/>
+      <dgm:spPr/>
+      <dgm:t>
+        <a:bodyPr/>
+        <a:lstStyle/>
+        <a:p>
+          <a:endParaRPr lang="es-PE"/>
+        </a:p>
+      </dgm:t>
+    </dgm:pt>
+    <dgm:pt modelId="{D3644713-64B3-4D0F-850E-FDED0855FACD}" type="sibTrans" cxnId="{F072D4F6-15AA-45D6-8F08-EC7ECF53211D}">
+      <dgm:prSet/>
+      <dgm:spPr/>
+      <dgm:t>
+        <a:bodyPr/>
+        <a:lstStyle/>
+        <a:p>
+          <a:endParaRPr lang="es-PE"/>
+        </a:p>
+      </dgm:t>
+    </dgm:pt>
+    <dgm:pt modelId="{E7BAAE89-41DB-4D6D-8614-BC8D3D55A749}">
+      <dgm:prSet phldrT="[Texto]" custT="1"/>
+      <dgm:spPr/>
+      <dgm:t>
+        <a:bodyPr/>
+        <a:lstStyle/>
+        <a:p>
+          <a:r>
+            <a:rPr lang="es-PE" sz="1600" b="0" dirty="0" smtClean="0">
+              <a:latin typeface="Arial" panose="020B0604020202020204" pitchFamily="34" charset="0"/>
+              <a:cs typeface="Arial" panose="020B0604020202020204" pitchFamily="34" charset="0"/>
+            </a:rPr>
+            <a:t>Promoción: Publicidad, promoción, relaciones públicas y ventas personales (visitadores médicos). </a:t>
+          </a:r>
+          <a:endParaRPr lang="es-PE" sz="1600" b="0" dirty="0">
+            <a:latin typeface="Arial" panose="020B0604020202020204" pitchFamily="34" charset="0"/>
+            <a:cs typeface="Arial" panose="020B0604020202020204" pitchFamily="34" charset="0"/>
+          </a:endParaRPr>
+        </a:p>
+      </dgm:t>
+    </dgm:pt>
+    <dgm:pt modelId="{AAC4FD15-8674-46E6-A0DC-57461E75A8F5}" type="parTrans" cxnId="{C736BC76-564E-4ED9-A845-22FB27CB3DCC}">
+      <dgm:prSet/>
+      <dgm:spPr/>
+      <dgm:t>
+        <a:bodyPr/>
+        <a:lstStyle/>
+        <a:p>
+          <a:endParaRPr lang="es-PE"/>
+        </a:p>
+      </dgm:t>
+    </dgm:pt>
+    <dgm:pt modelId="{1B109CB9-EC5C-4474-8E7D-8D5BD252EE0C}" type="sibTrans" cxnId="{C736BC76-564E-4ED9-A845-22FB27CB3DCC}">
+      <dgm:prSet/>
+      <dgm:spPr/>
+      <dgm:t>
+        <a:bodyPr/>
+        <a:lstStyle/>
+        <a:p>
+          <a:endParaRPr lang="es-PE"/>
+        </a:p>
+      </dgm:t>
+    </dgm:pt>
+    <dgm:pt modelId="{FE5925CF-EBA3-4BC5-A913-3B297B028C23}" type="pres">
+      <dgm:prSet presAssocID="{031C2286-89FA-4746-8913-C03744F284D0}" presName="Name0" presStyleCnt="0">
+        <dgm:presLayoutVars>
+          <dgm:chMax val="7"/>
+          <dgm:chPref val="7"/>
+          <dgm:dir/>
+        </dgm:presLayoutVars>
+      </dgm:prSet>
+      <dgm:spPr/>
+      <dgm:t>
+        <a:bodyPr/>
+        <a:lstStyle/>
+        <a:p>
+          <a:endParaRPr lang="es-PE"/>
+        </a:p>
+      </dgm:t>
+    </dgm:pt>
+    <dgm:pt modelId="{DF7D0933-C1E5-47C9-8745-F619EA28DBBB}" type="pres">
+      <dgm:prSet presAssocID="{031C2286-89FA-4746-8913-C03744F284D0}" presName="Name1" presStyleCnt="0"/>
+      <dgm:spPr/>
+    </dgm:pt>
+    <dgm:pt modelId="{481D4389-3756-42F5-A226-163EDF468302}" type="pres">
+      <dgm:prSet presAssocID="{031C2286-89FA-4746-8913-C03744F284D0}" presName="cycle" presStyleCnt="0"/>
+      <dgm:spPr/>
+    </dgm:pt>
+    <dgm:pt modelId="{8C9CB7CA-E59F-448E-8E3F-FEB624BA3831}" type="pres">
+      <dgm:prSet presAssocID="{031C2286-89FA-4746-8913-C03744F284D0}" presName="srcNode" presStyleLbl="node1" presStyleIdx="0" presStyleCnt="4"/>
+      <dgm:spPr/>
+    </dgm:pt>
+    <dgm:pt modelId="{57FEE7FA-91C3-4F21-8AA5-71309E3C0DF3}" type="pres">
+      <dgm:prSet presAssocID="{031C2286-89FA-4746-8913-C03744F284D0}" presName="conn" presStyleLbl="parChTrans1D2" presStyleIdx="0" presStyleCnt="1"/>
+      <dgm:spPr/>
+      <dgm:t>
+        <a:bodyPr/>
+        <a:lstStyle/>
+        <a:p>
+          <a:endParaRPr lang="es-PE"/>
+        </a:p>
+      </dgm:t>
+    </dgm:pt>
+    <dgm:pt modelId="{4D3FA207-ACE6-4065-9865-BDC264A7557A}" type="pres">
+      <dgm:prSet presAssocID="{031C2286-89FA-4746-8913-C03744F284D0}" presName="extraNode" presStyleLbl="node1" presStyleIdx="0" presStyleCnt="4"/>
+      <dgm:spPr/>
+    </dgm:pt>
+    <dgm:pt modelId="{33DF50A0-38E8-4E1F-B1F7-B5E072FDF7F6}" type="pres">
+      <dgm:prSet presAssocID="{031C2286-89FA-4746-8913-C03744F284D0}" presName="dstNode" presStyleLbl="node1" presStyleIdx="0" presStyleCnt="4"/>
+      <dgm:spPr/>
+    </dgm:pt>
+    <dgm:pt modelId="{4B7E9394-86FF-41D2-8A31-3CC93FCD64F2}" type="pres">
+      <dgm:prSet presAssocID="{F12680A9-2E1F-43C7-8136-EF6BE7C8C3C1}" presName="text_1" presStyleLbl="node1" presStyleIdx="0" presStyleCnt="4">
+        <dgm:presLayoutVars>
+          <dgm:bulletEnabled val="1"/>
+        </dgm:presLayoutVars>
+      </dgm:prSet>
+      <dgm:spPr/>
+      <dgm:t>
+        <a:bodyPr/>
+        <a:lstStyle/>
+        <a:p>
+          <a:endParaRPr lang="es-PE"/>
+        </a:p>
+      </dgm:t>
+    </dgm:pt>
+    <dgm:pt modelId="{DED0FBEF-2154-432C-A2B4-FA53460C4091}" type="pres">
+      <dgm:prSet presAssocID="{F12680A9-2E1F-43C7-8136-EF6BE7C8C3C1}" presName="accent_1" presStyleCnt="0"/>
+      <dgm:spPr/>
+    </dgm:pt>
+    <dgm:pt modelId="{AFFC57E1-628E-4D73-A426-267F1193A5E5}" type="pres">
+      <dgm:prSet presAssocID="{F12680A9-2E1F-43C7-8136-EF6BE7C8C3C1}" presName="accentRepeatNode" presStyleLbl="solidFgAcc1" presStyleIdx="0" presStyleCnt="4"/>
+      <dgm:spPr/>
+    </dgm:pt>
+    <dgm:pt modelId="{A4CAA419-1DC7-4B59-A4FC-CFCD3BB12FFD}" type="pres">
+      <dgm:prSet presAssocID="{5EC56C85-899C-47B5-8FE4-6DD8968DC427}" presName="text_2" presStyleLbl="node1" presStyleIdx="1" presStyleCnt="4">
+        <dgm:presLayoutVars>
+          <dgm:bulletEnabled val="1"/>
+        </dgm:presLayoutVars>
+      </dgm:prSet>
+      <dgm:spPr/>
+      <dgm:t>
+        <a:bodyPr/>
+        <a:lstStyle/>
+        <a:p>
+          <a:endParaRPr lang="es-PE"/>
+        </a:p>
+      </dgm:t>
+    </dgm:pt>
+    <dgm:pt modelId="{DBF84426-00CB-430C-ACCC-95C0B670FEC2}" type="pres">
+      <dgm:prSet presAssocID="{5EC56C85-899C-47B5-8FE4-6DD8968DC427}" presName="accent_2" presStyleCnt="0"/>
+      <dgm:spPr/>
+    </dgm:pt>
+    <dgm:pt modelId="{555E9449-EE08-4AD1-8D4D-63032FA815C3}" type="pres">
+      <dgm:prSet presAssocID="{5EC56C85-899C-47B5-8FE4-6DD8968DC427}" presName="accentRepeatNode" presStyleLbl="solidFgAcc1" presStyleIdx="1" presStyleCnt="4"/>
+      <dgm:spPr/>
+    </dgm:pt>
+    <dgm:pt modelId="{6DC1E5B7-D1DB-4A0E-B213-799CC970482D}" type="pres">
+      <dgm:prSet presAssocID="{68CE1387-4AE5-4163-A9D4-C94459FB13B5}" presName="text_3" presStyleLbl="node1" presStyleIdx="2" presStyleCnt="4" custScaleY="134607">
+        <dgm:presLayoutVars>
+          <dgm:bulletEnabled val="1"/>
+        </dgm:presLayoutVars>
+      </dgm:prSet>
+      <dgm:spPr/>
+      <dgm:t>
+        <a:bodyPr/>
+        <a:lstStyle/>
+        <a:p>
+          <a:endParaRPr lang="es-PE"/>
+        </a:p>
+      </dgm:t>
+    </dgm:pt>
+    <dgm:pt modelId="{98BA8292-AC54-47ED-9B9B-3833E557507D}" type="pres">
+      <dgm:prSet presAssocID="{68CE1387-4AE5-4163-A9D4-C94459FB13B5}" presName="accent_3" presStyleCnt="0"/>
+      <dgm:spPr/>
+    </dgm:pt>
+    <dgm:pt modelId="{B7CC7217-FFA1-4F63-896F-306D6C2BE0BB}" type="pres">
+      <dgm:prSet presAssocID="{68CE1387-4AE5-4163-A9D4-C94459FB13B5}" presName="accentRepeatNode" presStyleLbl="solidFgAcc1" presStyleIdx="2" presStyleCnt="4"/>
+      <dgm:spPr/>
+    </dgm:pt>
+    <dgm:pt modelId="{E5C5322A-9B35-4E7A-ABCC-2F41E5F5DF06}" type="pres">
+      <dgm:prSet presAssocID="{E7BAAE89-41DB-4D6D-8614-BC8D3D55A749}" presName="text_4" presStyleLbl="node1" presStyleIdx="3" presStyleCnt="4" custScaleY="115050">
+        <dgm:presLayoutVars>
+          <dgm:bulletEnabled val="1"/>
+        </dgm:presLayoutVars>
+      </dgm:prSet>
+      <dgm:spPr/>
+      <dgm:t>
+        <a:bodyPr/>
+        <a:lstStyle/>
+        <a:p>
+          <a:endParaRPr lang="es-PE"/>
+        </a:p>
+      </dgm:t>
+    </dgm:pt>
+    <dgm:pt modelId="{0BE10B5B-6EF7-4397-AFBD-5CF215689284}" type="pres">
+      <dgm:prSet presAssocID="{E7BAAE89-41DB-4D6D-8614-BC8D3D55A749}" presName="accent_4" presStyleCnt="0"/>
+      <dgm:spPr/>
+    </dgm:pt>
+    <dgm:pt modelId="{62FCC98B-742F-4319-A4F6-1468FF5E9BAA}" type="pres">
+      <dgm:prSet presAssocID="{E7BAAE89-41DB-4D6D-8614-BC8D3D55A749}" presName="accentRepeatNode" presStyleLbl="solidFgAcc1" presStyleIdx="3" presStyleCnt="4"/>
+      <dgm:spPr/>
+    </dgm:pt>
+  </dgm:ptLst>
+  <dgm:cxnLst>
+    <dgm:cxn modelId="{C736BC76-564E-4ED9-A845-22FB27CB3DCC}" srcId="{031C2286-89FA-4746-8913-C03744F284D0}" destId="{E7BAAE89-41DB-4D6D-8614-BC8D3D55A749}" srcOrd="3" destOrd="0" parTransId="{AAC4FD15-8674-46E6-A0DC-57461E75A8F5}" sibTransId="{1B109CB9-EC5C-4474-8E7D-8D5BD252EE0C}"/>
+    <dgm:cxn modelId="{6AA2E439-AA49-4600-9359-C939F4C3B301}" type="presOf" srcId="{5EC56C85-899C-47B5-8FE4-6DD8968DC427}" destId="{A4CAA419-1DC7-4B59-A4FC-CFCD3BB12FFD}" srcOrd="0" destOrd="0" presId="urn:microsoft.com/office/officeart/2008/layout/VerticalCurvedList"/>
+    <dgm:cxn modelId="{B3524F19-5D6E-43CB-847E-12F8569430DE}" srcId="{031C2286-89FA-4746-8913-C03744F284D0}" destId="{5EC56C85-899C-47B5-8FE4-6DD8968DC427}" srcOrd="1" destOrd="0" parTransId="{56995858-4DA7-456C-9098-737306204A72}" sibTransId="{1482C9C8-A6BA-45A4-B207-F201E5B3CB55}"/>
+    <dgm:cxn modelId="{EDC306EF-900A-45BA-B6C3-B87E5DBFE9D2}" type="presOf" srcId="{031C2286-89FA-4746-8913-C03744F284D0}" destId="{FE5925CF-EBA3-4BC5-A913-3B297B028C23}" srcOrd="0" destOrd="0" presId="urn:microsoft.com/office/officeart/2008/layout/VerticalCurvedList"/>
+    <dgm:cxn modelId="{4A762762-8DF5-4C43-BA78-BEC4AECDE5B6}" type="presOf" srcId="{68CE1387-4AE5-4163-A9D4-C94459FB13B5}" destId="{6DC1E5B7-D1DB-4A0E-B213-799CC970482D}" srcOrd="0" destOrd="0" presId="urn:microsoft.com/office/officeart/2008/layout/VerticalCurvedList"/>
+    <dgm:cxn modelId="{4E4D7FD6-7C96-4336-A695-A42EA5C3F80B}" type="presOf" srcId="{E7BAAE89-41DB-4D6D-8614-BC8D3D55A749}" destId="{E5C5322A-9B35-4E7A-ABCC-2F41E5F5DF06}" srcOrd="0" destOrd="0" presId="urn:microsoft.com/office/officeart/2008/layout/VerticalCurvedList"/>
+    <dgm:cxn modelId="{A340BBA4-1FA3-48C9-96FD-02E993B57A11}" type="presOf" srcId="{AB2B0323-5AB3-43C3-8E17-7B89BD7BAFC2}" destId="{57FEE7FA-91C3-4F21-8AA5-71309E3C0DF3}" srcOrd="0" destOrd="0" presId="urn:microsoft.com/office/officeart/2008/layout/VerticalCurvedList"/>
+    <dgm:cxn modelId="{0A15EBF0-E59C-4E53-BD80-E2164133A6B8}" srcId="{031C2286-89FA-4746-8913-C03744F284D0}" destId="{F12680A9-2E1F-43C7-8136-EF6BE7C8C3C1}" srcOrd="0" destOrd="0" parTransId="{4243D0EC-51D7-4223-85C1-83BAE7F300AD}" sibTransId="{AB2B0323-5AB3-43C3-8E17-7B89BD7BAFC2}"/>
+    <dgm:cxn modelId="{9EABB445-73DE-4709-9BDB-BF06A99B22D1}" type="presOf" srcId="{F12680A9-2E1F-43C7-8136-EF6BE7C8C3C1}" destId="{4B7E9394-86FF-41D2-8A31-3CC93FCD64F2}" srcOrd="0" destOrd="0" presId="urn:microsoft.com/office/officeart/2008/layout/VerticalCurvedList"/>
+    <dgm:cxn modelId="{F072D4F6-15AA-45D6-8F08-EC7ECF53211D}" srcId="{031C2286-89FA-4746-8913-C03744F284D0}" destId="{68CE1387-4AE5-4163-A9D4-C94459FB13B5}" srcOrd="2" destOrd="0" parTransId="{81AF4372-FCBB-43B3-ABF0-B6662778D4BD}" sibTransId="{D3644713-64B3-4D0F-850E-FDED0855FACD}"/>
+    <dgm:cxn modelId="{772AAF5D-F462-4B7E-90EA-9A87717BE945}" type="presParOf" srcId="{FE5925CF-EBA3-4BC5-A913-3B297B028C23}" destId="{DF7D0933-C1E5-47C9-8745-F619EA28DBBB}" srcOrd="0" destOrd="0" presId="urn:microsoft.com/office/officeart/2008/layout/VerticalCurvedList"/>
+    <dgm:cxn modelId="{4CEA3477-F716-4B96-B1D3-9DEEC2A2B77F}" type="presParOf" srcId="{DF7D0933-C1E5-47C9-8745-F619EA28DBBB}" destId="{481D4389-3756-42F5-A226-163EDF468302}" srcOrd="0" destOrd="0" presId="urn:microsoft.com/office/officeart/2008/layout/VerticalCurvedList"/>
+    <dgm:cxn modelId="{0C2CF830-8623-4001-AAE7-F490034331F4}" type="presParOf" srcId="{481D4389-3756-42F5-A226-163EDF468302}" destId="{8C9CB7CA-E59F-448E-8E3F-FEB624BA3831}" srcOrd="0" destOrd="0" presId="urn:microsoft.com/office/officeart/2008/layout/VerticalCurvedList"/>
+    <dgm:cxn modelId="{15032934-51BA-4312-8651-3927EA1AD2A5}" type="presParOf" srcId="{481D4389-3756-42F5-A226-163EDF468302}" destId="{57FEE7FA-91C3-4F21-8AA5-71309E3C0DF3}" srcOrd="1" destOrd="0" presId="urn:microsoft.com/office/officeart/2008/layout/VerticalCurvedList"/>
+    <dgm:cxn modelId="{B7CB2750-2739-46F4-A0F9-2D38F6E5D708}" type="presParOf" srcId="{481D4389-3756-42F5-A226-163EDF468302}" destId="{4D3FA207-ACE6-4065-9865-BDC264A7557A}" srcOrd="2" destOrd="0" presId="urn:microsoft.com/office/officeart/2008/layout/VerticalCurvedList"/>
+    <dgm:cxn modelId="{19C5F51D-D25A-4981-B50B-163C33999A06}" type="presParOf" srcId="{481D4389-3756-42F5-A226-163EDF468302}" destId="{33DF50A0-38E8-4E1F-B1F7-B5E072FDF7F6}" srcOrd="3" destOrd="0" presId="urn:microsoft.com/office/officeart/2008/layout/VerticalCurvedList"/>
+    <dgm:cxn modelId="{F5DC49B7-5C8C-4842-A469-FB4C07E1CC4E}" type="presParOf" srcId="{DF7D0933-C1E5-47C9-8745-F619EA28DBBB}" destId="{4B7E9394-86FF-41D2-8A31-3CC93FCD64F2}" srcOrd="1" destOrd="0" presId="urn:microsoft.com/office/officeart/2008/layout/VerticalCurvedList"/>
+    <dgm:cxn modelId="{C9E367BC-4F47-4A8A-99C6-C3D4BD77DD91}" type="presParOf" srcId="{DF7D0933-C1E5-47C9-8745-F619EA28DBBB}" destId="{DED0FBEF-2154-432C-A2B4-FA53460C4091}" srcOrd="2" destOrd="0" presId="urn:microsoft.com/office/officeart/2008/layout/VerticalCurvedList"/>
+    <dgm:cxn modelId="{AD11C508-CE9A-4AFD-8E62-863D9A391071}" type="presParOf" srcId="{DED0FBEF-2154-432C-A2B4-FA53460C4091}" destId="{AFFC57E1-628E-4D73-A426-267F1193A5E5}" srcOrd="0" destOrd="0" presId="urn:microsoft.com/office/officeart/2008/layout/VerticalCurvedList"/>
+    <dgm:cxn modelId="{3D333531-AA48-4010-842D-CD9C29E39886}" type="presParOf" srcId="{DF7D0933-C1E5-47C9-8745-F619EA28DBBB}" destId="{A4CAA419-1DC7-4B59-A4FC-CFCD3BB12FFD}" srcOrd="3" destOrd="0" presId="urn:microsoft.com/office/officeart/2008/layout/VerticalCurvedList"/>
+    <dgm:cxn modelId="{4D5003DE-A38F-4F54-B381-3F637BAAA1A7}" type="presParOf" srcId="{DF7D0933-C1E5-47C9-8745-F619EA28DBBB}" destId="{DBF84426-00CB-430C-ACCC-95C0B670FEC2}" srcOrd="4" destOrd="0" presId="urn:microsoft.com/office/officeart/2008/layout/VerticalCurvedList"/>
+    <dgm:cxn modelId="{B425EC68-FF30-46F2-A3D8-4A83EF254C3A}" type="presParOf" srcId="{DBF84426-00CB-430C-ACCC-95C0B670FEC2}" destId="{555E9449-EE08-4AD1-8D4D-63032FA815C3}" srcOrd="0" destOrd="0" presId="urn:microsoft.com/office/officeart/2008/layout/VerticalCurvedList"/>
+    <dgm:cxn modelId="{E7B2B581-7DB5-4596-9C62-75E36B39FF61}" type="presParOf" srcId="{DF7D0933-C1E5-47C9-8745-F619EA28DBBB}" destId="{6DC1E5B7-D1DB-4A0E-B213-799CC970482D}" srcOrd="5" destOrd="0" presId="urn:microsoft.com/office/officeart/2008/layout/VerticalCurvedList"/>
+    <dgm:cxn modelId="{4D27A752-AEF1-4002-8E3B-733AFA25CB98}" type="presParOf" srcId="{DF7D0933-C1E5-47C9-8745-F619EA28DBBB}" destId="{98BA8292-AC54-47ED-9B9B-3833E557507D}" srcOrd="6" destOrd="0" presId="urn:microsoft.com/office/officeart/2008/layout/VerticalCurvedList"/>
+    <dgm:cxn modelId="{E2ECE21A-DFDD-4AE0-8DDD-50BC3BBDD067}" type="presParOf" srcId="{98BA8292-AC54-47ED-9B9B-3833E557507D}" destId="{B7CC7217-FFA1-4F63-896F-306D6C2BE0BB}" srcOrd="0" destOrd="0" presId="urn:microsoft.com/office/officeart/2008/layout/VerticalCurvedList"/>
+    <dgm:cxn modelId="{D9EC4FE5-51FF-4106-B955-9655352D0426}" type="presParOf" srcId="{DF7D0933-C1E5-47C9-8745-F619EA28DBBB}" destId="{E5C5322A-9B35-4E7A-ABCC-2F41E5F5DF06}" srcOrd="7" destOrd="0" presId="urn:microsoft.com/office/officeart/2008/layout/VerticalCurvedList"/>
+    <dgm:cxn modelId="{25ED17F0-0CA4-4C75-A5E1-FA4B1EC66999}" type="presParOf" srcId="{DF7D0933-C1E5-47C9-8745-F619EA28DBBB}" destId="{0BE10B5B-6EF7-4397-AFBD-5CF215689284}" srcOrd="8" destOrd="0" presId="urn:microsoft.com/office/officeart/2008/layout/VerticalCurvedList"/>
+    <dgm:cxn modelId="{BD0E0F8A-9821-465A-A8AF-F9786FB3CFD5}" type="presParOf" srcId="{0BE10B5B-6EF7-4397-AFBD-5CF215689284}" destId="{62FCC98B-742F-4319-A4F6-1468FF5E9BAA}" srcOrd="0" destOrd="0" presId="urn:microsoft.com/office/officeart/2008/layout/VerticalCurvedList"/>
   </dgm:cxnLst>
   <dgm:bg/>
   <dgm:whole/>
@@ -12680,6 +13845,770 @@
 </dsp:drawing>
 </file>
 
+<file path=ppt/diagrams/drawing7.xml><?xml version="1.0" encoding="utf-8"?>
+<dsp:drawing xmlns:dgm="http://schemas.openxmlformats.org/drawingml/2006/diagram" xmlns:dsp="http://schemas.microsoft.com/office/drawing/2008/diagram" xmlns:a="http://schemas.openxmlformats.org/drawingml/2006/main">
+  <dsp:spTree>
+    <dsp:nvGrpSpPr>
+      <dsp:cNvPr id="0" name=""/>
+      <dsp:cNvGrpSpPr/>
+    </dsp:nvGrpSpPr>
+    <dsp:grpSpPr/>
+    <dsp:sp modelId="{57FEE7FA-91C3-4F21-8AA5-71309E3C0DF3}">
+      <dsp:nvSpPr>
+        <dsp:cNvPr id="0" name=""/>
+        <dsp:cNvSpPr/>
+      </dsp:nvSpPr>
+      <dsp:spPr>
+        <a:xfrm>
+          <a:off x="-4468082" y="-685214"/>
+          <a:ext cx="5322836" cy="5322836"/>
+        </a:xfrm>
+        <a:prstGeom prst="blockArc">
+          <a:avLst>
+            <a:gd name="adj1" fmla="val 18900000"/>
+            <a:gd name="adj2" fmla="val 2700000"/>
+            <a:gd name="adj3" fmla="val 406"/>
+          </a:avLst>
+        </a:prstGeom>
+        <a:noFill/>
+        <a:ln w="25400" cap="flat" cmpd="sng" algn="ctr">
+          <a:solidFill>
+            <a:schemeClr val="accent5">
+              <a:hueOff val="0"/>
+              <a:satOff val="0"/>
+              <a:lumOff val="0"/>
+              <a:alphaOff val="0"/>
+            </a:schemeClr>
+          </a:solidFill>
+          <a:prstDash val="solid"/>
+        </a:ln>
+        <a:effectLst/>
+      </dsp:spPr>
+      <dsp:style>
+        <a:lnRef idx="2">
+          <a:scrgbClr r="0" g="0" b="0"/>
+        </a:lnRef>
+        <a:fillRef idx="0">
+          <a:scrgbClr r="0" g="0" b="0"/>
+        </a:fillRef>
+        <a:effectRef idx="0">
+          <a:scrgbClr r="0" g="0" b="0"/>
+        </a:effectRef>
+        <a:fontRef idx="minor"/>
+      </dsp:style>
+    </dsp:sp>
+    <dsp:sp modelId="{4B7E9394-86FF-41D2-8A31-3CC93FCD64F2}">
+      <dsp:nvSpPr>
+        <dsp:cNvPr id="0" name=""/>
+        <dsp:cNvSpPr/>
+      </dsp:nvSpPr>
+      <dsp:spPr>
+        <a:xfrm>
+          <a:off x="447741" y="303861"/>
+          <a:ext cx="6039222" cy="608038"/>
+        </a:xfrm>
+        <a:prstGeom prst="rect">
+          <a:avLst/>
+        </a:prstGeom>
+        <a:gradFill rotWithShape="0">
+          <a:gsLst>
+            <a:gs pos="0">
+              <a:schemeClr val="accent4">
+                <a:hueOff val="0"/>
+                <a:satOff val="0"/>
+                <a:lumOff val="0"/>
+                <a:alphaOff val="0"/>
+                <a:shade val="51000"/>
+                <a:satMod val="130000"/>
+              </a:schemeClr>
+            </a:gs>
+            <a:gs pos="80000">
+              <a:schemeClr val="accent4">
+                <a:hueOff val="0"/>
+                <a:satOff val="0"/>
+                <a:lumOff val="0"/>
+                <a:alphaOff val="0"/>
+                <a:shade val="93000"/>
+                <a:satMod val="130000"/>
+              </a:schemeClr>
+            </a:gs>
+            <a:gs pos="100000">
+              <a:schemeClr val="accent4">
+                <a:hueOff val="0"/>
+                <a:satOff val="0"/>
+                <a:lumOff val="0"/>
+                <a:alphaOff val="0"/>
+                <a:shade val="94000"/>
+                <a:satMod val="135000"/>
+              </a:schemeClr>
+            </a:gs>
+          </a:gsLst>
+          <a:lin ang="16200000" scaled="0"/>
+        </a:gradFill>
+        <a:ln>
+          <a:noFill/>
+        </a:ln>
+        <a:effectLst>
+          <a:outerShdw blurRad="40000" dist="23000" dir="5400000" rotWithShape="0">
+            <a:srgbClr val="000000">
+              <a:alpha val="35000"/>
+            </a:srgbClr>
+          </a:outerShdw>
+        </a:effectLst>
+        <a:scene3d>
+          <a:camera prst="orthographicFront">
+            <a:rot lat="0" lon="0" rev="0"/>
+          </a:camera>
+          <a:lightRig rig="threePt" dir="t">
+            <a:rot lat="0" lon="0" rev="1200000"/>
+          </a:lightRig>
+        </a:scene3d>
+        <a:sp3d>
+          <a:bevelT w="63500" h="25400"/>
+        </a:sp3d>
+      </dsp:spPr>
+      <dsp:style>
+        <a:lnRef idx="0">
+          <a:scrgbClr r="0" g="0" b="0"/>
+        </a:lnRef>
+        <a:fillRef idx="3">
+          <a:scrgbClr r="0" g="0" b="0"/>
+        </a:fillRef>
+        <a:effectRef idx="3">
+          <a:scrgbClr r="0" g="0" b="0"/>
+        </a:effectRef>
+        <a:fontRef idx="minor">
+          <a:schemeClr val="lt1"/>
+        </a:fontRef>
+      </dsp:style>
+      <dsp:txBody>
+        <a:bodyPr spcFirstLastPara="0" vert="horz" wrap="square" lIns="482631" tIns="40640" rIns="40640" bIns="40640" numCol="1" spcCol="1270" anchor="ctr" anchorCtr="0">
+          <a:noAutofit/>
+        </a:bodyPr>
+        <a:lstStyle/>
+        <a:p>
+          <a:pPr lvl="0" algn="l" defTabSz="711200">
+            <a:lnSpc>
+              <a:spcPct val="90000"/>
+            </a:lnSpc>
+            <a:spcBef>
+              <a:spcPct val="0"/>
+            </a:spcBef>
+            <a:spcAft>
+              <a:spcPct val="35000"/>
+            </a:spcAft>
+          </a:pPr>
+          <a:r>
+            <a:rPr lang="es-PE" sz="1600" b="0" kern="1200" dirty="0" smtClean="0">
+              <a:latin typeface="Arial" panose="020B0604020202020204" pitchFamily="34" charset="0"/>
+              <a:cs typeface="Arial" panose="020B0604020202020204" pitchFamily="34" charset="0"/>
+            </a:rPr>
+            <a:t>Producto: Tecnología, servicio, garantía y financiamiento.</a:t>
+          </a:r>
+          <a:endParaRPr lang="es-PE" sz="1600" b="0" kern="1200" dirty="0">
+            <a:latin typeface="Arial" panose="020B0604020202020204" pitchFamily="34" charset="0"/>
+            <a:cs typeface="Arial" panose="020B0604020202020204" pitchFamily="34" charset="0"/>
+          </a:endParaRPr>
+        </a:p>
+      </dsp:txBody>
+      <dsp:txXfrm>
+        <a:off x="447741" y="303861"/>
+        <a:ext cx="6039222" cy="608038"/>
+      </dsp:txXfrm>
+    </dsp:sp>
+    <dsp:sp modelId="{AFFC57E1-628E-4D73-A426-267F1193A5E5}">
+      <dsp:nvSpPr>
+        <dsp:cNvPr id="0" name=""/>
+        <dsp:cNvSpPr/>
+      </dsp:nvSpPr>
+      <dsp:spPr>
+        <a:xfrm>
+          <a:off x="67717" y="227856"/>
+          <a:ext cx="760048" cy="760048"/>
+        </a:xfrm>
+        <a:prstGeom prst="ellipse">
+          <a:avLst/>
+        </a:prstGeom>
+        <a:solidFill>
+          <a:schemeClr val="lt1">
+            <a:hueOff val="0"/>
+            <a:satOff val="0"/>
+            <a:lumOff val="0"/>
+            <a:alphaOff val="0"/>
+          </a:schemeClr>
+        </a:solidFill>
+        <a:ln w="9525" cap="flat" cmpd="sng" algn="ctr">
+          <a:solidFill>
+            <a:schemeClr val="accent4">
+              <a:hueOff val="0"/>
+              <a:satOff val="0"/>
+              <a:lumOff val="0"/>
+              <a:alphaOff val="0"/>
+            </a:schemeClr>
+          </a:solidFill>
+          <a:prstDash val="solid"/>
+        </a:ln>
+        <a:effectLst>
+          <a:outerShdw blurRad="40000" dist="23000" dir="5400000" rotWithShape="0">
+            <a:srgbClr val="000000">
+              <a:alpha val="35000"/>
+            </a:srgbClr>
+          </a:outerShdw>
+        </a:effectLst>
+      </dsp:spPr>
+      <dsp:style>
+        <a:lnRef idx="1">
+          <a:scrgbClr r="0" g="0" b="0"/>
+        </a:lnRef>
+        <a:fillRef idx="1">
+          <a:scrgbClr r="0" g="0" b="0"/>
+        </a:fillRef>
+        <a:effectRef idx="2">
+          <a:scrgbClr r="0" g="0" b="0"/>
+        </a:effectRef>
+        <a:fontRef idx="minor"/>
+      </dsp:style>
+    </dsp:sp>
+    <dsp:sp modelId="{A4CAA419-1DC7-4B59-A4FC-CFCD3BB12FFD}">
+      <dsp:nvSpPr>
+        <dsp:cNvPr id="0" name=""/>
+        <dsp:cNvSpPr/>
+      </dsp:nvSpPr>
+      <dsp:spPr>
+        <a:xfrm>
+          <a:off x="796343" y="1216076"/>
+          <a:ext cx="5690620" cy="608038"/>
+        </a:xfrm>
+        <a:prstGeom prst="rect">
+          <a:avLst/>
+        </a:prstGeom>
+        <a:gradFill rotWithShape="0">
+          <a:gsLst>
+            <a:gs pos="0">
+              <a:schemeClr val="accent4">
+                <a:hueOff val="-1488257"/>
+                <a:satOff val="8966"/>
+                <a:lumOff val="719"/>
+                <a:alphaOff val="0"/>
+                <a:shade val="51000"/>
+                <a:satMod val="130000"/>
+              </a:schemeClr>
+            </a:gs>
+            <a:gs pos="80000">
+              <a:schemeClr val="accent4">
+                <a:hueOff val="-1488257"/>
+                <a:satOff val="8966"/>
+                <a:lumOff val="719"/>
+                <a:alphaOff val="0"/>
+                <a:shade val="93000"/>
+                <a:satMod val="130000"/>
+              </a:schemeClr>
+            </a:gs>
+            <a:gs pos="100000">
+              <a:schemeClr val="accent4">
+                <a:hueOff val="-1488257"/>
+                <a:satOff val="8966"/>
+                <a:lumOff val="719"/>
+                <a:alphaOff val="0"/>
+                <a:shade val="94000"/>
+                <a:satMod val="135000"/>
+              </a:schemeClr>
+            </a:gs>
+          </a:gsLst>
+          <a:lin ang="16200000" scaled="0"/>
+        </a:gradFill>
+        <a:ln>
+          <a:noFill/>
+        </a:ln>
+        <a:effectLst>
+          <a:outerShdw blurRad="40000" dist="23000" dir="5400000" rotWithShape="0">
+            <a:srgbClr val="000000">
+              <a:alpha val="35000"/>
+            </a:srgbClr>
+          </a:outerShdw>
+        </a:effectLst>
+        <a:scene3d>
+          <a:camera prst="orthographicFront">
+            <a:rot lat="0" lon="0" rev="0"/>
+          </a:camera>
+          <a:lightRig rig="threePt" dir="t">
+            <a:rot lat="0" lon="0" rev="1200000"/>
+          </a:lightRig>
+        </a:scene3d>
+        <a:sp3d>
+          <a:bevelT w="63500" h="25400"/>
+        </a:sp3d>
+      </dsp:spPr>
+      <dsp:style>
+        <a:lnRef idx="0">
+          <a:scrgbClr r="0" g="0" b="0"/>
+        </a:lnRef>
+        <a:fillRef idx="3">
+          <a:scrgbClr r="0" g="0" b="0"/>
+        </a:fillRef>
+        <a:effectRef idx="3">
+          <a:scrgbClr r="0" g="0" b="0"/>
+        </a:effectRef>
+        <a:fontRef idx="minor">
+          <a:schemeClr val="lt1"/>
+        </a:fontRef>
+      </dsp:style>
+      <dsp:txBody>
+        <a:bodyPr spcFirstLastPara="0" vert="horz" wrap="square" lIns="482631" tIns="40640" rIns="40640" bIns="40640" numCol="1" spcCol="1270" anchor="ctr" anchorCtr="0">
+          <a:noAutofit/>
+        </a:bodyPr>
+        <a:lstStyle/>
+        <a:p>
+          <a:pPr lvl="0" algn="l" defTabSz="711200">
+            <a:lnSpc>
+              <a:spcPct val="90000"/>
+            </a:lnSpc>
+            <a:spcBef>
+              <a:spcPct val="0"/>
+            </a:spcBef>
+            <a:spcAft>
+              <a:spcPct val="35000"/>
+            </a:spcAft>
+          </a:pPr>
+          <a:r>
+            <a:rPr lang="es-PE" sz="1600" b="0" kern="1200" dirty="0" smtClean="0">
+              <a:latin typeface="Arial" panose="020B0604020202020204" pitchFamily="34" charset="0"/>
+              <a:cs typeface="Arial" panose="020B0604020202020204" pitchFamily="34" charset="0"/>
+            </a:rPr>
+            <a:t>Precio: Dólares, refleja calidad.</a:t>
+          </a:r>
+          <a:endParaRPr lang="es-PE" sz="1600" b="0" kern="1200" dirty="0">
+            <a:latin typeface="Arial" panose="020B0604020202020204" pitchFamily="34" charset="0"/>
+            <a:cs typeface="Arial" panose="020B0604020202020204" pitchFamily="34" charset="0"/>
+          </a:endParaRPr>
+        </a:p>
+      </dsp:txBody>
+      <dsp:txXfrm>
+        <a:off x="796343" y="1216076"/>
+        <a:ext cx="5690620" cy="608038"/>
+      </dsp:txXfrm>
+    </dsp:sp>
+    <dsp:sp modelId="{555E9449-EE08-4AD1-8D4D-63032FA815C3}">
+      <dsp:nvSpPr>
+        <dsp:cNvPr id="0" name=""/>
+        <dsp:cNvSpPr/>
+      </dsp:nvSpPr>
+      <dsp:spPr>
+        <a:xfrm>
+          <a:off x="416319" y="1140072"/>
+          <a:ext cx="760048" cy="760048"/>
+        </a:xfrm>
+        <a:prstGeom prst="ellipse">
+          <a:avLst/>
+        </a:prstGeom>
+        <a:solidFill>
+          <a:schemeClr val="lt1">
+            <a:hueOff val="0"/>
+            <a:satOff val="0"/>
+            <a:lumOff val="0"/>
+            <a:alphaOff val="0"/>
+          </a:schemeClr>
+        </a:solidFill>
+        <a:ln w="9525" cap="flat" cmpd="sng" algn="ctr">
+          <a:solidFill>
+            <a:schemeClr val="accent4">
+              <a:hueOff val="-1488257"/>
+              <a:satOff val="8966"/>
+              <a:lumOff val="719"/>
+              <a:alphaOff val="0"/>
+            </a:schemeClr>
+          </a:solidFill>
+          <a:prstDash val="solid"/>
+        </a:ln>
+        <a:effectLst>
+          <a:outerShdw blurRad="40000" dist="23000" dir="5400000" rotWithShape="0">
+            <a:srgbClr val="000000">
+              <a:alpha val="35000"/>
+            </a:srgbClr>
+          </a:outerShdw>
+        </a:effectLst>
+      </dsp:spPr>
+      <dsp:style>
+        <a:lnRef idx="1">
+          <a:scrgbClr r="0" g="0" b="0"/>
+        </a:lnRef>
+        <a:fillRef idx="1">
+          <a:scrgbClr r="0" g="0" b="0"/>
+        </a:fillRef>
+        <a:effectRef idx="2">
+          <a:scrgbClr r="0" g="0" b="0"/>
+        </a:effectRef>
+        <a:fontRef idx="minor"/>
+      </dsp:style>
+    </dsp:sp>
+    <dsp:sp modelId="{6DC1E5B7-D1DB-4A0E-B213-799CC970482D}">
+      <dsp:nvSpPr>
+        <dsp:cNvPr id="0" name=""/>
+        <dsp:cNvSpPr/>
+      </dsp:nvSpPr>
+      <dsp:spPr>
+        <a:xfrm>
+          <a:off x="796343" y="2023080"/>
+          <a:ext cx="5690620" cy="818462"/>
+        </a:xfrm>
+        <a:prstGeom prst="rect">
+          <a:avLst/>
+        </a:prstGeom>
+        <a:gradFill rotWithShape="0">
+          <a:gsLst>
+            <a:gs pos="0">
+              <a:schemeClr val="accent4">
+                <a:hueOff val="-2976513"/>
+                <a:satOff val="17933"/>
+                <a:lumOff val="1437"/>
+                <a:alphaOff val="0"/>
+                <a:shade val="51000"/>
+                <a:satMod val="130000"/>
+              </a:schemeClr>
+            </a:gs>
+            <a:gs pos="80000">
+              <a:schemeClr val="accent4">
+                <a:hueOff val="-2976513"/>
+                <a:satOff val="17933"/>
+                <a:lumOff val="1437"/>
+                <a:alphaOff val="0"/>
+                <a:shade val="93000"/>
+                <a:satMod val="130000"/>
+              </a:schemeClr>
+            </a:gs>
+            <a:gs pos="100000">
+              <a:schemeClr val="accent4">
+                <a:hueOff val="-2976513"/>
+                <a:satOff val="17933"/>
+                <a:lumOff val="1437"/>
+                <a:alphaOff val="0"/>
+                <a:shade val="94000"/>
+                <a:satMod val="135000"/>
+              </a:schemeClr>
+            </a:gs>
+          </a:gsLst>
+          <a:lin ang="16200000" scaled="0"/>
+        </a:gradFill>
+        <a:ln>
+          <a:noFill/>
+        </a:ln>
+        <a:effectLst>
+          <a:outerShdw blurRad="40000" dist="23000" dir="5400000" rotWithShape="0">
+            <a:srgbClr val="000000">
+              <a:alpha val="35000"/>
+            </a:srgbClr>
+          </a:outerShdw>
+        </a:effectLst>
+        <a:scene3d>
+          <a:camera prst="orthographicFront">
+            <a:rot lat="0" lon="0" rev="0"/>
+          </a:camera>
+          <a:lightRig rig="threePt" dir="t">
+            <a:rot lat="0" lon="0" rev="1200000"/>
+          </a:lightRig>
+        </a:scene3d>
+        <a:sp3d>
+          <a:bevelT w="63500" h="25400"/>
+        </a:sp3d>
+      </dsp:spPr>
+      <dsp:style>
+        <a:lnRef idx="0">
+          <a:scrgbClr r="0" g="0" b="0"/>
+        </a:lnRef>
+        <a:fillRef idx="3">
+          <a:scrgbClr r="0" g="0" b="0"/>
+        </a:fillRef>
+        <a:effectRef idx="3">
+          <a:scrgbClr r="0" g="0" b="0"/>
+        </a:effectRef>
+        <a:fontRef idx="minor">
+          <a:schemeClr val="lt1"/>
+        </a:fontRef>
+      </dsp:style>
+      <dsp:txBody>
+        <a:bodyPr spcFirstLastPara="0" vert="horz" wrap="square" lIns="482631" tIns="40640" rIns="40640" bIns="40640" numCol="1" spcCol="1270" anchor="ctr" anchorCtr="0">
+          <a:noAutofit/>
+        </a:bodyPr>
+        <a:lstStyle/>
+        <a:p>
+          <a:pPr lvl="0" algn="l" defTabSz="711200">
+            <a:lnSpc>
+              <a:spcPct val="90000"/>
+            </a:lnSpc>
+            <a:spcBef>
+              <a:spcPct val="0"/>
+            </a:spcBef>
+            <a:spcAft>
+              <a:spcPct val="35000"/>
+            </a:spcAft>
+          </a:pPr>
+          <a:r>
+            <a:rPr lang="es-PE" sz="1600" b="0" kern="1200" dirty="0" smtClean="0">
+              <a:latin typeface="Arial" panose="020B0604020202020204" pitchFamily="34" charset="0"/>
+              <a:cs typeface="Arial" panose="020B0604020202020204" pitchFamily="34" charset="0"/>
+            </a:rPr>
+            <a:t>Plaza: San Borja, San Isidro, Miraflores y San Miguel.</a:t>
+          </a:r>
+        </a:p>
+        <a:p>
+          <a:pPr lvl="0" algn="l" defTabSz="711200">
+            <a:lnSpc>
+              <a:spcPct val="90000"/>
+            </a:lnSpc>
+            <a:spcBef>
+              <a:spcPct val="0"/>
+            </a:spcBef>
+            <a:spcAft>
+              <a:spcPct val="35000"/>
+            </a:spcAft>
+          </a:pPr>
+          <a:r>
+            <a:rPr lang="es-PE" sz="1600" b="0" kern="1200" dirty="0" smtClean="0">
+              <a:latin typeface="Arial" panose="020B0604020202020204" pitchFamily="34" charset="0"/>
+              <a:cs typeface="Arial" panose="020B0604020202020204" pitchFamily="34" charset="0"/>
+            </a:rPr>
+            <a:t>Nuevo canal indirecto. </a:t>
+          </a:r>
+          <a:endParaRPr lang="es-PE" sz="1600" b="0" kern="1200" dirty="0">
+            <a:latin typeface="Arial" panose="020B0604020202020204" pitchFamily="34" charset="0"/>
+            <a:cs typeface="Arial" panose="020B0604020202020204" pitchFamily="34" charset="0"/>
+          </a:endParaRPr>
+        </a:p>
+      </dsp:txBody>
+      <dsp:txXfrm>
+        <a:off x="796343" y="2023080"/>
+        <a:ext cx="5690620" cy="818462"/>
+      </dsp:txXfrm>
+    </dsp:sp>
+    <dsp:sp modelId="{B7CC7217-FFA1-4F63-896F-306D6C2BE0BB}">
+      <dsp:nvSpPr>
+        <dsp:cNvPr id="0" name=""/>
+        <dsp:cNvSpPr/>
+      </dsp:nvSpPr>
+      <dsp:spPr>
+        <a:xfrm>
+          <a:off x="416319" y="2052287"/>
+          <a:ext cx="760048" cy="760048"/>
+        </a:xfrm>
+        <a:prstGeom prst="ellipse">
+          <a:avLst/>
+        </a:prstGeom>
+        <a:solidFill>
+          <a:schemeClr val="lt1">
+            <a:hueOff val="0"/>
+            <a:satOff val="0"/>
+            <a:lumOff val="0"/>
+            <a:alphaOff val="0"/>
+          </a:schemeClr>
+        </a:solidFill>
+        <a:ln w="9525" cap="flat" cmpd="sng" algn="ctr">
+          <a:solidFill>
+            <a:schemeClr val="accent4">
+              <a:hueOff val="-2976513"/>
+              <a:satOff val="17933"/>
+              <a:lumOff val="1437"/>
+              <a:alphaOff val="0"/>
+            </a:schemeClr>
+          </a:solidFill>
+          <a:prstDash val="solid"/>
+        </a:ln>
+        <a:effectLst>
+          <a:outerShdw blurRad="40000" dist="23000" dir="5400000" rotWithShape="0">
+            <a:srgbClr val="000000">
+              <a:alpha val="35000"/>
+            </a:srgbClr>
+          </a:outerShdw>
+        </a:effectLst>
+      </dsp:spPr>
+      <dsp:style>
+        <a:lnRef idx="1">
+          <a:scrgbClr r="0" g="0" b="0"/>
+        </a:lnRef>
+        <a:fillRef idx="1">
+          <a:scrgbClr r="0" g="0" b="0"/>
+        </a:fillRef>
+        <a:effectRef idx="2">
+          <a:scrgbClr r="0" g="0" b="0"/>
+        </a:effectRef>
+        <a:fontRef idx="minor"/>
+      </dsp:style>
+    </dsp:sp>
+    <dsp:sp modelId="{E5C5322A-9B35-4E7A-ABCC-2F41E5F5DF06}">
+      <dsp:nvSpPr>
+        <dsp:cNvPr id="0" name=""/>
+        <dsp:cNvSpPr/>
+      </dsp:nvSpPr>
+      <dsp:spPr>
+        <a:xfrm>
+          <a:off x="447741" y="2994753"/>
+          <a:ext cx="6039222" cy="699548"/>
+        </a:xfrm>
+        <a:prstGeom prst="rect">
+          <a:avLst/>
+        </a:prstGeom>
+        <a:gradFill rotWithShape="0">
+          <a:gsLst>
+            <a:gs pos="0">
+              <a:schemeClr val="accent4">
+                <a:hueOff val="-4464770"/>
+                <a:satOff val="26899"/>
+                <a:lumOff val="2156"/>
+                <a:alphaOff val="0"/>
+                <a:shade val="51000"/>
+                <a:satMod val="130000"/>
+              </a:schemeClr>
+            </a:gs>
+            <a:gs pos="80000">
+              <a:schemeClr val="accent4">
+                <a:hueOff val="-4464770"/>
+                <a:satOff val="26899"/>
+                <a:lumOff val="2156"/>
+                <a:alphaOff val="0"/>
+                <a:shade val="93000"/>
+                <a:satMod val="130000"/>
+              </a:schemeClr>
+            </a:gs>
+            <a:gs pos="100000">
+              <a:schemeClr val="accent4">
+                <a:hueOff val="-4464770"/>
+                <a:satOff val="26899"/>
+                <a:lumOff val="2156"/>
+                <a:alphaOff val="0"/>
+                <a:shade val="94000"/>
+                <a:satMod val="135000"/>
+              </a:schemeClr>
+            </a:gs>
+          </a:gsLst>
+          <a:lin ang="16200000" scaled="0"/>
+        </a:gradFill>
+        <a:ln>
+          <a:noFill/>
+        </a:ln>
+        <a:effectLst>
+          <a:outerShdw blurRad="40000" dist="23000" dir="5400000" rotWithShape="0">
+            <a:srgbClr val="000000">
+              <a:alpha val="35000"/>
+            </a:srgbClr>
+          </a:outerShdw>
+        </a:effectLst>
+        <a:scene3d>
+          <a:camera prst="orthographicFront">
+            <a:rot lat="0" lon="0" rev="0"/>
+          </a:camera>
+          <a:lightRig rig="threePt" dir="t">
+            <a:rot lat="0" lon="0" rev="1200000"/>
+          </a:lightRig>
+        </a:scene3d>
+        <a:sp3d>
+          <a:bevelT w="63500" h="25400"/>
+        </a:sp3d>
+      </dsp:spPr>
+      <dsp:style>
+        <a:lnRef idx="0">
+          <a:scrgbClr r="0" g="0" b="0"/>
+        </a:lnRef>
+        <a:fillRef idx="3">
+          <a:scrgbClr r="0" g="0" b="0"/>
+        </a:fillRef>
+        <a:effectRef idx="3">
+          <a:scrgbClr r="0" g="0" b="0"/>
+        </a:effectRef>
+        <a:fontRef idx="minor">
+          <a:schemeClr val="lt1"/>
+        </a:fontRef>
+      </dsp:style>
+      <dsp:txBody>
+        <a:bodyPr spcFirstLastPara="0" vert="horz" wrap="square" lIns="482631" tIns="40640" rIns="40640" bIns="40640" numCol="1" spcCol="1270" anchor="ctr" anchorCtr="0">
+          <a:noAutofit/>
+        </a:bodyPr>
+        <a:lstStyle/>
+        <a:p>
+          <a:pPr lvl="0" algn="l" defTabSz="711200">
+            <a:lnSpc>
+              <a:spcPct val="90000"/>
+            </a:lnSpc>
+            <a:spcBef>
+              <a:spcPct val="0"/>
+            </a:spcBef>
+            <a:spcAft>
+              <a:spcPct val="35000"/>
+            </a:spcAft>
+          </a:pPr>
+          <a:r>
+            <a:rPr lang="es-PE" sz="1600" b="0" kern="1200" dirty="0" smtClean="0">
+              <a:latin typeface="Arial" panose="020B0604020202020204" pitchFamily="34" charset="0"/>
+              <a:cs typeface="Arial" panose="020B0604020202020204" pitchFamily="34" charset="0"/>
+            </a:rPr>
+            <a:t>Promoción: Publicidad, promoción, relaciones públicas y ventas personales (visitadores médicos). </a:t>
+          </a:r>
+          <a:endParaRPr lang="es-PE" sz="1600" b="0" kern="1200" dirty="0">
+            <a:latin typeface="Arial" panose="020B0604020202020204" pitchFamily="34" charset="0"/>
+            <a:cs typeface="Arial" panose="020B0604020202020204" pitchFamily="34" charset="0"/>
+          </a:endParaRPr>
+        </a:p>
+      </dsp:txBody>
+      <dsp:txXfrm>
+        <a:off x="447741" y="2994753"/>
+        <a:ext cx="6039222" cy="699548"/>
+      </dsp:txXfrm>
+    </dsp:sp>
+    <dsp:sp modelId="{62FCC98B-742F-4319-A4F6-1468FF5E9BAA}">
+      <dsp:nvSpPr>
+        <dsp:cNvPr id="0" name=""/>
+        <dsp:cNvSpPr/>
+      </dsp:nvSpPr>
+      <dsp:spPr>
+        <a:xfrm>
+          <a:off x="67717" y="2964503"/>
+          <a:ext cx="760048" cy="760048"/>
+        </a:xfrm>
+        <a:prstGeom prst="ellipse">
+          <a:avLst/>
+        </a:prstGeom>
+        <a:solidFill>
+          <a:schemeClr val="lt1">
+            <a:hueOff val="0"/>
+            <a:satOff val="0"/>
+            <a:lumOff val="0"/>
+            <a:alphaOff val="0"/>
+          </a:schemeClr>
+        </a:solidFill>
+        <a:ln w="9525" cap="flat" cmpd="sng" algn="ctr">
+          <a:solidFill>
+            <a:schemeClr val="accent4">
+              <a:hueOff val="-4464770"/>
+              <a:satOff val="26899"/>
+              <a:lumOff val="2156"/>
+              <a:alphaOff val="0"/>
+            </a:schemeClr>
+          </a:solidFill>
+          <a:prstDash val="solid"/>
+        </a:ln>
+        <a:effectLst>
+          <a:outerShdw blurRad="40000" dist="23000" dir="5400000" rotWithShape="0">
+            <a:srgbClr val="000000">
+              <a:alpha val="35000"/>
+            </a:srgbClr>
+          </a:outerShdw>
+        </a:effectLst>
+      </dsp:spPr>
+      <dsp:style>
+        <a:lnRef idx="1">
+          <a:scrgbClr r="0" g="0" b="0"/>
+        </a:lnRef>
+        <a:fillRef idx="1">
+          <a:scrgbClr r="0" g="0" b="0"/>
+        </a:fillRef>
+        <a:effectRef idx="2">
+          <a:scrgbClr r="0" g="0" b="0"/>
+        </a:effectRef>
+        <a:fontRef idx="minor"/>
+      </dsp:style>
+    </dsp:sp>
+  </dsp:spTree>
+</dsp:drawing>
+</file>
+
 <file path=ppt/diagrams/layout1.xml><?xml version="1.0" encoding="utf-8"?>
 <dgm:layoutDef xmlns:dgm="http://schemas.openxmlformats.org/drawingml/2006/diagram" xmlns:a="http://schemas.openxmlformats.org/drawingml/2006/main" uniqueId="urn:microsoft.com/office/officeart/2005/8/layout/vList6">
   <dgm:title val=""/>
@@ -15110,6 +17039,1284 @@
 </dgm:layoutDef>
 </file>
 
+<file path=ppt/diagrams/layout7.xml><?xml version="1.0" encoding="utf-8"?>
+<dgm:layoutDef xmlns:dgm="http://schemas.openxmlformats.org/drawingml/2006/diagram" xmlns:a="http://schemas.openxmlformats.org/drawingml/2006/main" uniqueId="urn:microsoft.com/office/officeart/2008/layout/VerticalCurvedList">
+  <dgm:title val=""/>
+  <dgm:desc val=""/>
+  <dgm:catLst>
+    <dgm:cat type="list" pri="20000"/>
+  </dgm:catLst>
+  <dgm:sampData>
+    <dgm:dataModel>
+      <dgm:ptLst>
+        <dgm:pt modelId="0" type="doc"/>
+        <dgm:pt modelId="1">
+          <dgm:prSet phldr="1"/>
+        </dgm:pt>
+        <dgm:pt modelId="2">
+          <dgm:prSet phldr="1"/>
+        </dgm:pt>
+        <dgm:pt modelId="3">
+          <dgm:prSet phldr="1"/>
+        </dgm:pt>
+      </dgm:ptLst>
+      <dgm:cxnLst>
+        <dgm:cxn modelId="4" srcId="0" destId="1" srcOrd="0" destOrd="0"/>
+        <dgm:cxn modelId="5" srcId="0" destId="2" srcOrd="1" destOrd="0"/>
+        <dgm:cxn modelId="6" srcId="0" destId="3" srcOrd="2" destOrd="0"/>
+      </dgm:cxnLst>
+      <dgm:bg/>
+      <dgm:whole/>
+    </dgm:dataModel>
+  </dgm:sampData>
+  <dgm:styleData>
+    <dgm:dataModel>
+      <dgm:ptLst>
+        <dgm:pt modelId="0" type="doc"/>
+        <dgm:pt modelId="1">
+          <dgm:prSet phldr="1"/>
+        </dgm:pt>
+        <dgm:pt modelId="2">
+          <dgm:prSet phldr="1"/>
+        </dgm:pt>
+      </dgm:ptLst>
+      <dgm:cxnLst>
+        <dgm:cxn modelId="3" srcId="0" destId="1" srcOrd="0" destOrd="0"/>
+        <dgm:cxn modelId="4" srcId="0" destId="2" srcOrd="1" destOrd="0"/>
+      </dgm:cxnLst>
+      <dgm:bg/>
+      <dgm:whole/>
+    </dgm:dataModel>
+  </dgm:styleData>
+  <dgm:clrData>
+    <dgm:dataModel>
+      <dgm:ptLst>
+        <dgm:pt modelId="0" type="doc"/>
+        <dgm:pt modelId="1">
+          <dgm:prSet phldr="1"/>
+        </dgm:pt>
+        <dgm:pt modelId="2">
+          <dgm:prSet phldr="1"/>
+        </dgm:pt>
+        <dgm:pt modelId="3">
+          <dgm:prSet phldr="1"/>
+        </dgm:pt>
+        <dgm:pt modelId="4">
+          <dgm:prSet phldr="1"/>
+        </dgm:pt>
+      </dgm:ptLst>
+      <dgm:cxnLst>
+        <dgm:cxn modelId="5" srcId="0" destId="1" srcOrd="0" destOrd="0"/>
+        <dgm:cxn modelId="6" srcId="0" destId="2" srcOrd="1" destOrd="0"/>
+        <dgm:cxn modelId="7" srcId="0" destId="3" srcOrd="2" destOrd="0"/>
+        <dgm:cxn modelId="8" srcId="0" destId="4" srcOrd="3" destOrd="0"/>
+      </dgm:cxnLst>
+      <dgm:bg/>
+      <dgm:whole/>
+    </dgm:dataModel>
+  </dgm:clrData>
+  <dgm:layoutNode name="Name0">
+    <dgm:varLst>
+      <dgm:chMax val="7"/>
+      <dgm:chPref val="7"/>
+      <dgm:dir/>
+    </dgm:varLst>
+    <dgm:alg type="composite"/>
+    <dgm:shape xmlns:r="http://schemas.openxmlformats.org/officeDocument/2006/relationships" r:blip="">
+      <dgm:adjLst/>
+    </dgm:shape>
+    <dgm:constrLst>
+      <dgm:constr type="w" for="ch" refType="h" refFor="ch" op="gte" fact="0.8"/>
+    </dgm:constrLst>
+    <dgm:layoutNode name="Name1">
+      <dgm:alg type="composite"/>
+      <dgm:shape xmlns:r="http://schemas.openxmlformats.org/officeDocument/2006/relationships" r:blip="">
+        <dgm:adjLst/>
+      </dgm:shape>
+      <dgm:choose name="Name2">
+        <dgm:if name="Name3" func="var" arg="dir" op="equ" val="norm">
+          <dgm:choose name="Name4">
+            <dgm:if name="Name5" axis="ch" ptType="node" func="cnt" op="equ" val="1">
+              <dgm:constrLst>
+                <dgm:constr type="h" for="ch" forName="cycle" refType="h"/>
+                <dgm:constr type="w" for="ch" forName="cycle" refType="h" refFor="ch" refForName="cycle" fact="0.26"/>
+                <dgm:constr type="l" for="ch" forName="cycle"/>
+                <dgm:constr type="ctrY" for="ch" forName="cycle" refType="h" fact="0.5"/>
+                <dgm:constr type="diam" for="ch" forName="cycle" refType="h" fact="1.344"/>
+                <dgm:constr type="h" for="ch" forName="accent_1" refType="h" fact="0.625"/>
+                <dgm:constr type="w" for="ch" forName="accent_1" refType="h" refFor="ch" refForName="accent_1" op="equ"/>
+                <dgm:constr type="ctrY" for="ch" forName="accent_1" refType="h" fact="0.5"/>
+                <dgm:constr type="ctrX" for="ch" forName="accent_1" refType="h" fact="0.2253"/>
+                <dgm:constr type="l" for="ch" forName="text_1" refType="ctrX" refFor="ch" refForName="accent_1"/>
+                <dgm:constr type="r" for="ch" forName="text_1" refType="w"/>
+                <dgm:constr type="w" for="ch" forName="text_1" refType="h" refFor="ch" refForName="text_1" op="gte"/>
+                <dgm:constr type="h" for="ch" forName="text_1" refType="h" refFor="ch" refForName="accent_1" fact="0.8"/>
+                <dgm:constr type="ctrY" for="ch" forName="text_1" refType="ctrY" refFor="ch" refForName="accent_1"/>
+                <dgm:constr type="lMarg" for="ch" forName="text_1" refType="w" refFor="ch" refForName="accent_1" fact="1.8"/>
+                <dgm:constr type="primFontSz" for="ch" ptType="node" op="equ" val="65"/>
+              </dgm:constrLst>
+            </dgm:if>
+            <dgm:if name="Name6" axis="ch" ptType="node" func="cnt" op="equ" val="2">
+              <dgm:constrLst>
+                <dgm:constr type="h" for="ch" forName="cycle" refType="h"/>
+                <dgm:constr type="w" for="ch" forName="cycle" refType="h" refFor="ch" refForName="cycle" fact="0.26"/>
+                <dgm:constr type="l" for="ch" forName="cycle"/>
+                <dgm:constr type="ctrY" for="ch" forName="cycle" refType="h" fact="0.5"/>
+                <dgm:constr type="diam" for="ch" forName="cycle" refType="h" fact="1.344"/>
+                <dgm:constr type="h" for="ch" forName="accent_1" refType="h" fact="0.3571"/>
+                <dgm:constr type="w" for="ch" forName="accent_1" refType="h" refFor="ch" refForName="accent_1" op="equ"/>
+                <dgm:constr type="ctrY" for="ch" forName="accent_1" refType="h" fact="0.2857"/>
+                <dgm:constr type="ctrX" for="ch" forName="accent_1" refType="h" fact="0.1891"/>
+                <dgm:constr type="l" for="ch" forName="text_1" refType="ctrX" refFor="ch" refForName="accent_1"/>
+                <dgm:constr type="r" for="ch" forName="text_1" refType="w"/>
+                <dgm:constr type="w" for="ch" forName="text_1" refType="h" refFor="ch" refForName="text_1" op="gte"/>
+                <dgm:constr type="h" for="ch" forName="text_1" refType="h" refFor="ch" refForName="accent_1" fact="0.8"/>
+                <dgm:constr type="ctrY" for="ch" forName="text_1" refType="ctrY" refFor="ch" refForName="accent_1"/>
+                <dgm:constr type="lMarg" for="ch" forName="text_1" refType="w" refFor="ch" refForName="accent_1" fact="1.8"/>
+                <dgm:constr type="h" for="ch" forName="accent_2" refType="h" fact="0.3571"/>
+                <dgm:constr type="w" for="ch" forName="accent_2" refType="h" refFor="ch" refForName="accent_2" op="equ"/>
+                <dgm:constr type="ctrY" for="ch" forName="accent_2" refType="h" fact="0.7143"/>
+                <dgm:constr type="ctrX" for="ch" forName="accent_2" refType="h" fact="0.1891"/>
+                <dgm:constr type="l" for="ch" forName="text_2" refType="ctrX" refFor="ch" refForName="accent_2"/>
+                <dgm:constr type="r" for="ch" forName="text_2" refType="w"/>
+                <dgm:constr type="w" for="ch" forName="text_2" refType="h" refFor="ch" refForName="text_2" op="gte"/>
+                <dgm:constr type="h" for="ch" forName="text_2" refType="h" refFor="ch" refForName="accent_2" fact="0.8"/>
+                <dgm:constr type="ctrY" for="ch" forName="text_2" refType="ctrY" refFor="ch" refForName="accent_2"/>
+                <dgm:constr type="lMarg" for="ch" forName="text_2" refType="w" refFor="ch" refForName="accent_2" fact="1.8"/>
+                <dgm:constr type="primFontSz" for="ch" ptType="node" op="equ" val="65"/>
+              </dgm:constrLst>
+            </dgm:if>
+            <dgm:if name="Name7" axis="ch" ptType="node" func="cnt" op="equ" val="3">
+              <dgm:constrLst>
+                <dgm:constr type="h" for="ch" forName="cycle" refType="h"/>
+                <dgm:constr type="w" for="ch" forName="cycle" refType="h" refFor="ch" refForName="cycle" fact="0.26"/>
+                <dgm:constr type="l" for="ch" forName="cycle"/>
+                <dgm:constr type="ctrY" for="ch" forName="cycle" refType="h" fact="0.5"/>
+                <dgm:constr type="diam" for="ch" forName="cycle" refType="h" fact="1.344"/>
+                <dgm:constr type="h" for="ch" forName="accent_1" refType="h" fact="0.25"/>
+                <dgm:constr type="w" for="ch" forName="accent_1" refType="h" refFor="ch" refForName="accent_1" op="equ"/>
+                <dgm:constr type="ctrY" for="ch" forName="accent_1" refType="h" fact="0.2"/>
+                <dgm:constr type="ctrX" for="ch" forName="accent_1" refType="h" fact="0.1526"/>
+                <dgm:constr type="l" for="ch" forName="text_1" refType="ctrX" refFor="ch" refForName="accent_1"/>
+                <dgm:constr type="r" for="ch" forName="text_1" refType="w"/>
+                <dgm:constr type="w" for="ch" forName="text_1" refType="h" refFor="ch" refForName="text_1" op="gte"/>
+                <dgm:constr type="h" for="ch" forName="text_1" refType="h" refFor="ch" refForName="accent_1" fact="0.8"/>
+                <dgm:constr type="ctrY" for="ch" forName="text_1" refType="ctrY" refFor="ch" refForName="accent_1"/>
+                <dgm:constr type="lMarg" for="ch" forName="text_1" refType="w" refFor="ch" refForName="accent_1" fact="1.8"/>
+                <dgm:constr type="h" for="ch" forName="accent_2" refType="h" fact="0.25"/>
+                <dgm:constr type="w" for="ch" forName="accent_2" refType="h" refFor="ch" refForName="accent_2" op="equ"/>
+                <dgm:constr type="ctrY" for="ch" forName="accent_2" refType="h" fact="0.5"/>
+                <dgm:constr type="ctrX" for="ch" forName="accent_2" refType="h" fact="0.2253"/>
+                <dgm:constr type="l" for="ch" forName="text_2" refType="ctrX" refFor="ch" refForName="accent_2"/>
+                <dgm:constr type="r" for="ch" forName="text_2" refType="w"/>
+                <dgm:constr type="w" for="ch" forName="text_2" refType="h" refFor="ch" refForName="text_2" op="gte"/>
+                <dgm:constr type="h" for="ch" forName="text_2" refType="h" refFor="ch" refForName="accent_2" fact="0.8"/>
+                <dgm:constr type="ctrY" for="ch" forName="text_2" refType="ctrY" refFor="ch" refForName="accent_2"/>
+                <dgm:constr type="lMarg" for="ch" forName="text_2" refType="w" refFor="ch" refForName="accent_2" fact="1.8"/>
+                <dgm:constr type="h" for="ch" forName="accent_3" refType="h" fact="0.25"/>
+                <dgm:constr type="w" for="ch" forName="accent_3" refType="h" refFor="ch" refForName="accent_3" op="equ"/>
+                <dgm:constr type="ctrY" for="ch" forName="accent_3" refType="h" fact="0.8"/>
+                <dgm:constr type="ctrX" for="ch" forName="accent_3" refType="h" fact="0.1526"/>
+                <dgm:constr type="l" for="ch" forName="text_3" refType="ctrX" refFor="ch" refForName="accent_3"/>
+                <dgm:constr type="r" for="ch" forName="text_3" refType="w"/>
+                <dgm:constr type="w" for="ch" forName="text_3" refType="h" refFor="ch" refForName="text_3" op="gte"/>
+                <dgm:constr type="h" for="ch" forName="text_3" refType="h" refFor="ch" refForName="accent_3" fact="0.8"/>
+                <dgm:constr type="ctrY" for="ch" forName="text_3" refType="ctrY" refFor="ch" refForName="accent_3"/>
+                <dgm:constr type="lMarg" for="ch" forName="text_3" refType="w" refFor="ch" refForName="accent_3" fact="1.8"/>
+                <dgm:constr type="primFontSz" for="ch" ptType="node" op="equ" val="65"/>
+              </dgm:constrLst>
+            </dgm:if>
+            <dgm:if name="Name8" axis="ch" ptType="node" func="cnt" op="equ" val="4">
+              <dgm:constrLst>
+                <dgm:constr type="h" for="ch" forName="cycle" refType="h"/>
+                <dgm:constr type="w" for="ch" forName="cycle" refType="h" refFor="ch" refForName="cycle" fact="0.26"/>
+                <dgm:constr type="l" for="ch" forName="cycle"/>
+                <dgm:constr type="ctrY" for="ch" forName="cycle" refType="h" fact="0.5"/>
+                <dgm:constr type="diam" for="ch" forName="cycle" refType="h" fact="1.344"/>
+                <dgm:constr type="h" for="ch" forName="accent_1" refType="h" fact="0.1923"/>
+                <dgm:constr type="w" for="ch" forName="accent_1" refType="h" refFor="ch" refForName="accent_1" op="equ"/>
+                <dgm:constr type="ctrY" for="ch" forName="accent_1" refType="h" fact="0.1538"/>
+                <dgm:constr type="ctrX" for="ch" forName="accent_1" refType="h" fact="0.1268"/>
+                <dgm:constr type="l" for="ch" forName="text_1" refType="ctrX" refFor="ch" refForName="accent_1"/>
+                <dgm:constr type="r" for="ch" forName="text_1" refType="w"/>
+                <dgm:constr type="w" for="ch" forName="text_1" refType="h" refFor="ch" refForName="text_1" op="gte"/>
+                <dgm:constr type="h" for="ch" forName="text_1" refType="h" refFor="ch" refForName="accent_1" fact="0.8"/>
+                <dgm:constr type="ctrY" for="ch" forName="text_1" refType="ctrY" refFor="ch" refForName="accent_1"/>
+                <dgm:constr type="lMarg" for="ch" forName="text_1" refType="w" refFor="ch" refForName="accent_1" fact="1.8"/>
+                <dgm:constr type="h" for="ch" forName="accent_2" refType="h" fact="0.1923"/>
+                <dgm:constr type="w" for="ch" forName="accent_2" refType="h" refFor="ch" refForName="accent_2" op="equ"/>
+                <dgm:constr type="ctrY" for="ch" forName="accent_2" refType="h" fact="0.3846"/>
+                <dgm:constr type="ctrX" for="ch" forName="accent_2" refType="h" fact="0.215"/>
+                <dgm:constr type="l" for="ch" forName="text_2" refType="ctrX" refFor="ch" refForName="accent_2"/>
+                <dgm:constr type="r" for="ch" forName="text_2" refType="w"/>
+                <dgm:constr type="w" for="ch" forName="text_2" refType="h" refFor="ch" refForName="text_2" op="gte"/>
+                <dgm:constr type="h" for="ch" forName="text_2" refType="h" refFor="ch" refForName="accent_2" fact="0.8"/>
+                <dgm:constr type="ctrY" for="ch" forName="text_2" refType="ctrY" refFor="ch" refForName="accent_2"/>
+                <dgm:constr type="lMarg" for="ch" forName="text_2" refType="w" refFor="ch" refForName="accent_2" fact="1.8"/>
+                <dgm:constr type="h" for="ch" forName="accent_3" refType="h" fact="0.1923"/>
+                <dgm:constr type="w" for="ch" forName="accent_3" refType="h" refFor="ch" refForName="accent_3" op="equ"/>
+                <dgm:constr type="ctrY" for="ch" forName="accent_3" refType="h" fact="0.6154"/>
+                <dgm:constr type="ctrX" for="ch" forName="accent_3" refType="h" fact="0.215"/>
+                <dgm:constr type="l" for="ch" forName="text_3" refType="ctrX" refFor="ch" refForName="accent_3"/>
+                <dgm:constr type="r" for="ch" forName="text_3" refType="w"/>
+                <dgm:constr type="w" for="ch" forName="text_3" refType="h" refFor="ch" refForName="text_3" op="gte"/>
+                <dgm:constr type="h" for="ch" forName="text_3" refType="h" refFor="ch" refForName="accent_3" fact="0.8"/>
+                <dgm:constr type="ctrY" for="ch" forName="text_3" refType="ctrY" refFor="ch" refForName="accent_3"/>
+                <dgm:constr type="lMarg" for="ch" forName="text_3" refType="w" refFor="ch" refForName="accent_3" fact="1.8"/>
+                <dgm:constr type="h" for="ch" forName="accent_4" refType="h" fact="0.1923"/>
+                <dgm:constr type="w" for="ch" forName="accent_4" refType="h" refFor="ch" refForName="accent_4" op="equ"/>
+                <dgm:constr type="ctrY" for="ch" forName="accent_4" refType="h" fact="0.8462"/>
+                <dgm:constr type="ctrX" for="ch" forName="accent_4" refType="h" fact="0.1268"/>
+                <dgm:constr type="l" for="ch" forName="text_4" refType="ctrX" refFor="ch" refForName="accent_4"/>
+                <dgm:constr type="r" for="ch" forName="text_4" refType="w"/>
+                <dgm:constr type="w" for="ch" forName="text_4" refType="h" refFor="ch" refForName="text_4" op="gte"/>
+                <dgm:constr type="h" for="ch" forName="text_4" refType="h" refFor="ch" refForName="accent_4" fact="0.8"/>
+                <dgm:constr type="ctrY" for="ch" forName="text_4" refType="ctrY" refFor="ch" refForName="accent_4"/>
+                <dgm:constr type="lMarg" for="ch" forName="text_4" refType="w" refFor="ch" refForName="accent_4" fact="1.8"/>
+                <dgm:constr type="primFontSz" for="ch" ptType="node" op="equ" val="65"/>
+              </dgm:constrLst>
+            </dgm:if>
+            <dgm:if name="Name9" axis="ch" ptType="node" func="cnt" op="equ" val="5">
+              <dgm:constrLst>
+                <dgm:constr type="h" for="ch" forName="cycle" refType="h"/>
+                <dgm:constr type="w" for="ch" forName="cycle" refType="h" refFor="ch" refForName="cycle" fact="0.26"/>
+                <dgm:constr type="l" for="ch" forName="cycle"/>
+                <dgm:constr type="ctrY" for="ch" forName="cycle" refType="h" fact="0.5"/>
+                <dgm:constr type="diam" for="ch" forName="cycle" refType="h" fact="1.344"/>
+                <dgm:constr type="h" for="ch" forName="accent_1" refType="h" fact="0.1563"/>
+                <dgm:constr type="w" for="ch" forName="accent_1" refType="h" refFor="ch" refForName="accent_1" op="equ"/>
+                <dgm:constr type="ctrY" for="ch" forName="accent_1" refType="h" fact="0.125"/>
+                <dgm:constr type="ctrX" for="ch" forName="accent_1" refType="h" fact="0.1082"/>
+                <dgm:constr type="l" for="ch" forName="text_1" refType="ctrX" refFor="ch" refForName="accent_1"/>
+                <dgm:constr type="r" for="ch" forName="text_1" refType="w"/>
+                <dgm:constr type="w" for="ch" forName="text_1" refType="h" refFor="ch" refForName="text_1" op="gte"/>
+                <dgm:constr type="h" for="ch" forName="text_1" refType="h" refFor="ch" refForName="accent_1" fact="0.8"/>
+                <dgm:constr type="ctrY" for="ch" forName="text_1" refType="ctrY" refFor="ch" refForName="accent_1"/>
+                <dgm:constr type="lMarg" for="ch" forName="text_1" refType="w" refFor="ch" refForName="accent_1" fact="1.8"/>
+                <dgm:constr type="h" for="ch" forName="accent_2" refType="h" fact="0.1563"/>
+                <dgm:constr type="w" for="ch" forName="accent_2" refType="h" refFor="ch" refForName="accent_2" op="equ"/>
+                <dgm:constr type="ctrY" for="ch" forName="accent_2" refType="h" fact="0.3125"/>
+                <dgm:constr type="ctrX" for="ch" forName="accent_2" refType="h" fact="0.1978"/>
+                <dgm:constr type="l" for="ch" forName="text_2" refType="ctrX" refFor="ch" refForName="accent_2"/>
+                <dgm:constr type="r" for="ch" forName="text_2" refType="w"/>
+                <dgm:constr type="w" for="ch" forName="text_2" refType="h" refFor="ch" refForName="text_2" op="gte"/>
+                <dgm:constr type="h" for="ch" forName="text_2" refType="h" refFor="ch" refForName="accent_2" fact="0.8"/>
+                <dgm:constr type="ctrY" for="ch" forName="text_2" refType="ctrY" refFor="ch" refForName="accent_2"/>
+                <dgm:constr type="lMarg" for="ch" forName="text_2" refType="w" refFor="ch" refForName="accent_2" fact="1.8"/>
+                <dgm:constr type="h" for="ch" forName="accent_3" refType="h" fact="0.1563"/>
+                <dgm:constr type="w" for="ch" forName="accent_3" refType="h" refFor="ch" refForName="accent_3" op="equ"/>
+                <dgm:constr type="ctrY" for="ch" forName="accent_3" refType="h" fact="0.5"/>
+                <dgm:constr type="ctrX" for="ch" forName="accent_3" refType="h" fact="0.2253"/>
+                <dgm:constr type="l" for="ch" forName="text_3" refType="ctrX" refFor="ch" refForName="accent_3"/>
+                <dgm:constr type="r" for="ch" forName="text_3" refType="w"/>
+                <dgm:constr type="w" for="ch" forName="text_3" refType="h" refFor="ch" refForName="text_3" op="gte"/>
+                <dgm:constr type="h" for="ch" forName="text_3" refType="h" refFor="ch" refForName="accent_3" fact="0.8"/>
+                <dgm:constr type="ctrY" for="ch" forName="text_3" refType="ctrY" refFor="ch" refForName="accent_3"/>
+                <dgm:constr type="lMarg" for="ch" forName="text_3" refType="w" refFor="ch" refForName="accent_3" fact="1.8"/>
+                <dgm:constr type="h" for="ch" forName="accent_4" refType="h" fact="0.1563"/>
+                <dgm:constr type="w" for="ch" forName="accent_4" refType="h" refFor="ch" refForName="accent_4" op="equ"/>
+                <dgm:constr type="ctrY" for="ch" forName="accent_4" refType="h" fact="0.6875"/>
+                <dgm:constr type="ctrX" for="ch" forName="accent_4" refType="h" fact="0.1978"/>
+                <dgm:constr type="l" for="ch" forName="text_4" refType="ctrX" refFor="ch" refForName="accent_4"/>
+                <dgm:constr type="r" for="ch" forName="text_4" refType="w"/>
+                <dgm:constr type="w" for="ch" forName="text_4" refType="h" refFor="ch" refForName="text_4" op="gte"/>
+                <dgm:constr type="h" for="ch" forName="text_4" refType="h" refFor="ch" refForName="accent_4" fact="0.8"/>
+                <dgm:constr type="ctrY" for="ch" forName="text_4" refType="ctrY" refFor="ch" refForName="accent_4"/>
+                <dgm:constr type="lMarg" for="ch" forName="text_4" refType="w" refFor="ch" refForName="accent_4" fact="1.8"/>
+                <dgm:constr type="h" for="ch" forName="accent_5" refType="h" fact="0.1563"/>
+                <dgm:constr type="w" for="ch" forName="accent_5" refType="h" refFor="ch" refForName="accent_5" op="equ"/>
+                <dgm:constr type="ctrY" for="ch" forName="accent_5" refType="h" fact="0.875"/>
+                <dgm:constr type="ctrX" for="ch" forName="accent_5" refType="h" fact="0.1082"/>
+                <dgm:constr type="l" for="ch" forName="text_5" refType="ctrX" refFor="ch" refForName="accent_5"/>
+                <dgm:constr type="r" for="ch" forName="text_5" refType="w"/>
+                <dgm:constr type="w" for="ch" forName="text_5" refType="h" refFor="ch" refForName="text_5" op="gte"/>
+                <dgm:constr type="h" for="ch" forName="text_5" refType="h" refFor="ch" refForName="accent_5" fact="0.8"/>
+                <dgm:constr type="ctrY" for="ch" forName="text_5" refType="ctrY" refFor="ch" refForName="accent_5"/>
+                <dgm:constr type="lMarg" for="ch" forName="text_5" refType="w" refFor="ch" refForName="accent_5" fact="1.8"/>
+                <dgm:constr type="primFontSz" for="ch" ptType="node" op="equ" val="65"/>
+              </dgm:constrLst>
+            </dgm:if>
+            <dgm:if name="Name10" axis="ch" ptType="node" func="cnt" op="equ" val="6">
+              <dgm:constrLst>
+                <dgm:constr type="h" for="ch" forName="cycle" refType="h"/>
+                <dgm:constr type="w" for="ch" forName="cycle" refType="h" refFor="ch" refForName="cycle" fact="0.26"/>
+                <dgm:constr type="l" for="ch" forName="cycle"/>
+                <dgm:constr type="ctrY" for="ch" forName="cycle" refType="h" fact="0.5"/>
+                <dgm:constr type="diam" for="ch" forName="cycle" refType="h" fact="1.344"/>
+                <dgm:constr type="h" for="ch" forName="accent_1" refType="h" fact="0.1316"/>
+                <dgm:constr type="w" for="ch" forName="accent_1" refType="h" refFor="ch" refForName="accent_1" op="equ"/>
+                <dgm:constr type="ctrY" for="ch" forName="accent_1" refType="h" fact="0.1053"/>
+                <dgm:constr type="ctrX" for="ch" forName="accent_1" refType="h" fact="0.0943"/>
+                <dgm:constr type="l" for="ch" forName="text_1" refType="ctrX" refFor="ch" refForName="accent_1"/>
+                <dgm:constr type="r" for="ch" forName="text_1" refType="w"/>
+                <dgm:constr type="w" for="ch" forName="text_1" refType="h" refFor="ch" refForName="text_1" op="gte"/>
+                <dgm:constr type="h" for="ch" forName="text_1" refType="h" refFor="ch" refForName="accent_1" fact="0.8"/>
+                <dgm:constr type="ctrY" for="ch" forName="text_1" refType="ctrY" refFor="ch" refForName="accent_1"/>
+                <dgm:constr type="lMarg" for="ch" forName="text_1" refType="w" refFor="ch" refForName="accent_1" fact="1.8"/>
+                <dgm:constr type="h" for="ch" forName="accent_2" refType="h" fact="0.1316"/>
+                <dgm:constr type="w" for="ch" forName="accent_2" refType="h" refFor="ch" refForName="accent_2" op="equ"/>
+                <dgm:constr type="ctrY" for="ch" forName="accent_2" refType="h" fact="0.2632"/>
+                <dgm:constr type="ctrX" for="ch" forName="accent_2" refType="h" fact="0.1809"/>
+                <dgm:constr type="l" for="ch" forName="text_2" refType="ctrX" refFor="ch" refForName="accent_2"/>
+                <dgm:constr type="r" for="ch" forName="text_2" refType="w"/>
+                <dgm:constr type="w" for="ch" forName="text_2" refType="h" refFor="ch" refForName="text_2" op="gte"/>
+                <dgm:constr type="h" for="ch" forName="text_2" refType="h" refFor="ch" refForName="accent_2" fact="0.8"/>
+                <dgm:constr type="ctrY" for="ch" forName="text_2" refType="ctrY" refFor="ch" refForName="accent_2"/>
+                <dgm:constr type="lMarg" for="ch" forName="text_2" refType="w" refFor="ch" refForName="accent_2" fact="1.8"/>
+                <dgm:constr type="h" for="ch" forName="accent_3" refType="h" fact="0.1316"/>
+                <dgm:constr type="w" for="ch" forName="accent_3" refType="h" refFor="ch" refForName="accent_3" op="equ"/>
+                <dgm:constr type="ctrY" for="ch" forName="accent_3" refType="h" fact="0.4211"/>
+                <dgm:constr type="ctrX" for="ch" forName="accent_3" refType="h" fact="0.2205"/>
+                <dgm:constr type="l" for="ch" forName="text_3" refType="ctrX" refFor="ch" refForName="accent_3"/>
+                <dgm:constr type="r" for="ch" forName="text_3" refType="w"/>
+                <dgm:constr type="w" for="ch" forName="text_3" refType="h" refFor="ch" refForName="text_3" op="gte"/>
+                <dgm:constr type="h" for="ch" forName="text_3" refType="h" refFor="ch" refForName="accent_3" fact="0.8"/>
+                <dgm:constr type="ctrY" for="ch" forName="text_3" refType="ctrY" refFor="ch" refForName="accent_3"/>
+                <dgm:constr type="lMarg" for="ch" forName="text_3" refType="w" refFor="ch" refForName="accent_3" fact="1.8"/>
+                <dgm:constr type="h" for="ch" forName="accent_4" refType="h" fact="0.1316"/>
+                <dgm:constr type="w" for="ch" forName="accent_4" refType="h" refFor="ch" refForName="accent_4" op="equ"/>
+                <dgm:constr type="ctrY" for="ch" forName="accent_4" refType="h" fact="0.5789"/>
+                <dgm:constr type="ctrX" for="ch" forName="accent_4" refType="h" fact="0.2205"/>
+                <dgm:constr type="l" for="ch" forName="text_4" refType="ctrX" refFor="ch" refForName="accent_4"/>
+                <dgm:constr type="r" for="ch" forName="text_4" refType="w"/>
+                <dgm:constr type="w" for="ch" forName="text_4" refType="h" refFor="ch" refForName="text_4" op="gte"/>
+                <dgm:constr type="h" for="ch" forName="text_4" refType="h" refFor="ch" refForName="accent_4" fact="0.8"/>
+                <dgm:constr type="ctrY" for="ch" forName="text_4" refType="ctrY" refFor="ch" refForName="accent_4"/>
+                <dgm:constr type="lMarg" for="ch" forName="text_4" refType="w" refFor="ch" refForName="accent_4" fact="1.8"/>
+                <dgm:constr type="h" for="ch" forName="accent_5" refType="h" fact="0.1316"/>
+                <dgm:constr type="w" for="ch" forName="accent_5" refType="h" refFor="ch" refForName="accent_5" op="equ"/>
+                <dgm:constr type="ctrY" for="ch" forName="accent_5" refType="h" fact="0.7368"/>
+                <dgm:constr type="ctrX" for="ch" forName="accent_5" refType="h" fact="0.1809"/>
+                <dgm:constr type="l" for="ch" forName="text_5" refType="ctrX" refFor="ch" refForName="accent_5"/>
+                <dgm:constr type="r" for="ch" forName="text_5" refType="w"/>
+                <dgm:constr type="w" for="ch" forName="text_5" refType="h" refFor="ch" refForName="text_5" op="gte"/>
+                <dgm:constr type="h" for="ch" forName="text_5" refType="h" refFor="ch" refForName="accent_5" fact="0.8"/>
+                <dgm:constr type="ctrY" for="ch" forName="text_5" refType="ctrY" refFor="ch" refForName="accent_5"/>
+                <dgm:constr type="lMarg" for="ch" forName="text_5" refType="w" refFor="ch" refForName="accent_5" fact="1.8"/>
+                <dgm:constr type="h" for="ch" forName="accent_6" refType="h" fact="0.1316"/>
+                <dgm:constr type="w" for="ch" forName="accent_6" refType="h" refFor="ch" refForName="accent_6" op="equ"/>
+                <dgm:constr type="ctrY" for="ch" forName="accent_6" refType="h" fact="0.8947"/>
+                <dgm:constr type="ctrX" for="ch" forName="accent_6" refType="h" fact="0.0943"/>
+                <dgm:constr type="l" for="ch" forName="text_6" refType="ctrX" refFor="ch" refForName="accent_6"/>
+                <dgm:constr type="r" for="ch" forName="text_6" refType="w"/>
+                <dgm:constr type="w" for="ch" forName="text_6" refType="h" refFor="ch" refForName="text_6" op="gte"/>
+                <dgm:constr type="h" for="ch" forName="text_6" refType="h" refFor="ch" refForName="accent_6" fact="0.8"/>
+                <dgm:constr type="ctrY" for="ch" forName="text_6" refType="ctrY" refFor="ch" refForName="accent_6"/>
+                <dgm:constr type="lMarg" for="ch" forName="text_6" refType="w" refFor="ch" refForName="accent_6" fact="1.8"/>
+                <dgm:constr type="primFontSz" for="ch" ptType="node" op="equ" val="65"/>
+              </dgm:constrLst>
+            </dgm:if>
+            <dgm:else name="Name11">
+              <dgm:constrLst>
+                <dgm:constr type="h" for="ch" forName="cycle" refType="h"/>
+                <dgm:constr type="w" for="ch" forName="cycle" refType="h" refFor="ch" refForName="cycle" fact="0.26"/>
+                <dgm:constr type="l" for="ch" forName="cycle"/>
+                <dgm:constr type="ctrY" for="ch" forName="cycle" refType="h" fact="0.5"/>
+                <dgm:constr type="diam" for="ch" forName="cycle" refType="h" fact="1.344"/>
+                <dgm:constr type="h" for="ch" forName="accent_1" refType="h" fact="0.1136"/>
+                <dgm:constr type="w" for="ch" forName="accent_1" refType="h" refFor="ch" refForName="accent_1" op="equ"/>
+                <dgm:constr type="ctrY" for="ch" forName="accent_1" refType="h" fact="0.0909"/>
+                <dgm:constr type="ctrX" for="ch" forName="accent_1" refType="h" fact="0.0835"/>
+                <dgm:constr type="l" for="ch" forName="text_1" refType="ctrX" refFor="ch" refForName="accent_1"/>
+                <dgm:constr type="r" for="ch" forName="text_1" refType="w"/>
+                <dgm:constr type="w" for="ch" forName="text_1" refType="h" refFor="ch" refForName="text_1" op="gte"/>
+                <dgm:constr type="h" for="ch" forName="text_1" refType="h" refFor="ch" refForName="accent_1" fact="0.8"/>
+                <dgm:constr type="ctrY" for="ch" forName="text_1" refType="ctrY" refFor="ch" refForName="accent_1"/>
+                <dgm:constr type="lMarg" for="ch" forName="text_1" refType="w" refFor="ch" refForName="accent_1" fact="1.8"/>
+                <dgm:constr type="h" for="ch" forName="accent_2" refType="h" fact="0.1136"/>
+                <dgm:constr type="w" for="ch" forName="accent_2" refType="h" refFor="ch" refForName="accent_2" op="equ"/>
+                <dgm:constr type="ctrY" for="ch" forName="accent_2" refType="h" fact="0.2273"/>
+                <dgm:constr type="ctrX" for="ch" forName="accent_2" refType="h" fact="0.1658"/>
+                <dgm:constr type="l" for="ch" forName="text_2" refType="ctrX" refFor="ch" refForName="accent_2"/>
+                <dgm:constr type="r" for="ch" forName="text_2" refType="w"/>
+                <dgm:constr type="w" for="ch" forName="text_2" refType="h" refFor="ch" refForName="text_2" op="gte"/>
+                <dgm:constr type="h" for="ch" forName="text_2" refType="h" refFor="ch" refForName="accent_2" fact="0.8"/>
+                <dgm:constr type="ctrY" for="ch" forName="text_2" refType="ctrY" refFor="ch" refForName="accent_2"/>
+                <dgm:constr type="lMarg" for="ch" forName="text_2" refType="w" refFor="ch" refForName="accent_2" fact="1.8"/>
+                <dgm:constr type="h" for="ch" forName="accent_3" refType="h" fact="0.1136"/>
+                <dgm:constr type="w" for="ch" forName="accent_3" refType="h" refFor="ch" refForName="accent_3" op="equ"/>
+                <dgm:constr type="ctrY" for="ch" forName="accent_3" refType="h" fact="0.3636"/>
+                <dgm:constr type="ctrX" for="ch" forName="accent_3" refType="h" fact="0.2109"/>
+                <dgm:constr type="l" for="ch" forName="text_3" refType="ctrX" refFor="ch" refForName="accent_3"/>
+                <dgm:constr type="r" for="ch" forName="text_3" refType="w"/>
+                <dgm:constr type="w" for="ch" forName="text_3" refType="h" refFor="ch" refForName="text_3" op="gte"/>
+                <dgm:constr type="h" for="ch" forName="text_3" refType="h" refFor="ch" refForName="accent_3" fact="0.8"/>
+                <dgm:constr type="ctrY" for="ch" forName="text_3" refType="ctrY" refFor="ch" refForName="accent_3"/>
+                <dgm:constr type="lMarg" for="ch" forName="text_3" refType="w" refFor="ch" refForName="accent_3" fact="1.8"/>
+                <dgm:constr type="h" for="ch" forName="accent_4" refType="h" fact="0.1136"/>
+                <dgm:constr type="w" for="ch" forName="accent_4" refType="h" refFor="ch" refForName="accent_4" op="equ"/>
+                <dgm:constr type="ctrY" for="ch" forName="accent_4" refType="h" fact="0.5"/>
+                <dgm:constr type="ctrX" for="ch" forName="accent_4" refType="h" fact="0.2253"/>
+                <dgm:constr type="l" for="ch" forName="text_4" refType="ctrX" refFor="ch" refForName="accent_4"/>
+                <dgm:constr type="r" for="ch" forName="text_4" refType="w"/>
+                <dgm:constr type="w" for="ch" forName="text_4" refType="h" refFor="ch" refForName="text_4" op="gte"/>
+                <dgm:constr type="h" for="ch" forName="text_4" refType="h" refFor="ch" refForName="accent_4" fact="0.8"/>
+                <dgm:constr type="ctrY" for="ch" forName="text_4" refType="ctrY" refFor="ch" refForName="accent_4"/>
+                <dgm:constr type="lMarg" for="ch" forName="text_4" refType="w" refFor="ch" refForName="accent_4" fact="1.8"/>
+                <dgm:constr type="h" for="ch" forName="accent_5" refType="h" fact="0.1136"/>
+                <dgm:constr type="w" for="ch" forName="accent_5" refType="h" refFor="ch" refForName="accent_5" op="equ"/>
+                <dgm:constr type="ctrY" for="ch" forName="accent_5" refType="h" fact="0.6364"/>
+                <dgm:constr type="ctrX" for="ch" forName="accent_5" refType="h" fact="0.2109"/>
+                <dgm:constr type="l" for="ch" forName="text_5" refType="ctrX" refFor="ch" refForName="accent_5"/>
+                <dgm:constr type="r" for="ch" forName="text_5" refType="w"/>
+                <dgm:constr type="w" for="ch" forName="text_5" refType="h" refFor="ch" refForName="text_5" op="gte"/>
+                <dgm:constr type="h" for="ch" forName="text_5" refType="h" refFor="ch" refForName="accent_5" fact="0.8"/>
+                <dgm:constr type="ctrY" for="ch" forName="text_5" refType="ctrY" refFor="ch" refForName="accent_5"/>
+                <dgm:constr type="lMarg" for="ch" forName="text_5" refType="w" refFor="ch" refForName="accent_5" fact="1.8"/>
+                <dgm:constr type="h" for="ch" forName="accent_6" refType="h" fact="0.1136"/>
+                <dgm:constr type="w" for="ch" forName="accent_6" refType="h" refFor="ch" refForName="accent_6" op="equ"/>
+                <dgm:constr type="ctrY" for="ch" forName="accent_6" refType="h" fact="0.7727"/>
+                <dgm:constr type="ctrX" for="ch" forName="accent_6" refType="h" fact="0.1658"/>
+                <dgm:constr type="l" for="ch" forName="text_6" refType="ctrX" refFor="ch" refForName="accent_6"/>
+                <dgm:constr type="r" for="ch" forName="text_6" refType="w"/>
+                <dgm:constr type="w" for="ch" forName="text_6" refType="h" refFor="ch" refForName="text_6" op="gte"/>
+                <dgm:constr type="h" for="ch" forName="text_6" refType="h" refFor="ch" refForName="accent_6" fact="0.8"/>
+                <dgm:constr type="ctrY" for="ch" forName="text_6" refType="ctrY" refFor="ch" refForName="accent_6"/>
+                <dgm:constr type="lMarg" for="ch" forName="text_6" refType="w" refFor="ch" refForName="accent_6" fact="1.8"/>
+                <dgm:constr type="h" for="ch" forName="accent_7" refType="h" fact="0.1136"/>
+                <dgm:constr type="w" for="ch" forName="accent_7" refType="h" refFor="ch" refForName="accent_7" op="equ"/>
+                <dgm:constr type="ctrY" for="ch" forName="accent_7" refType="h" fact="0.9091"/>
+                <dgm:constr type="ctrX" for="ch" forName="accent_7" refType="h" fact="0.0835"/>
+                <dgm:constr type="l" for="ch" forName="text_7" refType="ctrX" refFor="ch" refForName="accent_7"/>
+                <dgm:constr type="r" for="ch" forName="text_7" refType="w"/>
+                <dgm:constr type="w" for="ch" forName="text_7" refType="h" refFor="ch" refForName="text_7" op="gte"/>
+                <dgm:constr type="h" for="ch" forName="text_7" refType="h" refFor="ch" refForName="accent_7" fact="0.8"/>
+                <dgm:constr type="ctrY" for="ch" forName="text_7" refType="ctrY" refFor="ch" refForName="accent_7"/>
+                <dgm:constr type="lMarg" for="ch" forName="text_7" refType="w" refFor="ch" refForName="accent_7" fact="1.8"/>
+                <dgm:constr type="primFontSz" for="ch" ptType="node" op="equ" val="65"/>
+              </dgm:constrLst>
+            </dgm:else>
+          </dgm:choose>
+        </dgm:if>
+        <dgm:else name="Name12">
+          <dgm:choose name="Name13">
+            <dgm:if name="Name14" axis="ch" ptType="node" func="cnt" op="equ" val="1">
+              <dgm:constrLst>
+                <dgm:constr type="h" for="ch" forName="cycle" refType="h"/>
+                <dgm:constr type="w" for="ch" forName="cycle" refType="h" refFor="ch" refForName="cycle" fact="0.26"/>
+                <dgm:constr type="r" for="ch" forName="cycle" refType="w"/>
+                <dgm:constr type="ctrY" for="ch" forName="cycle" refType="h" fact="0.5"/>
+                <dgm:constr type="diam" for="ch" forName="cycle" refType="h" fact="1.344"/>
+                <dgm:constr type="h" for="ch" forName="accent_1" refType="h" fact="0.625"/>
+                <dgm:constr type="w" for="ch" forName="accent_1" refType="h" refFor="ch" refForName="accent_1" op="equ"/>
+                <dgm:constr type="ctrY" for="ch" forName="accent_1" refType="h" fact="0.5"/>
+                <dgm:constr type="ctrX" for="ch" forName="accent_1" refType="w"/>
+                <dgm:constr type="ctrXOff" for="ch" forName="accent_1" refType="h" fact="-0.2253"/>
+                <dgm:constr type="r" for="ch" forName="text_1" refType="ctrX" refFor="ch" refForName="accent_1"/>
+                <dgm:constr type="rOff" for="ch" forName="text_1" refType="ctrXOff" refFor="ch" refForName="accent_1"/>
+                <dgm:constr type="l" for="ch" forName="text_1"/>
+                <dgm:constr type="w" for="ch" forName="text_1" refType="h" refFor="ch" refForName="text_1" op="gte"/>
+                <dgm:constr type="h" for="ch" forName="text_1" refType="h" refFor="ch" refForName="accent_1" fact="0.8"/>
+                <dgm:constr type="ctrY" for="ch" forName="text_1" refType="ctrY" refFor="ch" refForName="accent_1"/>
+                <dgm:constr type="rMarg" for="ch" forName="text_1" refType="w" refFor="ch" refForName="accent_1" fact="1.8"/>
+                <dgm:constr type="primFontSz" for="ch" ptType="node" op="equ" val="65"/>
+              </dgm:constrLst>
+            </dgm:if>
+            <dgm:if name="Name15" axis="ch" ptType="node" func="cnt" op="equ" val="2">
+              <dgm:constrLst>
+                <dgm:constr type="h" for="ch" forName="cycle" refType="h"/>
+                <dgm:constr type="w" for="ch" forName="cycle" refType="h" refFor="ch" refForName="cycle" fact="0.26"/>
+                <dgm:constr type="r" for="ch" forName="cycle" refType="w"/>
+                <dgm:constr type="ctrY" for="ch" forName="cycle" refType="h" fact="0.5"/>
+                <dgm:constr type="diam" for="ch" forName="cycle" refType="h" fact="1.344"/>
+                <dgm:constr type="h" for="ch" forName="accent_1" refType="h" fact="0.3571"/>
+                <dgm:constr type="w" for="ch" forName="accent_1" refType="h" refFor="ch" refForName="accent_1" op="equ"/>
+                <dgm:constr type="ctrY" for="ch" forName="accent_1" refType="h" fact="0.2857"/>
+                <dgm:constr type="ctrX" for="ch" forName="accent_1" refType="w"/>
+                <dgm:constr type="ctrXOff" for="ch" forName="accent_1" refType="h" fact="-0.1891"/>
+                <dgm:constr type="r" for="ch" forName="text_1" refType="ctrX" refFor="ch" refForName="accent_1"/>
+                <dgm:constr type="rOff" for="ch" forName="text_1" refType="ctrXOff" refFor="ch" refForName="accent_1"/>
+                <dgm:constr type="l" for="ch" forName="text_1"/>
+                <dgm:constr type="w" for="ch" forName="text_1" refType="h" refFor="ch" refForName="text_1" op="gte"/>
+                <dgm:constr type="h" for="ch" forName="text_1" refType="h" refFor="ch" refForName="accent_1" fact="0.8"/>
+                <dgm:constr type="ctrY" for="ch" forName="text_1" refType="ctrY" refFor="ch" refForName="accent_1"/>
+                <dgm:constr type="rMarg" for="ch" forName="text_1" refType="w" refFor="ch" refForName="accent_1" fact="1.8"/>
+                <dgm:constr type="h" for="ch" forName="accent_2" refType="h" fact="0.3571"/>
+                <dgm:constr type="w" for="ch" forName="accent_2" refType="h" refFor="ch" refForName="accent_2" op="equ"/>
+                <dgm:constr type="ctrY" for="ch" forName="accent_2" refType="h" fact="0.7143"/>
+                <dgm:constr type="ctrX" for="ch" forName="accent_2" refType="w"/>
+                <dgm:constr type="ctrXOff" for="ch" forName="accent_2" refType="h" fact="-0.1891"/>
+                <dgm:constr type="r" for="ch" forName="text_2" refType="ctrX" refFor="ch" refForName="accent_2"/>
+                <dgm:constr type="rOff" for="ch" forName="text_2" refType="ctrXOff" refFor="ch" refForName="accent_2"/>
+                <dgm:constr type="l" for="ch" forName="text_2"/>
+                <dgm:constr type="w" for="ch" forName="text_2" refType="h" refFor="ch" refForName="text_2" op="gte"/>
+                <dgm:constr type="h" for="ch" forName="text_2" refType="h" refFor="ch" refForName="accent_2" fact="0.8"/>
+                <dgm:constr type="ctrY" for="ch" forName="text_2" refType="ctrY" refFor="ch" refForName="accent_2"/>
+                <dgm:constr type="rMarg" for="ch" forName="text_2" refType="w" refFor="ch" refForName="accent_2" fact="1.8"/>
+                <dgm:constr type="primFontSz" for="ch" ptType="node" op="equ" val="65"/>
+              </dgm:constrLst>
+            </dgm:if>
+            <dgm:if name="Name16" axis="ch" ptType="node" func="cnt" op="equ" val="3">
+              <dgm:constrLst>
+                <dgm:constr type="h" for="ch" forName="cycle" refType="h"/>
+                <dgm:constr type="w" for="ch" forName="cycle" refType="h" refFor="ch" refForName="cycle" fact="0.26"/>
+                <dgm:constr type="r" for="ch" forName="cycle" refType="w"/>
+                <dgm:constr type="ctrY" for="ch" forName="cycle" refType="h" fact="0.5"/>
+                <dgm:constr type="diam" for="ch" forName="cycle" refType="h" fact="1.344"/>
+                <dgm:constr type="h" for="ch" forName="accent_1" refType="h" fact="0.25"/>
+                <dgm:constr type="w" for="ch" forName="accent_1" refType="h" refFor="ch" refForName="accent_1" op="equ"/>
+                <dgm:constr type="ctrY" for="ch" forName="accent_1" refType="h" fact="0.2"/>
+                <dgm:constr type="ctrX" for="ch" forName="accent_1" refType="w"/>
+                <dgm:constr type="ctrXOff" for="ch" forName="accent_1" refType="h" fact="-0.1526"/>
+                <dgm:constr type="r" for="ch" forName="text_1" refType="ctrX" refFor="ch" refForName="accent_1"/>
+                <dgm:constr type="rOff" for="ch" forName="text_1" refType="ctrXOff" refFor="ch" refForName="accent_1"/>
+                <dgm:constr type="l" for="ch" forName="text_1"/>
+                <dgm:constr type="w" for="ch" forName="text_1" refType="h" refFor="ch" refForName="text_1" op="gte"/>
+                <dgm:constr type="h" for="ch" forName="text_1" refType="h" refFor="ch" refForName="accent_1" fact="0.8"/>
+                <dgm:constr type="ctrY" for="ch" forName="text_1" refType="ctrY" refFor="ch" refForName="accent_1"/>
+                <dgm:constr type="rMarg" for="ch" forName="text_1" refType="w" refFor="ch" refForName="accent_1" fact="1.8"/>
+                <dgm:constr type="h" for="ch" forName="accent_2" refType="h" fact="0.25"/>
+                <dgm:constr type="w" for="ch" forName="accent_2" refType="h" refFor="ch" refForName="accent_2" op="equ"/>
+                <dgm:constr type="ctrY" for="ch" forName="accent_2" refType="h" fact="0.5"/>
+                <dgm:constr type="ctrX" for="ch" forName="accent_2" refType="w"/>
+                <dgm:constr type="ctrXOff" for="ch" forName="accent_2" refType="h" fact="-0.2253"/>
+                <dgm:constr type="r" for="ch" forName="text_2" refType="ctrX" refFor="ch" refForName="accent_2"/>
+                <dgm:constr type="rOff" for="ch" forName="text_2" refType="ctrXOff" refFor="ch" refForName="accent_2"/>
+                <dgm:constr type="l" for="ch" forName="text_2"/>
+                <dgm:constr type="w" for="ch" forName="text_2" refType="h" refFor="ch" refForName="text_2" op="gte"/>
+                <dgm:constr type="h" for="ch" forName="text_2" refType="h" refFor="ch" refForName="accent_2" fact="0.8"/>
+                <dgm:constr type="ctrY" for="ch" forName="text_2" refType="ctrY" refFor="ch" refForName="accent_2"/>
+                <dgm:constr type="rMarg" for="ch" forName="text_2" refType="w" refFor="ch" refForName="accent_2" fact="1.8"/>
+                <dgm:constr type="h" for="ch" forName="accent_3" refType="h" fact="0.25"/>
+                <dgm:constr type="w" for="ch" forName="accent_3" refType="h" refFor="ch" refForName="accent_3" op="equ"/>
+                <dgm:constr type="ctrY" for="ch" forName="accent_3" refType="h" fact="0.8"/>
+                <dgm:constr type="ctrX" for="ch" forName="accent_3" refType="w"/>
+                <dgm:constr type="ctrXOff" for="ch" forName="accent_3" refType="h" fact="-0.1526"/>
+                <dgm:constr type="r" for="ch" forName="text_3" refType="ctrX" refFor="ch" refForName="accent_3"/>
+                <dgm:constr type="rOff" for="ch" forName="text_3" refType="ctrXOff" refFor="ch" refForName="accent_3"/>
+                <dgm:constr type="l" for="ch" forName="text_3"/>
+                <dgm:constr type="w" for="ch" forName="text_3" refType="h" refFor="ch" refForName="text_3" op="gte"/>
+                <dgm:constr type="h" for="ch" forName="text_3" refType="h" refFor="ch" refForName="accent_3" fact="0.8"/>
+                <dgm:constr type="ctrY" for="ch" forName="text_3" refType="ctrY" refFor="ch" refForName="accent_3"/>
+                <dgm:constr type="rMarg" for="ch" forName="text_3" refType="w" refFor="ch" refForName="accent_3" fact="1.8"/>
+                <dgm:constr type="primFontSz" for="ch" ptType="node" op="equ" val="65"/>
+              </dgm:constrLst>
+            </dgm:if>
+            <dgm:if name="Name17" axis="ch" ptType="node" func="cnt" op="equ" val="4">
+              <dgm:constrLst>
+                <dgm:constr type="h" for="ch" forName="cycle" refType="h"/>
+                <dgm:constr type="w" for="ch" forName="cycle" refType="h" refFor="ch" refForName="cycle" fact="0.26"/>
+                <dgm:constr type="r" for="ch" forName="cycle" refType="w"/>
+                <dgm:constr type="ctrY" for="ch" forName="cycle" refType="h" fact="0.5"/>
+                <dgm:constr type="diam" for="ch" forName="cycle" refType="h" fact="1.344"/>
+                <dgm:constr type="h" for="ch" forName="accent_1" refType="h" fact="0.1923"/>
+                <dgm:constr type="w" for="ch" forName="accent_1" refType="h" refFor="ch" refForName="accent_1" op="equ"/>
+                <dgm:constr type="ctrY" for="ch" forName="accent_1" refType="h" fact="0.1538"/>
+                <dgm:constr type="ctrX" for="ch" forName="accent_1" refType="w"/>
+                <dgm:constr type="ctrXOff" for="ch" forName="accent_1" refType="h" fact="-0.1268"/>
+                <dgm:constr type="r" for="ch" forName="text_1" refType="ctrX" refFor="ch" refForName="accent_1"/>
+                <dgm:constr type="rOff" for="ch" forName="text_1" refType="ctrXOff" refFor="ch" refForName="accent_1"/>
+                <dgm:constr type="l" for="ch" forName="text_1"/>
+                <dgm:constr type="w" for="ch" forName="text_1" refType="h" refFor="ch" refForName="text_1" op="gte"/>
+                <dgm:constr type="h" for="ch" forName="text_1" refType="h" refFor="ch" refForName="accent_1" fact="0.8"/>
+                <dgm:constr type="ctrY" for="ch" forName="text_1" refType="ctrY" refFor="ch" refForName="accent_1"/>
+                <dgm:constr type="rMarg" for="ch" forName="text_1" refType="w" refFor="ch" refForName="accent_1" fact="1.8"/>
+                <dgm:constr type="h" for="ch" forName="accent_2" refType="h" fact="0.1923"/>
+                <dgm:constr type="w" for="ch" forName="accent_2" refType="h" refFor="ch" refForName="accent_2" op="equ"/>
+                <dgm:constr type="ctrY" for="ch" forName="accent_2" refType="h" fact="0.3846"/>
+                <dgm:constr type="ctrX" for="ch" forName="accent_2" refType="w"/>
+                <dgm:constr type="ctrXOff" for="ch" forName="accent_2" refType="h" fact="-0.215"/>
+                <dgm:constr type="r" for="ch" forName="text_2" refType="ctrX" refFor="ch" refForName="accent_2"/>
+                <dgm:constr type="rOff" for="ch" forName="text_2" refType="ctrXOff" refFor="ch" refForName="accent_2"/>
+                <dgm:constr type="l" for="ch" forName="text_2"/>
+                <dgm:constr type="w" for="ch" forName="text_2" refType="h" refFor="ch" refForName="text_2" op="gte"/>
+                <dgm:constr type="h" for="ch" forName="text_2" refType="h" refFor="ch" refForName="accent_2" fact="0.8"/>
+                <dgm:constr type="ctrY" for="ch" forName="text_2" refType="ctrY" refFor="ch" refForName="accent_2"/>
+                <dgm:constr type="rMarg" for="ch" forName="text_2" refType="w" refFor="ch" refForName="accent_2" fact="1.8"/>
+                <dgm:constr type="h" for="ch" forName="accent_3" refType="h" fact="0.1923"/>
+                <dgm:constr type="w" for="ch" forName="accent_3" refType="h" refFor="ch" refForName="accent_3" op="equ"/>
+                <dgm:constr type="ctrY" for="ch" forName="accent_3" refType="h" fact="0.6154"/>
+                <dgm:constr type="ctrX" for="ch" forName="accent_3" refType="w"/>
+                <dgm:constr type="ctrXOff" for="ch" forName="accent_3" refType="h" fact="-0.215"/>
+                <dgm:constr type="r" for="ch" forName="text_3" refType="ctrX" refFor="ch" refForName="accent_3"/>
+                <dgm:constr type="rOff" for="ch" forName="text_3" refType="ctrXOff" refFor="ch" refForName="accent_3"/>
+                <dgm:constr type="l" for="ch" forName="text_3"/>
+                <dgm:constr type="w" for="ch" forName="text_3" refType="h" refFor="ch" refForName="text_3" op="gte"/>
+                <dgm:constr type="h" for="ch" forName="text_3" refType="h" refFor="ch" refForName="accent_3" fact="0.8"/>
+                <dgm:constr type="ctrY" for="ch" forName="text_3" refType="ctrY" refFor="ch" refForName="accent_3"/>
+                <dgm:constr type="rMarg" for="ch" forName="text_3" refType="w" refFor="ch" refForName="accent_3" fact="1.8"/>
+                <dgm:constr type="h" for="ch" forName="accent_4" refType="h" fact="0.1923"/>
+                <dgm:constr type="w" for="ch" forName="accent_4" refType="h" refFor="ch" refForName="accent_4" op="equ"/>
+                <dgm:constr type="ctrY" for="ch" forName="accent_4" refType="h" fact="0.8462"/>
+                <dgm:constr type="ctrX" for="ch" forName="accent_4" refType="w"/>
+                <dgm:constr type="ctrXOff" for="ch" forName="accent_4" refType="h" fact="-0.1268"/>
+                <dgm:constr type="r" for="ch" forName="text_4" refType="ctrX" refFor="ch" refForName="accent_4"/>
+                <dgm:constr type="rOff" for="ch" forName="text_4" refType="ctrXOff" refFor="ch" refForName="accent_4"/>
+                <dgm:constr type="l" for="ch" forName="text_4"/>
+                <dgm:constr type="w" for="ch" forName="text_4" refType="h" refFor="ch" refForName="text_4" op="gte"/>
+                <dgm:constr type="h" for="ch" forName="text_4" refType="h" refFor="ch" refForName="accent_4" fact="0.8"/>
+                <dgm:constr type="ctrY" for="ch" forName="text_4" refType="ctrY" refFor="ch" refForName="accent_4"/>
+                <dgm:constr type="rMarg" for="ch" forName="text_4" refType="w" refFor="ch" refForName="accent_4" fact="1.8"/>
+                <dgm:constr type="primFontSz" for="ch" ptType="node" op="equ" val="65"/>
+              </dgm:constrLst>
+            </dgm:if>
+            <dgm:if name="Name18" axis="ch" ptType="node" func="cnt" op="equ" val="5">
+              <dgm:constrLst>
+                <dgm:constr type="h" for="ch" forName="cycle" refType="h"/>
+                <dgm:constr type="w" for="ch" forName="cycle" refType="h" refFor="ch" refForName="cycle" fact="0.26"/>
+                <dgm:constr type="r" for="ch" forName="cycle" refType="w"/>
+                <dgm:constr type="ctrY" for="ch" forName="cycle" refType="h" fact="0.5"/>
+                <dgm:constr type="diam" for="ch" forName="cycle" refType="h" fact="1.344"/>
+                <dgm:constr type="h" for="ch" forName="accent_1" refType="h" fact="0.1563"/>
+                <dgm:constr type="w" for="ch" forName="accent_1" refType="h" refFor="ch" refForName="accent_1" op="equ"/>
+                <dgm:constr type="ctrY" for="ch" forName="accent_1" refType="h" fact="0.125"/>
+                <dgm:constr type="ctrX" for="ch" forName="accent_1" refType="w"/>
+                <dgm:constr type="ctrXOff" for="ch" forName="accent_1" refType="h" fact="-0.1082"/>
+                <dgm:constr type="r" for="ch" forName="text_1" refType="ctrX" refFor="ch" refForName="accent_1"/>
+                <dgm:constr type="rOff" for="ch" forName="text_1" refType="ctrXOff" refFor="ch" refForName="accent_1"/>
+                <dgm:constr type="l" for="ch" forName="text_1"/>
+                <dgm:constr type="w" for="ch" forName="text_1" refType="h" refFor="ch" refForName="text_1" op="gte"/>
+                <dgm:constr type="h" for="ch" forName="text_1" refType="h" refFor="ch" refForName="accent_1" fact="0.8"/>
+                <dgm:constr type="ctrY" for="ch" forName="text_1" refType="ctrY" refFor="ch" refForName="accent_1"/>
+                <dgm:constr type="rMarg" for="ch" forName="text_1" refType="w" refFor="ch" refForName="accent_1" fact="1.8"/>
+                <dgm:constr type="h" for="ch" forName="accent_2" refType="h" fact="0.1563"/>
+                <dgm:constr type="w" for="ch" forName="accent_2" refType="h" refFor="ch" refForName="accent_2" op="equ"/>
+                <dgm:constr type="ctrY" for="ch" forName="accent_2" refType="h" fact="0.3125"/>
+                <dgm:constr type="ctrX" for="ch" forName="accent_2" refType="w"/>
+                <dgm:constr type="ctrXOff" for="ch" forName="accent_2" refType="h" fact="-0.1978"/>
+                <dgm:constr type="r" for="ch" forName="text_2" refType="ctrX" refFor="ch" refForName="accent_2"/>
+                <dgm:constr type="rOff" for="ch" forName="text_2" refType="ctrXOff" refFor="ch" refForName="accent_2"/>
+                <dgm:constr type="l" for="ch" forName="text_2"/>
+                <dgm:constr type="w" for="ch" forName="text_2" refType="h" refFor="ch" refForName="text_2" op="gte"/>
+                <dgm:constr type="h" for="ch" forName="text_2" refType="h" refFor="ch" refForName="accent_2" fact="0.8"/>
+                <dgm:constr type="ctrY" for="ch" forName="text_2" refType="ctrY" refFor="ch" refForName="accent_2"/>
+                <dgm:constr type="rMarg" for="ch" forName="text_2" refType="w" refFor="ch" refForName="accent_2" fact="1.8"/>
+                <dgm:constr type="h" for="ch" forName="accent_3" refType="h" fact="0.1563"/>
+                <dgm:constr type="w" for="ch" forName="accent_3" refType="h" refFor="ch" refForName="accent_3" op="equ"/>
+                <dgm:constr type="ctrY" for="ch" forName="accent_3" refType="h" fact="0.5"/>
+                <dgm:constr type="ctrX" for="ch" forName="accent_3" refType="w"/>
+                <dgm:constr type="ctrXOff" for="ch" forName="accent_3" refType="h" fact="-0.2253"/>
+                <dgm:constr type="r" for="ch" forName="text_3" refType="ctrX" refFor="ch" refForName="accent_3"/>
+                <dgm:constr type="rOff" for="ch" forName="text_3" refType="ctrXOff" refFor="ch" refForName="accent_3"/>
+                <dgm:constr type="l" for="ch" forName="text_3"/>
+                <dgm:constr type="w" for="ch" forName="text_3" refType="h" refFor="ch" refForName="text_3" op="gte"/>
+                <dgm:constr type="h" for="ch" forName="text_3" refType="h" refFor="ch" refForName="accent_3" fact="0.8"/>
+                <dgm:constr type="ctrY" for="ch" forName="text_3" refType="ctrY" refFor="ch" refForName="accent_3"/>
+                <dgm:constr type="rMarg" for="ch" forName="text_3" refType="w" refFor="ch" refForName="accent_3" fact="1.8"/>
+                <dgm:constr type="h" for="ch" forName="accent_4" refType="h" fact="0.1563"/>
+                <dgm:constr type="w" for="ch" forName="accent_4" refType="h" refFor="ch" refForName="accent_4" op="equ"/>
+                <dgm:constr type="ctrY" for="ch" forName="accent_4" refType="h" fact="0.6875"/>
+                <dgm:constr type="ctrX" for="ch" forName="accent_4" refType="w"/>
+                <dgm:constr type="ctrXOff" for="ch" forName="accent_4" refType="h" fact="-0.1978"/>
+                <dgm:constr type="r" for="ch" forName="text_4" refType="ctrX" refFor="ch" refForName="accent_4"/>
+                <dgm:constr type="rOff" for="ch" forName="text_4" refType="ctrXOff" refFor="ch" refForName="accent_4"/>
+                <dgm:constr type="l" for="ch" forName="text_4"/>
+                <dgm:constr type="w" for="ch" forName="text_4" refType="h" refFor="ch" refForName="text_4" op="gte"/>
+                <dgm:constr type="h" for="ch" forName="text_4" refType="h" refFor="ch" refForName="accent_4" fact="0.8"/>
+                <dgm:constr type="ctrY" for="ch" forName="text_4" refType="ctrY" refFor="ch" refForName="accent_4"/>
+                <dgm:constr type="rMarg" for="ch" forName="text_4" refType="w" refFor="ch" refForName="accent_4" fact="1.8"/>
+                <dgm:constr type="h" for="ch" forName="accent_5" refType="h" fact="0.1563"/>
+                <dgm:constr type="w" for="ch" forName="accent_5" refType="h" refFor="ch" refForName="accent_5" op="equ"/>
+                <dgm:constr type="ctrY" for="ch" forName="accent_5" refType="h" fact="0.875"/>
+                <dgm:constr type="ctrX" for="ch" forName="accent_5" refType="w"/>
+                <dgm:constr type="ctrXOff" for="ch" forName="accent_5" refType="h" fact="-0.1082"/>
+                <dgm:constr type="r" for="ch" forName="text_5" refType="ctrX" refFor="ch" refForName="accent_5"/>
+                <dgm:constr type="rOff" for="ch" forName="text_5" refType="ctrXOff" refFor="ch" refForName="accent_5"/>
+                <dgm:constr type="l" for="ch" forName="text_5"/>
+                <dgm:constr type="w" for="ch" forName="text_5" refType="h" refFor="ch" refForName="text_5" op="gte"/>
+                <dgm:constr type="h" for="ch" forName="text_5" refType="h" refFor="ch" refForName="accent_5" fact="0.8"/>
+                <dgm:constr type="ctrY" for="ch" forName="text_5" refType="ctrY" refFor="ch" refForName="accent_5"/>
+                <dgm:constr type="rMarg" for="ch" forName="text_5" refType="w" refFor="ch" refForName="accent_5" fact="1.8"/>
+                <dgm:constr type="primFontSz" for="ch" ptType="node" op="equ" val="65"/>
+              </dgm:constrLst>
+            </dgm:if>
+            <dgm:if name="Name19" axis="ch" ptType="node" func="cnt" op="equ" val="6">
+              <dgm:constrLst>
+                <dgm:constr type="h" for="ch" forName="cycle" refType="h"/>
+                <dgm:constr type="w" for="ch" forName="cycle" refType="h" refFor="ch" refForName="cycle" fact="0.26"/>
+                <dgm:constr type="r" for="ch" forName="cycle" refType="w"/>
+                <dgm:constr type="ctrY" for="ch" forName="cycle" refType="h" fact="0.5"/>
+                <dgm:constr type="diam" for="ch" forName="cycle" refType="h" fact="1.344"/>
+                <dgm:constr type="h" for="ch" forName="accent_1" refType="h" fact="0.1316"/>
+                <dgm:constr type="w" for="ch" forName="accent_1" refType="h" refFor="ch" refForName="accent_1" op="equ"/>
+                <dgm:constr type="ctrY" for="ch" forName="accent_1" refType="h" fact="0.1053"/>
+                <dgm:constr type="ctrX" for="ch" forName="accent_1" refType="w"/>
+                <dgm:constr type="ctrXOff" for="ch" forName="accent_1" refType="h" fact="-0.0943"/>
+                <dgm:constr type="r" for="ch" forName="text_1" refType="ctrX" refFor="ch" refForName="accent_1"/>
+                <dgm:constr type="rOff" for="ch" forName="text_1" refType="ctrXOff" refFor="ch" refForName="accent_1"/>
+                <dgm:constr type="l" for="ch" forName="text_1"/>
+                <dgm:constr type="w" for="ch" forName="text_1" refType="h" refFor="ch" refForName="text_1" op="gte"/>
+                <dgm:constr type="h" for="ch" forName="text_1" refType="h" refFor="ch" refForName="accent_1" fact="0.8"/>
+                <dgm:constr type="ctrY" for="ch" forName="text_1" refType="ctrY" refFor="ch" refForName="accent_1"/>
+                <dgm:constr type="rMarg" for="ch" forName="text_1" refType="w" refFor="ch" refForName="accent_1" fact="1.8"/>
+                <dgm:constr type="h" for="ch" forName="accent_2" refType="h" fact="0.1316"/>
+                <dgm:constr type="w" for="ch" forName="accent_2" refType="h" refFor="ch" refForName="accent_2" op="equ"/>
+                <dgm:constr type="ctrY" for="ch" forName="accent_2" refType="h" fact="0.2632"/>
+                <dgm:constr type="ctrX" for="ch" forName="accent_2" refType="w"/>
+                <dgm:constr type="ctrXOff" for="ch" forName="accent_2" refType="h" fact="-0.1809"/>
+                <dgm:constr type="r" for="ch" forName="text_2" refType="ctrX" refFor="ch" refForName="accent_2"/>
+                <dgm:constr type="rOff" for="ch" forName="text_2" refType="ctrXOff" refFor="ch" refForName="accent_2"/>
+                <dgm:constr type="l" for="ch" forName="text_2"/>
+                <dgm:constr type="w" for="ch" forName="text_2" refType="h" refFor="ch" refForName="text_2" op="gte"/>
+                <dgm:constr type="h" for="ch" forName="text_2" refType="h" refFor="ch" refForName="accent_2" fact="0.8"/>
+                <dgm:constr type="ctrY" for="ch" forName="text_2" refType="ctrY" refFor="ch" refForName="accent_2"/>
+                <dgm:constr type="rMarg" for="ch" forName="text_2" refType="w" refFor="ch" refForName="accent_2" fact="1.8"/>
+                <dgm:constr type="h" for="ch" forName="accent_3" refType="h" fact="0.1316"/>
+                <dgm:constr type="w" for="ch" forName="accent_3" refType="h" refFor="ch" refForName="accent_3" op="equ"/>
+                <dgm:constr type="ctrY" for="ch" forName="accent_3" refType="h" fact="0.4211"/>
+                <dgm:constr type="ctrX" for="ch" forName="accent_3" refType="w"/>
+                <dgm:constr type="ctrXOff" for="ch" forName="accent_3" refType="h" fact="-0.2205"/>
+                <dgm:constr type="r" for="ch" forName="text_3" refType="ctrX" refFor="ch" refForName="accent_3"/>
+                <dgm:constr type="rOff" for="ch" forName="text_3" refType="ctrXOff" refFor="ch" refForName="accent_3"/>
+                <dgm:constr type="l" for="ch" forName="text_3"/>
+                <dgm:constr type="w" for="ch" forName="text_3" refType="h" refFor="ch" refForName="text_3" op="gte"/>
+                <dgm:constr type="h" for="ch" forName="text_3" refType="h" refFor="ch" refForName="accent_3" fact="0.8"/>
+                <dgm:constr type="ctrY" for="ch" forName="text_3" refType="ctrY" refFor="ch" refForName="accent_3"/>
+                <dgm:constr type="rMarg" for="ch" forName="text_3" refType="w" refFor="ch" refForName="accent_3" fact="1.8"/>
+                <dgm:constr type="h" for="ch" forName="accent_4" refType="h" fact="0.1316"/>
+                <dgm:constr type="w" for="ch" forName="accent_4" refType="h" refFor="ch" refForName="accent_4" op="equ"/>
+                <dgm:constr type="ctrY" for="ch" forName="accent_4" refType="h" fact="0.5789"/>
+                <dgm:constr type="ctrX" for="ch" forName="accent_4" refType="w"/>
+                <dgm:constr type="ctrXOff" for="ch" forName="accent_4" refType="h" fact="-0.2205"/>
+                <dgm:constr type="r" for="ch" forName="text_4" refType="ctrX" refFor="ch" refForName="accent_4"/>
+                <dgm:constr type="rOff" for="ch" forName="text_4" refType="ctrXOff" refFor="ch" refForName="accent_4"/>
+                <dgm:constr type="l" for="ch" forName="text_4"/>
+                <dgm:constr type="w" for="ch" forName="text_4" refType="h" refFor="ch" refForName="text_4" op="gte"/>
+                <dgm:constr type="h" for="ch" forName="text_4" refType="h" refFor="ch" refForName="accent_4" fact="0.8"/>
+                <dgm:constr type="ctrY" for="ch" forName="text_4" refType="ctrY" refFor="ch" refForName="accent_4"/>
+                <dgm:constr type="rMarg" for="ch" forName="text_4" refType="w" refFor="ch" refForName="accent_4" fact="1.8"/>
+                <dgm:constr type="h" for="ch" forName="accent_5" refType="h" fact="0.1316"/>
+                <dgm:constr type="w" for="ch" forName="accent_5" refType="h" refFor="ch" refForName="accent_5" op="equ"/>
+                <dgm:constr type="ctrY" for="ch" forName="accent_5" refType="h" fact="0.7368"/>
+                <dgm:constr type="ctrX" for="ch" forName="accent_5" refType="w"/>
+                <dgm:constr type="ctrXOff" for="ch" forName="accent_5" refType="h" fact="-0.1809"/>
+                <dgm:constr type="r" for="ch" forName="text_5" refType="ctrX" refFor="ch" refForName="accent_5"/>
+                <dgm:constr type="rOff" for="ch" forName="text_5" refType="ctrXOff" refFor="ch" refForName="accent_5"/>
+                <dgm:constr type="l" for="ch" forName="text_5"/>
+                <dgm:constr type="w" for="ch" forName="text_5" refType="h" refFor="ch" refForName="text_5" op="gte"/>
+                <dgm:constr type="h" for="ch" forName="text_5" refType="h" refFor="ch" refForName="accent_5" fact="0.8"/>
+                <dgm:constr type="ctrY" for="ch" forName="text_5" refType="ctrY" refFor="ch" refForName="accent_5"/>
+                <dgm:constr type="rMarg" for="ch" forName="text_5" refType="w" refFor="ch" refForName="accent_5" fact="1.8"/>
+                <dgm:constr type="h" for="ch" forName="accent_6" refType="h" fact="0.1316"/>
+                <dgm:constr type="w" for="ch" forName="accent_6" refType="h" refFor="ch" refForName="accent_6" op="equ"/>
+                <dgm:constr type="ctrY" for="ch" forName="accent_6" refType="h" fact="0.8947"/>
+                <dgm:constr type="ctrX" for="ch" forName="accent_6" refType="w"/>
+                <dgm:constr type="ctrXOff" for="ch" forName="accent_6" refType="h" fact="-0.0943"/>
+                <dgm:constr type="r" for="ch" forName="text_6" refType="ctrX" refFor="ch" refForName="accent_6"/>
+                <dgm:constr type="rOff" for="ch" forName="text_6" refType="ctrXOff" refFor="ch" refForName="accent_6"/>
+                <dgm:constr type="l" for="ch" forName="text_6"/>
+                <dgm:constr type="w" for="ch" forName="text_6" refType="h" refFor="ch" refForName="text_6" op="gte"/>
+                <dgm:constr type="h" for="ch" forName="text_6" refType="h" refFor="ch" refForName="accent_6" fact="0.8"/>
+                <dgm:constr type="ctrY" for="ch" forName="text_6" refType="ctrY" refFor="ch" refForName="accent_6"/>
+                <dgm:constr type="rMarg" for="ch" forName="text_6" refType="w" refFor="ch" refForName="accent_6" fact="1.8"/>
+                <dgm:constr type="primFontSz" for="ch" ptType="node" op="equ" val="65"/>
+              </dgm:constrLst>
+            </dgm:if>
+            <dgm:else name="Name20">
+              <dgm:constrLst>
+                <dgm:constr type="h" for="ch" forName="cycle" refType="h"/>
+                <dgm:constr type="w" for="ch" forName="cycle" refType="h" refFor="ch" refForName="cycle" fact="0.26"/>
+                <dgm:constr type="r" for="ch" forName="cycle" refType="w"/>
+                <dgm:constr type="ctrY" for="ch" forName="cycle" refType="h" fact="0.5"/>
+                <dgm:constr type="diam" for="ch" forName="cycle" refType="h" fact="1.344"/>
+                <dgm:constr type="h" for="ch" forName="accent_1" refType="h" fact="0.1136"/>
+                <dgm:constr type="w" for="ch" forName="accent_1" refType="h" refFor="ch" refForName="accent_1" op="equ"/>
+                <dgm:constr type="ctrY" for="ch" forName="accent_1" refType="h" fact="0.0909"/>
+                <dgm:constr type="ctrX" for="ch" forName="accent_1" refType="w"/>
+                <dgm:constr type="ctrXOff" for="ch" forName="accent_1" refType="h" fact="-0.0835"/>
+                <dgm:constr type="r" for="ch" forName="text_1" refType="ctrX" refFor="ch" refForName="accent_1"/>
+                <dgm:constr type="rOff" for="ch" forName="text_1" refType="ctrXOff" refFor="ch" refForName="accent_1"/>
+                <dgm:constr type="l" for="ch" forName="text_1"/>
+                <dgm:constr type="w" for="ch" forName="text_1" refType="h" refFor="ch" refForName="text_1" op="gte"/>
+                <dgm:constr type="h" for="ch" forName="text_1" refType="h" refFor="ch" refForName="accent_1" fact="0.8"/>
+                <dgm:constr type="ctrY" for="ch" forName="text_1" refType="ctrY" refFor="ch" refForName="accent_1"/>
+                <dgm:constr type="rMarg" for="ch" forName="text_1" refType="w" refFor="ch" refForName="accent_1" fact="1.8"/>
+                <dgm:constr type="h" for="ch" forName="accent_2" refType="h" fact="0.1136"/>
+                <dgm:constr type="w" for="ch" forName="accent_2" refType="h" refFor="ch" refForName="accent_2" op="equ"/>
+                <dgm:constr type="ctrY" for="ch" forName="accent_2" refType="h" fact="0.2273"/>
+                <dgm:constr type="ctrX" for="ch" forName="accent_2" refType="w"/>
+                <dgm:constr type="ctrXOff" for="ch" forName="accent_2" refType="h" fact="-0.1658"/>
+                <dgm:constr type="r" for="ch" forName="text_2" refType="ctrX" refFor="ch" refForName="accent_2"/>
+                <dgm:constr type="rOff" for="ch" forName="text_2" refType="ctrXOff" refFor="ch" refForName="accent_2"/>
+                <dgm:constr type="l" for="ch" forName="text_2"/>
+                <dgm:constr type="w" for="ch" forName="text_2" refType="h" refFor="ch" refForName="text_2" op="gte"/>
+                <dgm:constr type="h" for="ch" forName="text_2" refType="h" refFor="ch" refForName="accent_2" fact="0.8"/>
+                <dgm:constr type="ctrY" for="ch" forName="text_2" refType="ctrY" refFor="ch" refForName="accent_2"/>
+                <dgm:constr type="rMarg" for="ch" forName="text_2" refType="w" refFor="ch" refForName="accent_2" fact="1.8"/>
+                <dgm:constr type="h" for="ch" forName="accent_3" refType="h" fact="0.1136"/>
+                <dgm:constr type="w" for="ch" forName="accent_3" refType="h" refFor="ch" refForName="accent_3" op="equ"/>
+                <dgm:constr type="ctrY" for="ch" forName="accent_3" refType="h" fact="0.3636"/>
+                <dgm:constr type="ctrX" for="ch" forName="accent_3" refType="w"/>
+                <dgm:constr type="ctrXOff" for="ch" forName="accent_3" refType="h" fact="-0.2109"/>
+                <dgm:constr type="r" for="ch" forName="text_3" refType="ctrX" refFor="ch" refForName="accent_3"/>
+                <dgm:constr type="rOff" for="ch" forName="text_3" refType="ctrXOff" refFor="ch" refForName="accent_3"/>
+                <dgm:constr type="l" for="ch" forName="text_3"/>
+                <dgm:constr type="w" for="ch" forName="text_3" refType="h" refFor="ch" refForName="text_3" op="gte"/>
+                <dgm:constr type="h" for="ch" forName="text_3" refType="h" refFor="ch" refForName="accent_3" fact="0.8"/>
+                <dgm:constr type="ctrY" for="ch" forName="text_3" refType="ctrY" refFor="ch" refForName="accent_3"/>
+                <dgm:constr type="rMarg" for="ch" forName="text_3" refType="w" refFor="ch" refForName="accent_3" fact="1.8"/>
+                <dgm:constr type="h" for="ch" forName="accent_4" refType="h" fact="0.1136"/>
+                <dgm:constr type="w" for="ch" forName="accent_4" refType="h" refFor="ch" refForName="accent_4" op="equ"/>
+                <dgm:constr type="ctrY" for="ch" forName="accent_4" refType="h" fact="0.5"/>
+                <dgm:constr type="ctrX" for="ch" forName="accent_4" refType="w"/>
+                <dgm:constr type="ctrXOff" for="ch" forName="accent_4" refType="h" fact="-0.2253"/>
+                <dgm:constr type="r" for="ch" forName="text_4" refType="ctrX" refFor="ch" refForName="accent_4"/>
+                <dgm:constr type="rOff" for="ch" forName="text_4" refType="ctrXOff" refFor="ch" refForName="accent_4"/>
+                <dgm:constr type="l" for="ch" forName="text_4"/>
+                <dgm:constr type="w" for="ch" forName="text_4" refType="h" refFor="ch" refForName="text_4" op="gte"/>
+                <dgm:constr type="h" for="ch" forName="text_4" refType="h" refFor="ch" refForName="accent_4" fact="0.8"/>
+                <dgm:constr type="ctrY" for="ch" forName="text_4" refType="ctrY" refFor="ch" refForName="accent_4"/>
+                <dgm:constr type="rMarg" for="ch" forName="text_4" refType="w" refFor="ch" refForName="accent_4" fact="1.8"/>
+                <dgm:constr type="h" for="ch" forName="accent_5" refType="h" fact="0.1136"/>
+                <dgm:constr type="w" for="ch" forName="accent_5" refType="h" refFor="ch" refForName="accent_5" op="equ"/>
+                <dgm:constr type="ctrY" for="ch" forName="accent_5" refType="h" fact="0.6364"/>
+                <dgm:constr type="ctrX" for="ch" forName="accent_5" refType="w"/>
+                <dgm:constr type="ctrXOff" for="ch" forName="accent_5" refType="h" fact="-0.2109"/>
+                <dgm:constr type="r" for="ch" forName="text_5" refType="ctrX" refFor="ch" refForName="accent_5"/>
+                <dgm:constr type="rOff" for="ch" forName="text_5" refType="ctrXOff" refFor="ch" refForName="accent_5"/>
+                <dgm:constr type="l" for="ch" forName="text_5"/>
+                <dgm:constr type="w" for="ch" forName="text_5" refType="h" refFor="ch" refForName="text_5" op="gte"/>
+                <dgm:constr type="h" for="ch" forName="text_5" refType="h" refFor="ch" refForName="accent_5" fact="0.8"/>
+                <dgm:constr type="ctrY" for="ch" forName="text_5" refType="ctrY" refFor="ch" refForName="accent_5"/>
+                <dgm:constr type="rMarg" for="ch" forName="text_5" refType="w" refFor="ch" refForName="accent_5" fact="1.8"/>
+                <dgm:constr type="h" for="ch" forName="accent_6" refType="h" fact="0.1136"/>
+                <dgm:constr type="w" for="ch" forName="accent_6" refType="h" refFor="ch" refForName="accent_6" op="equ"/>
+                <dgm:constr type="ctrY" for="ch" forName="accent_6" refType="h" fact="0.7727"/>
+                <dgm:constr type="ctrX" for="ch" forName="accent_6" refType="w"/>
+                <dgm:constr type="ctrXOff" for="ch" forName="accent_6" refType="h" fact="-0.1658"/>
+                <dgm:constr type="r" for="ch" forName="text_6" refType="ctrX" refFor="ch" refForName="accent_6"/>
+                <dgm:constr type="rOff" for="ch" forName="text_6" refType="ctrXOff" refFor="ch" refForName="accent_6"/>
+                <dgm:constr type="l" for="ch" forName="text_6"/>
+                <dgm:constr type="w" for="ch" forName="text_6" refType="h" refFor="ch" refForName="text_6" op="gte"/>
+                <dgm:constr type="h" for="ch" forName="text_6" refType="h" refFor="ch" refForName="accent_6" fact="0.8"/>
+                <dgm:constr type="ctrY" for="ch" forName="text_6" refType="ctrY" refFor="ch" refForName="accent_6"/>
+                <dgm:constr type="rMarg" for="ch" forName="text_6" refType="w" refFor="ch" refForName="accent_6" fact="1.8"/>
+                <dgm:constr type="h" for="ch" forName="accent_7" refType="h" fact="0.1136"/>
+                <dgm:constr type="w" for="ch" forName="accent_7" refType="h" refFor="ch" refForName="accent_7" op="equ"/>
+                <dgm:constr type="ctrY" for="ch" forName="accent_7" refType="h" fact="0.9091"/>
+                <dgm:constr type="ctrX" for="ch" forName="accent_7" refType="w"/>
+                <dgm:constr type="ctrXOff" for="ch" forName="accent_7" refType="h" fact="-0.0835"/>
+                <dgm:constr type="r" for="ch" forName="text_7" refType="ctrX" refFor="ch" refForName="accent_7"/>
+                <dgm:constr type="rOff" for="ch" forName="text_7" refType="ctrXOff" refFor="ch" refForName="accent_7"/>
+                <dgm:constr type="l" for="ch" forName="text_7"/>
+                <dgm:constr type="w" for="ch" forName="text_7" refType="h" refFor="ch" refForName="text_7" op="gte"/>
+                <dgm:constr type="h" for="ch" forName="text_7" refType="h" refFor="ch" refForName="accent_7" fact="0.8"/>
+                <dgm:constr type="ctrY" for="ch" forName="text_7" refType="ctrY" refFor="ch" refForName="accent_7"/>
+                <dgm:constr type="rMarg" for="ch" forName="text_7" refType="w" refFor="ch" refForName="accent_7" fact="1.8"/>
+                <dgm:constr type="primFontSz" for="ch" ptType="node" op="equ" val="65"/>
+              </dgm:constrLst>
+            </dgm:else>
+          </dgm:choose>
+        </dgm:else>
+      </dgm:choose>
+      <dgm:layoutNode name="cycle">
+        <dgm:choose name="Name21">
+          <dgm:if name="Name22" func="var" arg="dir" op="equ" val="norm">
+            <dgm:alg type="cycle">
+              <dgm:param type="stAng" val="45"/>
+              <dgm:param type="spanAng" val="90"/>
+            </dgm:alg>
+          </dgm:if>
+          <dgm:else name="Name23">
+            <dgm:alg type="cycle">
+              <dgm:param type="stAng" val="225"/>
+              <dgm:param type="spanAng" val="90"/>
+            </dgm:alg>
+          </dgm:else>
+        </dgm:choose>
+        <dgm:shape xmlns:r="http://schemas.openxmlformats.org/officeDocument/2006/relationships" r:blip="">
+          <dgm:adjLst/>
+        </dgm:shape>
+        <dgm:presOf/>
+        <dgm:constrLst>
+          <dgm:constr type="w" for="ch" val="1"/>
+          <dgm:constr type="h" for="ch" val="1"/>
+          <dgm:constr type="diam" for="ch" forName="conn" refType="diam"/>
+        </dgm:constrLst>
+        <dgm:layoutNode name="srcNode">
+          <dgm:alg type="sp"/>
+          <dgm:shape xmlns:r="http://schemas.openxmlformats.org/officeDocument/2006/relationships" type="rect" r:blip="" hideGeom="1">
+            <dgm:adjLst/>
+          </dgm:shape>
+          <dgm:presOf/>
+        </dgm:layoutNode>
+        <dgm:layoutNode name="conn" styleLbl="parChTrans1D2">
+          <dgm:alg type="conn">
+            <dgm:param type="connRout" val="curve"/>
+            <dgm:param type="srcNode" val="srcNode"/>
+            <dgm:param type="dstNode" val="dstNode"/>
+            <dgm:param type="begPts" val="ctr"/>
+            <dgm:param type="endPts" val="ctr"/>
+            <dgm:param type="endSty" val="noArr"/>
+          </dgm:alg>
+          <dgm:shape xmlns:r="http://schemas.openxmlformats.org/officeDocument/2006/relationships" type="conn" r:blip="">
+            <dgm:adjLst/>
+          </dgm:shape>
+          <dgm:presOf axis="desOrSelf" ptType="sibTrans" hideLastTrans="0" st="0" cnt="1"/>
+          <dgm:constrLst>
+            <dgm:constr type="begPad"/>
+            <dgm:constr type="endPad"/>
+          </dgm:constrLst>
+        </dgm:layoutNode>
+        <dgm:layoutNode name="extraNode">
+          <dgm:alg type="sp"/>
+          <dgm:shape xmlns:r="http://schemas.openxmlformats.org/officeDocument/2006/relationships" type="rect" r:blip="" hideGeom="1">
+            <dgm:adjLst/>
+          </dgm:shape>
+          <dgm:presOf/>
+        </dgm:layoutNode>
+        <dgm:layoutNode name="dstNode">
+          <dgm:alg type="sp"/>
+          <dgm:shape xmlns:r="http://schemas.openxmlformats.org/officeDocument/2006/relationships" type="rect" r:blip="" hideGeom="1">
+            <dgm:adjLst/>
+          </dgm:shape>
+          <dgm:presOf/>
+        </dgm:layoutNode>
+      </dgm:layoutNode>
+      <dgm:forEach name="wrapper" axis="self" ptType="parTrans">
+        <dgm:forEach name="wrapper2" axis="self" ptType="sibTrans" st="2">
+          <dgm:forEach name="accentRepeat" axis="self">
+            <dgm:layoutNode name="accentRepeatNode" styleLbl="solidFgAcc1">
+              <dgm:alg type="sp"/>
+              <dgm:shape xmlns:r="http://schemas.openxmlformats.org/officeDocument/2006/relationships" type="ellipse" r:blip="">
+                <dgm:adjLst/>
+              </dgm:shape>
+              <dgm:presOf/>
+            </dgm:layoutNode>
+          </dgm:forEach>
+        </dgm:forEach>
+      </dgm:forEach>
+      <dgm:forEach name="Name24" axis="ch" ptType="node" cnt="1">
+        <dgm:layoutNode name="text_1" styleLbl="node1">
+          <dgm:varLst>
+            <dgm:bulletEnabled val="1"/>
+          </dgm:varLst>
+          <dgm:choose name="Name25">
+            <dgm:if name="Name26" func="var" arg="dir" op="equ" val="norm">
+              <dgm:alg type="tx">
+                <dgm:param type="parTxLTRAlign" val="l"/>
+                <dgm:param type="shpTxLTRAlignCh" val="l"/>
+                <dgm:param type="parTxRTLAlign" val="l"/>
+                <dgm:param type="shpTxRTLAlignCh" val="l"/>
+              </dgm:alg>
+            </dgm:if>
+            <dgm:else name="Name27">
+              <dgm:alg type="tx">
+                <dgm:param type="parTxLTRAlign" val="r"/>
+                <dgm:param type="shpTxLTRAlignCh" val="r"/>
+                <dgm:param type="parTxRTLAlign" val="r"/>
+                <dgm:param type="shpTxRTLAlignCh" val="r"/>
+              </dgm:alg>
+            </dgm:else>
+          </dgm:choose>
+          <dgm:shape xmlns:r="http://schemas.openxmlformats.org/officeDocument/2006/relationships" type="rect" r:blip="">
+            <dgm:adjLst/>
+          </dgm:shape>
+          <dgm:presOf axis="desOrSelf" ptType="node"/>
+          <dgm:constrLst>
+            <dgm:constr type="primFontSz" val="65"/>
+            <dgm:constr type="lMarg" refType="primFontSz" fact="0.2"/>
+            <dgm:constr type="rMarg" refType="primFontSz" fact="0.2"/>
+            <dgm:constr type="tMarg" refType="primFontSz" fact="0.2"/>
+            <dgm:constr type="bMarg" refType="primFontSz" fact="0.2"/>
+          </dgm:constrLst>
+          <dgm:ruleLst>
+            <dgm:rule type="primFontSz" val="5" fact="NaN" max="NaN"/>
+          </dgm:ruleLst>
+        </dgm:layoutNode>
+        <dgm:layoutNode name="accent_1">
+          <dgm:alg type="sp"/>
+          <dgm:shape xmlns:r="http://schemas.openxmlformats.org/officeDocument/2006/relationships" r:blip="">
+            <dgm:adjLst/>
+          </dgm:shape>
+          <dgm:presOf/>
+          <dgm:constrLst/>
+          <dgm:forEach name="Name28" ref="accentRepeat"/>
+        </dgm:layoutNode>
+      </dgm:forEach>
+      <dgm:forEach name="Name29" axis="ch" ptType="node" st="2" cnt="1">
+        <dgm:layoutNode name="text_2" styleLbl="node1">
+          <dgm:varLst>
+            <dgm:bulletEnabled val="1"/>
+          </dgm:varLst>
+          <dgm:choose name="Name30">
+            <dgm:if name="Name31" func="var" arg="dir" op="equ" val="norm">
+              <dgm:alg type="tx">
+                <dgm:param type="parTxLTRAlign" val="l"/>
+                <dgm:param type="shpTxLTRAlignCh" val="l"/>
+                <dgm:param type="parTxRTLAlign" val="l"/>
+                <dgm:param type="shpTxRTLAlignCh" val="l"/>
+              </dgm:alg>
+            </dgm:if>
+            <dgm:else name="Name32">
+              <dgm:alg type="tx">
+                <dgm:param type="parTxLTRAlign" val="r"/>
+                <dgm:param type="shpTxLTRAlignCh" val="r"/>
+                <dgm:param type="parTxRTLAlign" val="r"/>
+                <dgm:param type="shpTxRTLAlignCh" val="r"/>
+              </dgm:alg>
+            </dgm:else>
+          </dgm:choose>
+          <dgm:shape xmlns:r="http://schemas.openxmlformats.org/officeDocument/2006/relationships" type="rect" r:blip="">
+            <dgm:adjLst/>
+          </dgm:shape>
+          <dgm:presOf axis="desOrSelf" ptType="node"/>
+          <dgm:constrLst>
+            <dgm:constr type="primFontSz" val="65"/>
+            <dgm:constr type="lMarg" refType="primFontSz" fact="0.2"/>
+            <dgm:constr type="rMarg" refType="primFontSz" fact="0.2"/>
+            <dgm:constr type="tMarg" refType="primFontSz" fact="0.2"/>
+            <dgm:constr type="bMarg" refType="primFontSz" fact="0.2"/>
+          </dgm:constrLst>
+          <dgm:ruleLst>
+            <dgm:rule type="primFontSz" val="5" fact="NaN" max="NaN"/>
+          </dgm:ruleLst>
+        </dgm:layoutNode>
+        <dgm:layoutNode name="accent_2">
+          <dgm:alg type="sp"/>
+          <dgm:shape xmlns:r="http://schemas.openxmlformats.org/officeDocument/2006/relationships" r:blip="">
+            <dgm:adjLst/>
+          </dgm:shape>
+          <dgm:presOf/>
+          <dgm:constrLst/>
+          <dgm:forEach name="Name33" ref="accentRepeat"/>
+        </dgm:layoutNode>
+      </dgm:forEach>
+      <dgm:forEach name="Name34" axis="ch" ptType="node" st="3" cnt="1">
+        <dgm:layoutNode name="text_3" styleLbl="node1">
+          <dgm:varLst>
+            <dgm:bulletEnabled val="1"/>
+          </dgm:varLst>
+          <dgm:choose name="Name35">
+            <dgm:if name="Name36" func="var" arg="dir" op="equ" val="norm">
+              <dgm:alg type="tx">
+                <dgm:param type="parTxLTRAlign" val="l"/>
+                <dgm:param type="shpTxLTRAlignCh" val="l"/>
+                <dgm:param type="parTxRTLAlign" val="l"/>
+                <dgm:param type="shpTxRTLAlignCh" val="l"/>
+              </dgm:alg>
+            </dgm:if>
+            <dgm:else name="Name37">
+              <dgm:alg type="tx">
+                <dgm:param type="parTxLTRAlign" val="r"/>
+                <dgm:param type="shpTxLTRAlignCh" val="r"/>
+                <dgm:param type="parTxRTLAlign" val="r"/>
+                <dgm:param type="shpTxRTLAlignCh" val="r"/>
+              </dgm:alg>
+            </dgm:else>
+          </dgm:choose>
+          <dgm:shape xmlns:r="http://schemas.openxmlformats.org/officeDocument/2006/relationships" type="rect" r:blip="">
+            <dgm:adjLst/>
+          </dgm:shape>
+          <dgm:presOf axis="desOrSelf" ptType="node"/>
+          <dgm:constrLst>
+            <dgm:constr type="primFontSz" val="65"/>
+            <dgm:constr type="lMarg" refType="primFontSz" fact="0.2"/>
+            <dgm:constr type="rMarg" refType="primFontSz" fact="0.2"/>
+            <dgm:constr type="tMarg" refType="primFontSz" fact="0.2"/>
+            <dgm:constr type="bMarg" refType="primFontSz" fact="0.2"/>
+          </dgm:constrLst>
+          <dgm:ruleLst>
+            <dgm:rule type="primFontSz" val="5" fact="NaN" max="NaN"/>
+          </dgm:ruleLst>
+        </dgm:layoutNode>
+        <dgm:layoutNode name="accent_3">
+          <dgm:alg type="sp"/>
+          <dgm:shape xmlns:r="http://schemas.openxmlformats.org/officeDocument/2006/relationships" r:blip="">
+            <dgm:adjLst/>
+          </dgm:shape>
+          <dgm:presOf/>
+          <dgm:constrLst/>
+          <dgm:forEach name="Name38" ref="accentRepeat"/>
+        </dgm:layoutNode>
+      </dgm:forEach>
+      <dgm:forEach name="Name39" axis="ch" ptType="node" st="4" cnt="1">
+        <dgm:layoutNode name="text_4" styleLbl="node1">
+          <dgm:varLst>
+            <dgm:bulletEnabled val="1"/>
+          </dgm:varLst>
+          <dgm:choose name="Name40">
+            <dgm:if name="Name41" func="var" arg="dir" op="equ" val="norm">
+              <dgm:alg type="tx">
+                <dgm:param type="parTxLTRAlign" val="l"/>
+                <dgm:param type="shpTxLTRAlignCh" val="l"/>
+                <dgm:param type="parTxRTLAlign" val="l"/>
+                <dgm:param type="shpTxRTLAlignCh" val="l"/>
+              </dgm:alg>
+            </dgm:if>
+            <dgm:else name="Name42">
+              <dgm:alg type="tx">
+                <dgm:param type="parTxLTRAlign" val="r"/>
+                <dgm:param type="shpTxLTRAlignCh" val="r"/>
+                <dgm:param type="parTxRTLAlign" val="r"/>
+                <dgm:param type="shpTxRTLAlignCh" val="r"/>
+              </dgm:alg>
+            </dgm:else>
+          </dgm:choose>
+          <dgm:shape xmlns:r="http://schemas.openxmlformats.org/officeDocument/2006/relationships" type="rect" r:blip="">
+            <dgm:adjLst/>
+          </dgm:shape>
+          <dgm:presOf axis="desOrSelf" ptType="node"/>
+          <dgm:constrLst>
+            <dgm:constr type="primFontSz" val="65"/>
+            <dgm:constr type="lMarg" refType="primFontSz" fact="0.2"/>
+            <dgm:constr type="rMarg" refType="primFontSz" fact="0.2"/>
+            <dgm:constr type="tMarg" refType="primFontSz" fact="0.2"/>
+            <dgm:constr type="bMarg" refType="primFontSz" fact="0.2"/>
+          </dgm:constrLst>
+          <dgm:ruleLst>
+            <dgm:rule type="primFontSz" val="5" fact="NaN" max="NaN"/>
+          </dgm:ruleLst>
+        </dgm:layoutNode>
+        <dgm:layoutNode name="accent_4">
+          <dgm:alg type="sp"/>
+          <dgm:shape xmlns:r="http://schemas.openxmlformats.org/officeDocument/2006/relationships" r:blip="">
+            <dgm:adjLst/>
+          </dgm:shape>
+          <dgm:presOf/>
+          <dgm:constrLst/>
+          <dgm:forEach name="Name43" ref="accentRepeat"/>
+        </dgm:layoutNode>
+      </dgm:forEach>
+      <dgm:forEach name="Name44" axis="ch" ptType="node" st="5" cnt="1">
+        <dgm:layoutNode name="text_5" styleLbl="node1">
+          <dgm:varLst>
+            <dgm:bulletEnabled val="1"/>
+          </dgm:varLst>
+          <dgm:choose name="Name45">
+            <dgm:if name="Name46" func="var" arg="dir" op="equ" val="norm">
+              <dgm:alg type="tx">
+                <dgm:param type="parTxLTRAlign" val="l"/>
+                <dgm:param type="shpTxLTRAlignCh" val="l"/>
+                <dgm:param type="parTxRTLAlign" val="l"/>
+                <dgm:param type="shpTxRTLAlignCh" val="l"/>
+              </dgm:alg>
+            </dgm:if>
+            <dgm:else name="Name47">
+              <dgm:alg type="tx">
+                <dgm:param type="parTxLTRAlign" val="r"/>
+                <dgm:param type="shpTxLTRAlignCh" val="r"/>
+                <dgm:param type="parTxRTLAlign" val="r"/>
+                <dgm:param type="shpTxRTLAlignCh" val="r"/>
+              </dgm:alg>
+            </dgm:else>
+          </dgm:choose>
+          <dgm:shape xmlns:r="http://schemas.openxmlformats.org/officeDocument/2006/relationships" type="rect" r:blip="">
+            <dgm:adjLst/>
+          </dgm:shape>
+          <dgm:presOf axis="desOrSelf" ptType="node"/>
+          <dgm:constrLst>
+            <dgm:constr type="primFontSz" val="65"/>
+            <dgm:constr type="lMarg" refType="primFontSz" fact="0.2"/>
+            <dgm:constr type="rMarg" refType="primFontSz" fact="0.2"/>
+            <dgm:constr type="tMarg" refType="primFontSz" fact="0.2"/>
+            <dgm:constr type="bMarg" refType="primFontSz" fact="0.2"/>
+          </dgm:constrLst>
+          <dgm:ruleLst>
+            <dgm:rule type="primFontSz" val="5" fact="NaN" max="NaN"/>
+          </dgm:ruleLst>
+        </dgm:layoutNode>
+        <dgm:layoutNode name="accent_5">
+          <dgm:alg type="sp"/>
+          <dgm:shape xmlns:r="http://schemas.openxmlformats.org/officeDocument/2006/relationships" r:blip="">
+            <dgm:adjLst/>
+          </dgm:shape>
+          <dgm:presOf/>
+          <dgm:constrLst/>
+          <dgm:forEach name="Name48" ref="accentRepeat"/>
+        </dgm:layoutNode>
+      </dgm:forEach>
+      <dgm:forEach name="Name49" axis="ch" ptType="node" st="6" cnt="1">
+        <dgm:layoutNode name="text_6" styleLbl="node1">
+          <dgm:varLst>
+            <dgm:bulletEnabled val="1"/>
+          </dgm:varLst>
+          <dgm:choose name="Name50">
+            <dgm:if name="Name51" func="var" arg="dir" op="equ" val="norm">
+              <dgm:alg type="tx">
+                <dgm:param type="parTxLTRAlign" val="l"/>
+                <dgm:param type="shpTxLTRAlignCh" val="l"/>
+                <dgm:param type="parTxRTLAlign" val="l"/>
+                <dgm:param type="shpTxRTLAlignCh" val="l"/>
+              </dgm:alg>
+            </dgm:if>
+            <dgm:else name="Name52">
+              <dgm:alg type="tx">
+                <dgm:param type="parTxLTRAlign" val="r"/>
+                <dgm:param type="shpTxLTRAlignCh" val="r"/>
+                <dgm:param type="parTxRTLAlign" val="r"/>
+                <dgm:param type="shpTxRTLAlignCh" val="r"/>
+              </dgm:alg>
+            </dgm:else>
+          </dgm:choose>
+          <dgm:shape xmlns:r="http://schemas.openxmlformats.org/officeDocument/2006/relationships" type="rect" r:blip="">
+            <dgm:adjLst/>
+          </dgm:shape>
+          <dgm:presOf axis="desOrSelf" ptType="node"/>
+          <dgm:constrLst>
+            <dgm:constr type="primFontSz" val="65"/>
+            <dgm:constr type="lMarg" refType="primFontSz" fact="0.2"/>
+            <dgm:constr type="rMarg" refType="primFontSz" fact="0.2"/>
+            <dgm:constr type="tMarg" refType="primFontSz" fact="0.2"/>
+            <dgm:constr type="bMarg" refType="primFontSz" fact="0.2"/>
+          </dgm:constrLst>
+          <dgm:ruleLst>
+            <dgm:rule type="primFontSz" val="5" fact="NaN" max="NaN"/>
+          </dgm:ruleLst>
+        </dgm:layoutNode>
+        <dgm:layoutNode name="accent_6">
+          <dgm:alg type="sp"/>
+          <dgm:shape xmlns:r="http://schemas.openxmlformats.org/officeDocument/2006/relationships" r:blip="">
+            <dgm:adjLst/>
+          </dgm:shape>
+          <dgm:presOf/>
+          <dgm:constrLst/>
+          <dgm:forEach name="Name53" ref="accentRepeat"/>
+        </dgm:layoutNode>
+      </dgm:forEach>
+      <dgm:forEach name="Name54" axis="ch" ptType="node" st="7" cnt="1">
+        <dgm:layoutNode name="text_7" styleLbl="node1">
+          <dgm:varLst>
+            <dgm:bulletEnabled val="1"/>
+          </dgm:varLst>
+          <dgm:choose name="Name55">
+            <dgm:if name="Name56" func="var" arg="dir" op="equ" val="norm">
+              <dgm:alg type="tx">
+                <dgm:param type="parTxLTRAlign" val="l"/>
+                <dgm:param type="shpTxLTRAlignCh" val="l"/>
+                <dgm:param type="parTxRTLAlign" val="l"/>
+                <dgm:param type="shpTxRTLAlignCh" val="l"/>
+              </dgm:alg>
+            </dgm:if>
+            <dgm:else name="Name57">
+              <dgm:alg type="tx">
+                <dgm:param type="parTxLTRAlign" val="r"/>
+                <dgm:param type="shpTxLTRAlignCh" val="r"/>
+                <dgm:param type="parTxRTLAlign" val="r"/>
+                <dgm:param type="shpTxRTLAlignCh" val="r"/>
+              </dgm:alg>
+            </dgm:else>
+          </dgm:choose>
+          <dgm:shape xmlns:r="http://schemas.openxmlformats.org/officeDocument/2006/relationships" type="rect" r:blip="">
+            <dgm:adjLst/>
+          </dgm:shape>
+          <dgm:presOf axis="desOrSelf" ptType="node"/>
+          <dgm:constrLst>
+            <dgm:constr type="primFontSz" val="65"/>
+            <dgm:constr type="lMarg" refType="primFontSz" fact="0.2"/>
+            <dgm:constr type="rMarg" refType="primFontSz" fact="0.2"/>
+            <dgm:constr type="tMarg" refType="primFontSz" fact="0.2"/>
+            <dgm:constr type="bMarg" refType="primFontSz" fact="0.2"/>
+          </dgm:constrLst>
+          <dgm:ruleLst>
+            <dgm:rule type="primFontSz" val="5" fact="NaN" max="NaN"/>
+          </dgm:ruleLst>
+        </dgm:layoutNode>
+        <dgm:layoutNode name="accent_7">
+          <dgm:alg type="sp"/>
+          <dgm:shape xmlns:r="http://schemas.openxmlformats.org/officeDocument/2006/relationships" r:blip="">
+            <dgm:adjLst/>
+          </dgm:shape>
+          <dgm:presOf/>
+          <dgm:constrLst/>
+          <dgm:forEach name="Name58" ref="accentRepeat"/>
+        </dgm:layoutNode>
+      </dgm:forEach>
+    </dgm:layoutNode>
+  </dgm:layoutNode>
+</dgm:layoutDef>
+</file>
+
 <file path=ppt/diagrams/quickStyle1.xml><?xml version="1.0" encoding="utf-8"?>
 <dgm:styleDef xmlns:dgm="http://schemas.openxmlformats.org/drawingml/2006/diagram" xmlns:a="http://schemas.openxmlformats.org/drawingml/2006/main" uniqueId="urn:microsoft.com/office/officeart/2005/8/quickstyle/3d1">
   <dgm:title val=""/>
@@ -20447,6 +23654,1040 @@
 </file>
 
 <file path=ppt/diagrams/quickStyle6.xml><?xml version="1.0" encoding="utf-8"?>
+<dgm:styleDef xmlns:dgm="http://schemas.openxmlformats.org/drawingml/2006/diagram" xmlns:a="http://schemas.openxmlformats.org/drawingml/2006/main" uniqueId="urn:microsoft.com/office/officeart/2005/8/quickstyle/simple5">
+  <dgm:title val=""/>
+  <dgm:desc val=""/>
+  <dgm:catLst>
+    <dgm:cat type="simple" pri="10500"/>
+  </dgm:catLst>
+  <dgm:scene3d>
+    <a:camera prst="orthographicFront"/>
+    <a:lightRig rig="threePt" dir="t"/>
+  </dgm:scene3d>
+  <dgm:styleLbl name="node0">
+    <dgm:scene3d>
+      <a:camera prst="orthographicFront"/>
+      <a:lightRig rig="threePt" dir="t"/>
+    </dgm:scene3d>
+    <dgm:sp3d/>
+    <dgm:txPr/>
+    <dgm:style>
+      <a:lnRef idx="0">
+        <a:scrgbClr r="0" g="0" b="0"/>
+      </a:lnRef>
+      <a:fillRef idx="3">
+        <a:scrgbClr r="0" g="0" b="0"/>
+      </a:fillRef>
+      <a:effectRef idx="3">
+        <a:scrgbClr r="0" g="0" b="0"/>
+      </a:effectRef>
+      <a:fontRef idx="minor">
+        <a:schemeClr val="lt1"/>
+      </a:fontRef>
+    </dgm:style>
+  </dgm:styleLbl>
+  <dgm:styleLbl name="lnNode1">
+    <dgm:scene3d>
+      <a:camera prst="orthographicFront"/>
+      <a:lightRig rig="threePt" dir="t"/>
+    </dgm:scene3d>
+    <dgm:sp3d/>
+    <dgm:txPr/>
+    <dgm:style>
+      <a:lnRef idx="0">
+        <a:scrgbClr r="0" g="0" b="0"/>
+      </a:lnRef>
+      <a:fillRef idx="3">
+        <a:scrgbClr r="0" g="0" b="0"/>
+      </a:fillRef>
+      <a:effectRef idx="3">
+        <a:scrgbClr r="0" g="0" b="0"/>
+      </a:effectRef>
+      <a:fontRef idx="minor">
+        <a:schemeClr val="lt1"/>
+      </a:fontRef>
+    </dgm:style>
+  </dgm:styleLbl>
+  <dgm:styleLbl name="vennNode1">
+    <dgm:scene3d>
+      <a:camera prst="orthographicFront"/>
+      <a:lightRig rig="threePt" dir="t"/>
+    </dgm:scene3d>
+    <dgm:sp3d/>
+    <dgm:txPr/>
+    <dgm:style>
+      <a:lnRef idx="0">
+        <a:scrgbClr r="0" g="0" b="0"/>
+      </a:lnRef>
+      <a:fillRef idx="3">
+        <a:scrgbClr r="0" g="0" b="0"/>
+      </a:fillRef>
+      <a:effectRef idx="3">
+        <a:scrgbClr r="0" g="0" b="0"/>
+      </a:effectRef>
+      <a:fontRef idx="minor">
+        <a:schemeClr val="tx1"/>
+      </a:fontRef>
+    </dgm:style>
+  </dgm:styleLbl>
+  <dgm:styleLbl name="alignNode1">
+    <dgm:scene3d>
+      <a:camera prst="orthographicFront"/>
+      <a:lightRig rig="threePt" dir="t"/>
+    </dgm:scene3d>
+    <dgm:sp3d/>
+    <dgm:txPr/>
+    <dgm:style>
+      <a:lnRef idx="1">
+        <a:scrgbClr r="0" g="0" b="0"/>
+      </a:lnRef>
+      <a:fillRef idx="3">
+        <a:scrgbClr r="0" g="0" b="0"/>
+      </a:fillRef>
+      <a:effectRef idx="3">
+        <a:scrgbClr r="0" g="0" b="0"/>
+      </a:effectRef>
+      <a:fontRef idx="minor">
+        <a:schemeClr val="lt1"/>
+      </a:fontRef>
+    </dgm:style>
+  </dgm:styleLbl>
+  <dgm:styleLbl name="node1">
+    <dgm:scene3d>
+      <a:camera prst="orthographicFront"/>
+      <a:lightRig rig="threePt" dir="t"/>
+    </dgm:scene3d>
+    <dgm:sp3d/>
+    <dgm:txPr/>
+    <dgm:style>
+      <a:lnRef idx="0">
+        <a:scrgbClr r="0" g="0" b="0"/>
+      </a:lnRef>
+      <a:fillRef idx="3">
+        <a:scrgbClr r="0" g="0" b="0"/>
+      </a:fillRef>
+      <a:effectRef idx="3">
+        <a:scrgbClr r="0" g="0" b="0"/>
+      </a:effectRef>
+      <a:fontRef idx="minor">
+        <a:schemeClr val="lt1"/>
+      </a:fontRef>
+    </dgm:style>
+  </dgm:styleLbl>
+  <dgm:styleLbl name="node2">
+    <dgm:scene3d>
+      <a:camera prst="orthographicFront"/>
+      <a:lightRig rig="threePt" dir="t"/>
+    </dgm:scene3d>
+    <dgm:sp3d/>
+    <dgm:txPr/>
+    <dgm:style>
+      <a:lnRef idx="0">
+        <a:scrgbClr r="0" g="0" b="0"/>
+      </a:lnRef>
+      <a:fillRef idx="3">
+        <a:scrgbClr r="0" g="0" b="0"/>
+      </a:fillRef>
+      <a:effectRef idx="3">
+        <a:scrgbClr r="0" g="0" b="0"/>
+      </a:effectRef>
+      <a:fontRef idx="minor">
+        <a:schemeClr val="lt1"/>
+      </a:fontRef>
+    </dgm:style>
+  </dgm:styleLbl>
+  <dgm:styleLbl name="node3">
+    <dgm:scene3d>
+      <a:camera prst="orthographicFront"/>
+      <a:lightRig rig="threePt" dir="t"/>
+    </dgm:scene3d>
+    <dgm:sp3d/>
+    <dgm:txPr/>
+    <dgm:style>
+      <a:lnRef idx="0">
+        <a:scrgbClr r="0" g="0" b="0"/>
+      </a:lnRef>
+      <a:fillRef idx="3">
+        <a:scrgbClr r="0" g="0" b="0"/>
+      </a:fillRef>
+      <a:effectRef idx="3">
+        <a:scrgbClr r="0" g="0" b="0"/>
+      </a:effectRef>
+      <a:fontRef idx="minor">
+        <a:schemeClr val="lt1"/>
+      </a:fontRef>
+    </dgm:style>
+  </dgm:styleLbl>
+  <dgm:styleLbl name="node4">
+    <dgm:scene3d>
+      <a:camera prst="orthographicFront"/>
+      <a:lightRig rig="threePt" dir="t"/>
+    </dgm:scene3d>
+    <dgm:sp3d/>
+    <dgm:txPr/>
+    <dgm:style>
+      <a:lnRef idx="0">
+        <a:scrgbClr r="0" g="0" b="0"/>
+      </a:lnRef>
+      <a:fillRef idx="3">
+        <a:scrgbClr r="0" g="0" b="0"/>
+      </a:fillRef>
+      <a:effectRef idx="3">
+        <a:scrgbClr r="0" g="0" b="0"/>
+      </a:effectRef>
+      <a:fontRef idx="minor">
+        <a:schemeClr val="lt1"/>
+      </a:fontRef>
+    </dgm:style>
+  </dgm:styleLbl>
+  <dgm:styleLbl name="fgImgPlace1">
+    <dgm:scene3d>
+      <a:camera prst="orthographicFront"/>
+      <a:lightRig rig="threePt" dir="t"/>
+    </dgm:scene3d>
+    <dgm:sp3d/>
+    <dgm:txPr/>
+    <dgm:style>
+      <a:lnRef idx="0">
+        <a:scrgbClr r="0" g="0" b="0"/>
+      </a:lnRef>
+      <a:fillRef idx="1">
+        <a:scrgbClr r="0" g="0" b="0"/>
+      </a:fillRef>
+      <a:effectRef idx="3">
+        <a:scrgbClr r="0" g="0" b="0"/>
+      </a:effectRef>
+      <a:fontRef idx="minor"/>
+    </dgm:style>
+  </dgm:styleLbl>
+  <dgm:styleLbl name="alignImgPlace1">
+    <dgm:scene3d>
+      <a:camera prst="orthographicFront"/>
+      <a:lightRig rig="threePt" dir="t"/>
+    </dgm:scene3d>
+    <dgm:sp3d/>
+    <dgm:txPr/>
+    <dgm:style>
+      <a:lnRef idx="0">
+        <a:scrgbClr r="0" g="0" b="0"/>
+      </a:lnRef>
+      <a:fillRef idx="1">
+        <a:scrgbClr r="0" g="0" b="0"/>
+      </a:fillRef>
+      <a:effectRef idx="3">
+        <a:scrgbClr r="0" g="0" b="0"/>
+      </a:effectRef>
+      <a:fontRef idx="minor"/>
+    </dgm:style>
+  </dgm:styleLbl>
+  <dgm:styleLbl name="bgImgPlace1">
+    <dgm:scene3d>
+      <a:camera prst="orthographicFront"/>
+      <a:lightRig rig="threePt" dir="t"/>
+    </dgm:scene3d>
+    <dgm:sp3d/>
+    <dgm:txPr/>
+    <dgm:style>
+      <a:lnRef idx="0">
+        <a:scrgbClr r="0" g="0" b="0"/>
+      </a:lnRef>
+      <a:fillRef idx="1">
+        <a:scrgbClr r="0" g="0" b="0"/>
+      </a:fillRef>
+      <a:effectRef idx="3">
+        <a:scrgbClr r="0" g="0" b="0"/>
+      </a:effectRef>
+      <a:fontRef idx="minor"/>
+    </dgm:style>
+  </dgm:styleLbl>
+  <dgm:styleLbl name="sibTrans2D1">
+    <dgm:scene3d>
+      <a:camera prst="orthographicFront"/>
+      <a:lightRig rig="threePt" dir="t"/>
+    </dgm:scene3d>
+    <dgm:sp3d/>
+    <dgm:txPr/>
+    <dgm:style>
+      <a:lnRef idx="0">
+        <a:scrgbClr r="0" g="0" b="0"/>
+      </a:lnRef>
+      <a:fillRef idx="3">
+        <a:scrgbClr r="0" g="0" b="0"/>
+      </a:fillRef>
+      <a:effectRef idx="3">
+        <a:scrgbClr r="0" g="0" b="0"/>
+      </a:effectRef>
+      <a:fontRef idx="minor">
+        <a:schemeClr val="lt1"/>
+      </a:fontRef>
+    </dgm:style>
+  </dgm:styleLbl>
+  <dgm:styleLbl name="fgSibTrans2D1">
+    <dgm:scene3d>
+      <a:camera prst="orthographicFront"/>
+      <a:lightRig rig="threePt" dir="t"/>
+    </dgm:scene3d>
+    <dgm:sp3d/>
+    <dgm:txPr/>
+    <dgm:style>
+      <a:lnRef idx="0">
+        <a:scrgbClr r="0" g="0" b="0"/>
+      </a:lnRef>
+      <a:fillRef idx="3">
+        <a:scrgbClr r="0" g="0" b="0"/>
+      </a:fillRef>
+      <a:effectRef idx="3">
+        <a:scrgbClr r="0" g="0" b="0"/>
+      </a:effectRef>
+      <a:fontRef idx="minor">
+        <a:schemeClr val="lt1"/>
+      </a:fontRef>
+    </dgm:style>
+  </dgm:styleLbl>
+  <dgm:styleLbl name="bgSibTrans2D1">
+    <dgm:scene3d>
+      <a:camera prst="orthographicFront"/>
+      <a:lightRig rig="threePt" dir="t"/>
+    </dgm:scene3d>
+    <dgm:sp3d/>
+    <dgm:txPr/>
+    <dgm:style>
+      <a:lnRef idx="0">
+        <a:scrgbClr r="0" g="0" b="0"/>
+      </a:lnRef>
+      <a:fillRef idx="3">
+        <a:scrgbClr r="0" g="0" b="0"/>
+      </a:fillRef>
+      <a:effectRef idx="3">
+        <a:scrgbClr r="0" g="0" b="0"/>
+      </a:effectRef>
+      <a:fontRef idx="minor">
+        <a:schemeClr val="lt1"/>
+      </a:fontRef>
+    </dgm:style>
+  </dgm:styleLbl>
+  <dgm:styleLbl name="sibTrans1D1">
+    <dgm:scene3d>
+      <a:camera prst="orthographicFront"/>
+      <a:lightRig rig="threePt" dir="t"/>
+    </dgm:scene3d>
+    <dgm:sp3d/>
+    <dgm:txPr/>
+    <dgm:style>
+      <a:lnRef idx="1">
+        <a:scrgbClr r="0" g="0" b="0"/>
+      </a:lnRef>
+      <a:fillRef idx="0">
+        <a:scrgbClr r="0" g="0" b="0"/>
+      </a:fillRef>
+      <a:effectRef idx="0">
+        <a:scrgbClr r="0" g="0" b="0"/>
+      </a:effectRef>
+      <a:fontRef idx="minor"/>
+    </dgm:style>
+  </dgm:styleLbl>
+  <dgm:styleLbl name="callout">
+    <dgm:scene3d>
+      <a:camera prst="orthographicFront"/>
+      <a:lightRig rig="threePt" dir="t"/>
+    </dgm:scene3d>
+    <dgm:sp3d/>
+    <dgm:txPr/>
+    <dgm:style>
+      <a:lnRef idx="1">
+        <a:scrgbClr r="0" g="0" b="0"/>
+      </a:lnRef>
+      <a:fillRef idx="0">
+        <a:scrgbClr r="0" g="0" b="0"/>
+      </a:fillRef>
+      <a:effectRef idx="1">
+        <a:scrgbClr r="0" g="0" b="0"/>
+      </a:effectRef>
+      <a:fontRef idx="minor"/>
+    </dgm:style>
+  </dgm:styleLbl>
+  <dgm:styleLbl name="asst0">
+    <dgm:scene3d>
+      <a:camera prst="orthographicFront"/>
+      <a:lightRig rig="threePt" dir="t"/>
+    </dgm:scene3d>
+    <dgm:sp3d/>
+    <dgm:txPr/>
+    <dgm:style>
+      <a:lnRef idx="0">
+        <a:scrgbClr r="0" g="0" b="0"/>
+      </a:lnRef>
+      <a:fillRef idx="3">
+        <a:scrgbClr r="0" g="0" b="0"/>
+      </a:fillRef>
+      <a:effectRef idx="3">
+        <a:scrgbClr r="0" g="0" b="0"/>
+      </a:effectRef>
+      <a:fontRef idx="minor">
+        <a:schemeClr val="lt1"/>
+      </a:fontRef>
+    </dgm:style>
+  </dgm:styleLbl>
+  <dgm:styleLbl name="asst1">
+    <dgm:scene3d>
+      <a:camera prst="orthographicFront"/>
+      <a:lightRig rig="threePt" dir="t"/>
+    </dgm:scene3d>
+    <dgm:sp3d/>
+    <dgm:txPr/>
+    <dgm:style>
+      <a:lnRef idx="0">
+        <a:scrgbClr r="0" g="0" b="0"/>
+      </a:lnRef>
+      <a:fillRef idx="3">
+        <a:scrgbClr r="0" g="0" b="0"/>
+      </a:fillRef>
+      <a:effectRef idx="3">
+        <a:scrgbClr r="0" g="0" b="0"/>
+      </a:effectRef>
+      <a:fontRef idx="minor">
+        <a:schemeClr val="lt1"/>
+      </a:fontRef>
+    </dgm:style>
+  </dgm:styleLbl>
+  <dgm:styleLbl name="asst2">
+    <dgm:scene3d>
+      <a:camera prst="orthographicFront"/>
+      <a:lightRig rig="threePt" dir="t"/>
+    </dgm:scene3d>
+    <dgm:sp3d/>
+    <dgm:txPr/>
+    <dgm:style>
+      <a:lnRef idx="0">
+        <a:scrgbClr r="0" g="0" b="0"/>
+      </a:lnRef>
+      <a:fillRef idx="3">
+        <a:scrgbClr r="0" g="0" b="0"/>
+      </a:fillRef>
+      <a:effectRef idx="3">
+        <a:scrgbClr r="0" g="0" b="0"/>
+      </a:effectRef>
+      <a:fontRef idx="minor">
+        <a:schemeClr val="lt1"/>
+      </a:fontRef>
+    </dgm:style>
+  </dgm:styleLbl>
+  <dgm:styleLbl name="asst3">
+    <dgm:scene3d>
+      <a:camera prst="orthographicFront"/>
+      <a:lightRig rig="threePt" dir="t"/>
+    </dgm:scene3d>
+    <dgm:sp3d/>
+    <dgm:txPr/>
+    <dgm:style>
+      <a:lnRef idx="0">
+        <a:scrgbClr r="0" g="0" b="0"/>
+      </a:lnRef>
+      <a:fillRef idx="3">
+        <a:scrgbClr r="0" g="0" b="0"/>
+      </a:fillRef>
+      <a:effectRef idx="3">
+        <a:scrgbClr r="0" g="0" b="0"/>
+      </a:effectRef>
+      <a:fontRef idx="minor">
+        <a:schemeClr val="lt1"/>
+      </a:fontRef>
+    </dgm:style>
+  </dgm:styleLbl>
+  <dgm:styleLbl name="asst4">
+    <dgm:scene3d>
+      <a:camera prst="orthographicFront"/>
+      <a:lightRig rig="threePt" dir="t"/>
+    </dgm:scene3d>
+    <dgm:sp3d/>
+    <dgm:txPr/>
+    <dgm:style>
+      <a:lnRef idx="0">
+        <a:scrgbClr r="0" g="0" b="0"/>
+      </a:lnRef>
+      <a:fillRef idx="3">
+        <a:scrgbClr r="0" g="0" b="0"/>
+      </a:fillRef>
+      <a:effectRef idx="3">
+        <a:scrgbClr r="0" g="0" b="0"/>
+      </a:effectRef>
+      <a:fontRef idx="minor">
+        <a:schemeClr val="lt1"/>
+      </a:fontRef>
+    </dgm:style>
+  </dgm:styleLbl>
+  <dgm:styleLbl name="parChTrans2D1">
+    <dgm:scene3d>
+      <a:camera prst="orthographicFront"/>
+      <a:lightRig rig="threePt" dir="t"/>
+    </dgm:scene3d>
+    <dgm:sp3d/>
+    <dgm:txPr/>
+    <dgm:style>
+      <a:lnRef idx="0">
+        <a:scrgbClr r="0" g="0" b="0"/>
+      </a:lnRef>
+      <a:fillRef idx="3">
+        <a:scrgbClr r="0" g="0" b="0"/>
+      </a:fillRef>
+      <a:effectRef idx="3">
+        <a:scrgbClr r="0" g="0" b="0"/>
+      </a:effectRef>
+      <a:fontRef idx="minor">
+        <a:schemeClr val="lt1"/>
+      </a:fontRef>
+    </dgm:style>
+  </dgm:styleLbl>
+  <dgm:styleLbl name="parChTrans2D2">
+    <dgm:scene3d>
+      <a:camera prst="orthographicFront"/>
+      <a:lightRig rig="threePt" dir="t"/>
+    </dgm:scene3d>
+    <dgm:sp3d/>
+    <dgm:txPr/>
+    <dgm:style>
+      <a:lnRef idx="0">
+        <a:scrgbClr r="0" g="0" b="0"/>
+      </a:lnRef>
+      <a:fillRef idx="3">
+        <a:scrgbClr r="0" g="0" b="0"/>
+      </a:fillRef>
+      <a:effectRef idx="3">
+        <a:scrgbClr r="0" g="0" b="0"/>
+      </a:effectRef>
+      <a:fontRef idx="minor">
+        <a:schemeClr val="lt1"/>
+      </a:fontRef>
+    </dgm:style>
+  </dgm:styleLbl>
+  <dgm:styleLbl name="parChTrans2D3">
+    <dgm:scene3d>
+      <a:camera prst="orthographicFront"/>
+      <a:lightRig rig="threePt" dir="t"/>
+    </dgm:scene3d>
+    <dgm:sp3d/>
+    <dgm:txPr/>
+    <dgm:style>
+      <a:lnRef idx="0">
+        <a:scrgbClr r="0" g="0" b="0"/>
+      </a:lnRef>
+      <a:fillRef idx="3">
+        <a:scrgbClr r="0" g="0" b="0"/>
+      </a:fillRef>
+      <a:effectRef idx="3">
+        <a:scrgbClr r="0" g="0" b="0"/>
+      </a:effectRef>
+      <a:fontRef idx="minor">
+        <a:schemeClr val="lt1"/>
+      </a:fontRef>
+    </dgm:style>
+  </dgm:styleLbl>
+  <dgm:styleLbl name="parChTrans2D4">
+    <dgm:scene3d>
+      <a:camera prst="orthographicFront"/>
+      <a:lightRig rig="threePt" dir="t"/>
+    </dgm:scene3d>
+    <dgm:sp3d/>
+    <dgm:txPr/>
+    <dgm:style>
+      <a:lnRef idx="0">
+        <a:scrgbClr r="0" g="0" b="0"/>
+      </a:lnRef>
+      <a:fillRef idx="3">
+        <a:scrgbClr r="0" g="0" b="0"/>
+      </a:fillRef>
+      <a:effectRef idx="3">
+        <a:scrgbClr r="0" g="0" b="0"/>
+      </a:effectRef>
+      <a:fontRef idx="minor">
+        <a:schemeClr val="lt1"/>
+      </a:fontRef>
+    </dgm:style>
+  </dgm:styleLbl>
+  <dgm:styleLbl name="parChTrans1D1">
+    <dgm:scene3d>
+      <a:camera prst="orthographicFront"/>
+      <a:lightRig rig="threePt" dir="t"/>
+    </dgm:scene3d>
+    <dgm:sp3d/>
+    <dgm:txPr/>
+    <dgm:style>
+      <a:lnRef idx="2">
+        <a:scrgbClr r="0" g="0" b="0"/>
+      </a:lnRef>
+      <a:fillRef idx="0">
+        <a:scrgbClr r="0" g="0" b="0"/>
+      </a:fillRef>
+      <a:effectRef idx="0">
+        <a:scrgbClr r="0" g="0" b="0"/>
+      </a:effectRef>
+      <a:fontRef idx="minor"/>
+    </dgm:style>
+  </dgm:styleLbl>
+  <dgm:styleLbl name="parChTrans1D2">
+    <dgm:scene3d>
+      <a:camera prst="orthographicFront"/>
+      <a:lightRig rig="threePt" dir="t"/>
+    </dgm:scene3d>
+    <dgm:sp3d/>
+    <dgm:txPr/>
+    <dgm:style>
+      <a:lnRef idx="2">
+        <a:scrgbClr r="0" g="0" b="0"/>
+      </a:lnRef>
+      <a:fillRef idx="0">
+        <a:scrgbClr r="0" g="0" b="0"/>
+      </a:fillRef>
+      <a:effectRef idx="0">
+        <a:scrgbClr r="0" g="0" b="0"/>
+      </a:effectRef>
+      <a:fontRef idx="minor"/>
+    </dgm:style>
+  </dgm:styleLbl>
+  <dgm:styleLbl name="parChTrans1D3">
+    <dgm:scene3d>
+      <a:camera prst="orthographicFront"/>
+      <a:lightRig rig="threePt" dir="t"/>
+    </dgm:scene3d>
+    <dgm:sp3d/>
+    <dgm:txPr/>
+    <dgm:style>
+      <a:lnRef idx="2">
+        <a:scrgbClr r="0" g="0" b="0"/>
+      </a:lnRef>
+      <a:fillRef idx="0">
+        <a:scrgbClr r="0" g="0" b="0"/>
+      </a:fillRef>
+      <a:effectRef idx="0">
+        <a:scrgbClr r="0" g="0" b="0"/>
+      </a:effectRef>
+      <a:fontRef idx="minor"/>
+    </dgm:style>
+  </dgm:styleLbl>
+  <dgm:styleLbl name="parChTrans1D4">
+    <dgm:scene3d>
+      <a:camera prst="orthographicFront"/>
+      <a:lightRig rig="threePt" dir="t"/>
+    </dgm:scene3d>
+    <dgm:sp3d/>
+    <dgm:txPr/>
+    <dgm:style>
+      <a:lnRef idx="2">
+        <a:scrgbClr r="0" g="0" b="0"/>
+      </a:lnRef>
+      <a:fillRef idx="0">
+        <a:scrgbClr r="0" g="0" b="0"/>
+      </a:fillRef>
+      <a:effectRef idx="0">
+        <a:scrgbClr r="0" g="0" b="0"/>
+      </a:effectRef>
+      <a:fontRef idx="minor"/>
+    </dgm:style>
+  </dgm:styleLbl>
+  <dgm:styleLbl name="fgAcc1">
+    <dgm:scene3d>
+      <a:camera prst="orthographicFront"/>
+      <a:lightRig rig="threePt" dir="t"/>
+    </dgm:scene3d>
+    <dgm:sp3d/>
+    <dgm:txPr/>
+    <dgm:style>
+      <a:lnRef idx="1">
+        <a:scrgbClr r="0" g="0" b="0"/>
+      </a:lnRef>
+      <a:fillRef idx="1">
+        <a:scrgbClr r="0" g="0" b="0"/>
+      </a:fillRef>
+      <a:effectRef idx="2">
+        <a:scrgbClr r="0" g="0" b="0"/>
+      </a:effectRef>
+      <a:fontRef idx="minor"/>
+    </dgm:style>
+  </dgm:styleLbl>
+  <dgm:styleLbl name="conFgAcc1">
+    <dgm:scene3d>
+      <a:camera prst="orthographicFront"/>
+      <a:lightRig rig="threePt" dir="t"/>
+    </dgm:scene3d>
+    <dgm:sp3d/>
+    <dgm:txPr/>
+    <dgm:style>
+      <a:lnRef idx="1">
+        <a:scrgbClr r="0" g="0" b="0"/>
+      </a:lnRef>
+      <a:fillRef idx="1">
+        <a:scrgbClr r="0" g="0" b="0"/>
+      </a:fillRef>
+      <a:effectRef idx="2">
+        <a:scrgbClr r="0" g="0" b="0"/>
+      </a:effectRef>
+      <a:fontRef idx="minor"/>
+    </dgm:style>
+  </dgm:styleLbl>
+  <dgm:styleLbl name="alignAcc1">
+    <dgm:scene3d>
+      <a:camera prst="orthographicFront"/>
+      <a:lightRig rig="threePt" dir="t"/>
+    </dgm:scene3d>
+    <dgm:sp3d/>
+    <dgm:txPr/>
+    <dgm:style>
+      <a:lnRef idx="1">
+        <a:scrgbClr r="0" g="0" b="0"/>
+      </a:lnRef>
+      <a:fillRef idx="1">
+        <a:scrgbClr r="0" g="0" b="0"/>
+      </a:fillRef>
+      <a:effectRef idx="2">
+        <a:scrgbClr r="0" g="0" b="0"/>
+      </a:effectRef>
+      <a:fontRef idx="minor"/>
+    </dgm:style>
+  </dgm:styleLbl>
+  <dgm:styleLbl name="trAlignAcc1">
+    <dgm:scene3d>
+      <a:camera prst="orthographicFront"/>
+      <a:lightRig rig="threePt" dir="t"/>
+    </dgm:scene3d>
+    <dgm:sp3d/>
+    <dgm:txPr/>
+    <dgm:style>
+      <a:lnRef idx="1">
+        <a:scrgbClr r="0" g="0" b="0"/>
+      </a:lnRef>
+      <a:fillRef idx="1">
+        <a:scrgbClr r="0" g="0" b="0"/>
+      </a:fillRef>
+      <a:effectRef idx="0">
+        <a:scrgbClr r="0" g="0" b="0"/>
+      </a:effectRef>
+      <a:fontRef idx="minor"/>
+    </dgm:style>
+  </dgm:styleLbl>
+  <dgm:styleLbl name="bgAcc1">
+    <dgm:scene3d>
+      <a:camera prst="orthographicFront"/>
+      <a:lightRig rig="threePt" dir="t"/>
+    </dgm:scene3d>
+    <dgm:sp3d/>
+    <dgm:txPr/>
+    <dgm:style>
+      <a:lnRef idx="1">
+        <a:scrgbClr r="0" g="0" b="0"/>
+      </a:lnRef>
+      <a:fillRef idx="1">
+        <a:scrgbClr r="0" g="0" b="0"/>
+      </a:fillRef>
+      <a:effectRef idx="2">
+        <a:scrgbClr r="0" g="0" b="0"/>
+      </a:effectRef>
+      <a:fontRef idx="minor"/>
+    </dgm:style>
+  </dgm:styleLbl>
+  <dgm:styleLbl name="solidFgAcc1">
+    <dgm:scene3d>
+      <a:camera prst="orthographicFront"/>
+      <a:lightRig rig="threePt" dir="t"/>
+    </dgm:scene3d>
+    <dgm:sp3d/>
+    <dgm:txPr/>
+    <dgm:style>
+      <a:lnRef idx="1">
+        <a:scrgbClr r="0" g="0" b="0"/>
+      </a:lnRef>
+      <a:fillRef idx="1">
+        <a:scrgbClr r="0" g="0" b="0"/>
+      </a:fillRef>
+      <a:effectRef idx="2">
+        <a:scrgbClr r="0" g="0" b="0"/>
+      </a:effectRef>
+      <a:fontRef idx="minor"/>
+    </dgm:style>
+  </dgm:styleLbl>
+  <dgm:styleLbl name="solidAlignAcc1">
+    <dgm:scene3d>
+      <a:camera prst="orthographicFront"/>
+      <a:lightRig rig="threePt" dir="t"/>
+    </dgm:scene3d>
+    <dgm:sp3d/>
+    <dgm:txPr/>
+    <dgm:style>
+      <a:lnRef idx="1">
+        <a:scrgbClr r="0" g="0" b="0"/>
+      </a:lnRef>
+      <a:fillRef idx="1">
+        <a:scrgbClr r="0" g="0" b="0"/>
+      </a:fillRef>
+      <a:effectRef idx="3">
+        <a:scrgbClr r="0" g="0" b="0"/>
+      </a:effectRef>
+      <a:fontRef idx="minor"/>
+    </dgm:style>
+  </dgm:styleLbl>
+  <dgm:styleLbl name="solidBgAcc1">
+    <dgm:scene3d>
+      <a:camera prst="orthographicFront"/>
+      <a:lightRig rig="threePt" dir="t"/>
+    </dgm:scene3d>
+    <dgm:sp3d/>
+    <dgm:txPr/>
+    <dgm:style>
+      <a:lnRef idx="1">
+        <a:scrgbClr r="0" g="0" b="0"/>
+      </a:lnRef>
+      <a:fillRef idx="1">
+        <a:scrgbClr r="0" g="0" b="0"/>
+      </a:fillRef>
+      <a:effectRef idx="3">
+        <a:scrgbClr r="0" g="0" b="0"/>
+      </a:effectRef>
+      <a:fontRef idx="minor"/>
+    </dgm:style>
+  </dgm:styleLbl>
+  <dgm:styleLbl name="fgAccFollowNode1">
+    <dgm:scene3d>
+      <a:camera prst="orthographicFront"/>
+      <a:lightRig rig="threePt" dir="t"/>
+    </dgm:scene3d>
+    <dgm:sp3d/>
+    <dgm:txPr/>
+    <dgm:style>
+      <a:lnRef idx="1">
+        <a:scrgbClr r="0" g="0" b="0"/>
+      </a:lnRef>
+      <a:fillRef idx="1">
+        <a:scrgbClr r="0" g="0" b="0"/>
+      </a:fillRef>
+      <a:effectRef idx="2">
+        <a:scrgbClr r="0" g="0" b="0"/>
+      </a:effectRef>
+      <a:fontRef idx="minor"/>
+    </dgm:style>
+  </dgm:styleLbl>
+  <dgm:styleLbl name="alignAccFollowNode1">
+    <dgm:scene3d>
+      <a:camera prst="orthographicFront"/>
+      <a:lightRig rig="threePt" dir="t"/>
+    </dgm:scene3d>
+    <dgm:sp3d/>
+    <dgm:txPr/>
+    <dgm:style>
+      <a:lnRef idx="1">
+        <a:scrgbClr r="0" g="0" b="0"/>
+      </a:lnRef>
+      <a:fillRef idx="1">
+        <a:scrgbClr r="0" g="0" b="0"/>
+      </a:fillRef>
+      <a:effectRef idx="2">
+        <a:scrgbClr r="0" g="0" b="0"/>
+      </a:effectRef>
+      <a:fontRef idx="minor"/>
+    </dgm:style>
+  </dgm:styleLbl>
+  <dgm:styleLbl name="bgAccFollowNode1">
+    <dgm:scene3d>
+      <a:camera prst="orthographicFront"/>
+      <a:lightRig rig="threePt" dir="t"/>
+    </dgm:scene3d>
+    <dgm:sp3d/>
+    <dgm:txPr/>
+    <dgm:style>
+      <a:lnRef idx="1">
+        <a:scrgbClr r="0" g="0" b="0"/>
+      </a:lnRef>
+      <a:fillRef idx="1">
+        <a:scrgbClr r="0" g="0" b="0"/>
+      </a:fillRef>
+      <a:effectRef idx="2">
+        <a:scrgbClr r="0" g="0" b="0"/>
+      </a:effectRef>
+      <a:fontRef idx="minor"/>
+    </dgm:style>
+  </dgm:styleLbl>
+  <dgm:styleLbl name="fgAcc0">
+    <dgm:scene3d>
+      <a:camera prst="orthographicFront"/>
+      <a:lightRig rig="threePt" dir="t"/>
+    </dgm:scene3d>
+    <dgm:sp3d/>
+    <dgm:txPr/>
+    <dgm:style>
+      <a:lnRef idx="1">
+        <a:scrgbClr r="0" g="0" b="0"/>
+      </a:lnRef>
+      <a:fillRef idx="1">
+        <a:scrgbClr r="0" g="0" b="0"/>
+      </a:fillRef>
+      <a:effectRef idx="2">
+        <a:scrgbClr r="0" g="0" b="0"/>
+      </a:effectRef>
+      <a:fontRef idx="minor"/>
+    </dgm:style>
+  </dgm:styleLbl>
+  <dgm:styleLbl name="fgAcc2">
+    <dgm:scene3d>
+      <a:camera prst="orthographicFront"/>
+      <a:lightRig rig="threePt" dir="t"/>
+    </dgm:scene3d>
+    <dgm:sp3d/>
+    <dgm:txPr/>
+    <dgm:style>
+      <a:lnRef idx="1">
+        <a:scrgbClr r="0" g="0" b="0"/>
+      </a:lnRef>
+      <a:fillRef idx="1">
+        <a:scrgbClr r="0" g="0" b="0"/>
+      </a:fillRef>
+      <a:effectRef idx="2">
+        <a:scrgbClr r="0" g="0" b="0"/>
+      </a:effectRef>
+      <a:fontRef idx="minor"/>
+    </dgm:style>
+  </dgm:styleLbl>
+  <dgm:styleLbl name="fgAcc3">
+    <dgm:scene3d>
+      <a:camera prst="orthographicFront"/>
+      <a:lightRig rig="threePt" dir="t"/>
+    </dgm:scene3d>
+    <dgm:sp3d/>
+    <dgm:txPr/>
+    <dgm:style>
+      <a:lnRef idx="1">
+        <a:scrgbClr r="0" g="0" b="0"/>
+      </a:lnRef>
+      <a:fillRef idx="1">
+        <a:scrgbClr r="0" g="0" b="0"/>
+      </a:fillRef>
+      <a:effectRef idx="2">
+        <a:scrgbClr r="0" g="0" b="0"/>
+      </a:effectRef>
+      <a:fontRef idx="minor"/>
+    </dgm:style>
+  </dgm:styleLbl>
+  <dgm:styleLbl name="fgAcc4">
+    <dgm:scene3d>
+      <a:camera prst="orthographicFront"/>
+      <a:lightRig rig="threePt" dir="t"/>
+    </dgm:scene3d>
+    <dgm:sp3d/>
+    <dgm:txPr/>
+    <dgm:style>
+      <a:lnRef idx="1">
+        <a:scrgbClr r="0" g="0" b="0"/>
+      </a:lnRef>
+      <a:fillRef idx="1">
+        <a:scrgbClr r="0" g="0" b="0"/>
+      </a:fillRef>
+      <a:effectRef idx="2">
+        <a:scrgbClr r="0" g="0" b="0"/>
+      </a:effectRef>
+      <a:fontRef idx="minor"/>
+    </dgm:style>
+  </dgm:styleLbl>
+  <dgm:styleLbl name="bgShp">
+    <dgm:scene3d>
+      <a:camera prst="orthographicFront"/>
+      <a:lightRig rig="threePt" dir="t"/>
+    </dgm:scene3d>
+    <dgm:sp3d/>
+    <dgm:txPr/>
+    <dgm:style>
+      <a:lnRef idx="0">
+        <a:scrgbClr r="0" g="0" b="0"/>
+      </a:lnRef>
+      <a:fillRef idx="1">
+        <a:scrgbClr r="0" g="0" b="0"/>
+      </a:fillRef>
+      <a:effectRef idx="2">
+        <a:scrgbClr r="0" g="0" b="0"/>
+      </a:effectRef>
+      <a:fontRef idx="minor"/>
+    </dgm:style>
+  </dgm:styleLbl>
+  <dgm:styleLbl name="dkBgShp">
+    <dgm:scene3d>
+      <a:camera prst="orthographicFront"/>
+      <a:lightRig rig="threePt" dir="t"/>
+    </dgm:scene3d>
+    <dgm:sp3d/>
+    <dgm:txPr/>
+    <dgm:style>
+      <a:lnRef idx="0">
+        <a:scrgbClr r="0" g="0" b="0"/>
+      </a:lnRef>
+      <a:fillRef idx="1">
+        <a:scrgbClr r="0" g="0" b="0"/>
+      </a:fillRef>
+      <a:effectRef idx="3">
+        <a:scrgbClr r="0" g="0" b="0"/>
+      </a:effectRef>
+      <a:fontRef idx="minor"/>
+    </dgm:style>
+  </dgm:styleLbl>
+  <dgm:styleLbl name="trBgShp">
+    <dgm:scene3d>
+      <a:camera prst="orthographicFront"/>
+      <a:lightRig rig="threePt" dir="t"/>
+    </dgm:scene3d>
+    <dgm:sp3d/>
+    <dgm:txPr/>
+    <dgm:style>
+      <a:lnRef idx="0">
+        <a:scrgbClr r="0" g="0" b="0"/>
+      </a:lnRef>
+      <a:fillRef idx="1">
+        <a:scrgbClr r="0" g="0" b="0"/>
+      </a:fillRef>
+      <a:effectRef idx="0">
+        <a:scrgbClr r="0" g="0" b="0"/>
+      </a:effectRef>
+      <a:fontRef idx="minor"/>
+    </dgm:style>
+  </dgm:styleLbl>
+  <dgm:styleLbl name="fgShp">
+    <dgm:scene3d>
+      <a:camera prst="orthographicFront"/>
+      <a:lightRig rig="threePt" dir="t"/>
+    </dgm:scene3d>
+    <dgm:sp3d/>
+    <dgm:txPr/>
+    <dgm:style>
+      <a:lnRef idx="0">
+        <a:scrgbClr r="0" g="0" b="0"/>
+      </a:lnRef>
+      <a:fillRef idx="3">
+        <a:scrgbClr r="0" g="0" b="0"/>
+      </a:fillRef>
+      <a:effectRef idx="3">
+        <a:scrgbClr r="0" g="0" b="0"/>
+      </a:effectRef>
+      <a:fontRef idx="minor"/>
+    </dgm:style>
+  </dgm:styleLbl>
+  <dgm:styleLbl name="revTx">
+    <dgm:scene3d>
+      <a:camera prst="orthographicFront"/>
+      <a:lightRig rig="threePt" dir="t"/>
+    </dgm:scene3d>
+    <dgm:sp3d/>
+    <dgm:txPr/>
+    <dgm:style>
+      <a:lnRef idx="0">
+        <a:scrgbClr r="0" g="0" b="0"/>
+      </a:lnRef>
+      <a:fillRef idx="0">
+        <a:scrgbClr r="0" g="0" b="0"/>
+      </a:fillRef>
+      <a:effectRef idx="0">
+        <a:scrgbClr r="0" g="0" b="0"/>
+      </a:effectRef>
+      <a:fontRef idx="minor"/>
+    </dgm:style>
+  </dgm:styleLbl>
+</dgm:styleDef>
+</file>
+
+<file path=ppt/diagrams/quickStyle7.xml><?xml version="1.0" encoding="utf-8"?>
 <dgm:styleDef xmlns:dgm="http://schemas.openxmlformats.org/drawingml/2006/diagram" xmlns:a="http://schemas.openxmlformats.org/drawingml/2006/main" uniqueId="urn:microsoft.com/office/officeart/2005/8/quickstyle/simple5">
   <dgm:title val=""/>
   <dgm:desc val=""/>
@@ -21562,7 +25803,7 @@
           <a:p>
             <a:fld id="{D15B9575-3BA8-482B-815F-69A5094E2367}" type="datetimeFigureOut">
               <a:rPr lang="es-PE" smtClean="0"/>
-              <a:t>18/09/2017</a:t>
+              <a:t>22/09/2017</a:t>
             </a:fld>
             <a:endParaRPr lang="es-PE"/>
           </a:p>
@@ -23294,6 +27535,453 @@
 </p:notes>
 </file>
 
+<file path=ppt/notesSlides/notesSlide23.xml><?xml version="1.0" encoding="utf-8"?>
+<p:notes xmlns:a="http://schemas.openxmlformats.org/drawingml/2006/main" xmlns:r="http://schemas.openxmlformats.org/officeDocument/2006/relationships" xmlns:p="http://schemas.openxmlformats.org/presentationml/2006/main">
+  <p:cSld>
+    <p:spTree>
+      <p:nvGrpSpPr>
+        <p:cNvPr id="1" name=""/>
+        <p:cNvGrpSpPr/>
+        <p:nvPr/>
+      </p:nvGrpSpPr>
+      <p:grpSpPr>
+        <a:xfrm>
+          <a:off x="0" y="0"/>
+          <a:ext cx="0" cy="0"/>
+          <a:chOff x="0" y="0"/>
+          <a:chExt cx="0" cy="0"/>
+        </a:xfrm>
+      </p:grpSpPr>
+      <p:sp>
+        <p:nvSpPr>
+          <p:cNvPr id="2" name="Marcador de imagen de diapositiva 1"/>
+          <p:cNvSpPr>
+            <a:spLocks noGrp="1" noRot="1" noChangeAspect="1"/>
+          </p:cNvSpPr>
+          <p:nvPr>
+            <p:ph type="sldImg"/>
+          </p:nvPr>
+        </p:nvSpPr>
+        <p:spPr/>
+      </p:sp>
+      <p:sp>
+        <p:nvSpPr>
+          <p:cNvPr id="3" name="Marcador de notas 2"/>
+          <p:cNvSpPr>
+            <a:spLocks noGrp="1"/>
+          </p:cNvSpPr>
+          <p:nvPr>
+            <p:ph type="body" idx="1"/>
+          </p:nvPr>
+        </p:nvSpPr>
+        <p:spPr/>
+        <p:txBody>
+          <a:bodyPr/>
+          <a:lstStyle/>
+          <a:p>
+            <a:endParaRPr lang="es-PE" dirty="0"/>
+          </a:p>
+        </p:txBody>
+      </p:sp>
+      <p:sp>
+        <p:nvSpPr>
+          <p:cNvPr id="4" name="Marcador de número de diapositiva 3"/>
+          <p:cNvSpPr>
+            <a:spLocks noGrp="1"/>
+          </p:cNvSpPr>
+          <p:nvPr>
+            <p:ph type="sldNum" sz="quarter" idx="10"/>
+          </p:nvPr>
+        </p:nvSpPr>
+        <p:spPr/>
+        <p:txBody>
+          <a:bodyPr/>
+          <a:lstStyle/>
+          <a:p>
+            <a:fld id="{A6CA7FDE-C50E-488C-A877-2D06A4195A34}" type="slidenum">
+              <a:rPr lang="es-PE" smtClean="0"/>
+              <a:t>23</a:t>
+            </a:fld>
+            <a:endParaRPr lang="es-PE"/>
+          </a:p>
+        </p:txBody>
+      </p:sp>
+    </p:spTree>
+    <p:extLst>
+      <p:ext uri="{BB962C8B-B14F-4D97-AF65-F5344CB8AC3E}">
+        <p14:creationId xmlns:p14="http://schemas.microsoft.com/office/powerpoint/2010/main" val="231272451"/>
+      </p:ext>
+    </p:extLst>
+  </p:cSld>
+  <p:clrMapOvr>
+    <a:masterClrMapping/>
+  </p:clrMapOvr>
+</p:notes>
+</file>
+
+<file path=ppt/notesSlides/notesSlide24.xml><?xml version="1.0" encoding="utf-8"?>
+<p:notes xmlns:a="http://schemas.openxmlformats.org/drawingml/2006/main" xmlns:r="http://schemas.openxmlformats.org/officeDocument/2006/relationships" xmlns:p="http://schemas.openxmlformats.org/presentationml/2006/main">
+  <p:cSld>
+    <p:spTree>
+      <p:nvGrpSpPr>
+        <p:cNvPr id="1" name=""/>
+        <p:cNvGrpSpPr/>
+        <p:nvPr/>
+      </p:nvGrpSpPr>
+      <p:grpSpPr>
+        <a:xfrm>
+          <a:off x="0" y="0"/>
+          <a:ext cx="0" cy="0"/>
+          <a:chOff x="0" y="0"/>
+          <a:chExt cx="0" cy="0"/>
+        </a:xfrm>
+      </p:grpSpPr>
+      <p:sp>
+        <p:nvSpPr>
+          <p:cNvPr id="2" name="Marcador de imagen de diapositiva 1"/>
+          <p:cNvSpPr>
+            <a:spLocks noGrp="1" noRot="1" noChangeAspect="1"/>
+          </p:cNvSpPr>
+          <p:nvPr>
+            <p:ph type="sldImg"/>
+          </p:nvPr>
+        </p:nvSpPr>
+        <p:spPr/>
+      </p:sp>
+      <p:sp>
+        <p:nvSpPr>
+          <p:cNvPr id="3" name="Marcador de notas 2"/>
+          <p:cNvSpPr>
+            <a:spLocks noGrp="1"/>
+          </p:cNvSpPr>
+          <p:nvPr>
+            <p:ph type="body" idx="1"/>
+          </p:nvPr>
+        </p:nvSpPr>
+        <p:spPr/>
+        <p:txBody>
+          <a:bodyPr/>
+          <a:lstStyle/>
+          <a:p>
+            <a:r>
+              <a:rPr lang="es-PE" dirty="0" smtClean="0"/>
+              <a:t>PE</a:t>
+            </a:r>
+            <a:r>
+              <a:rPr lang="es-PE" baseline="0" dirty="0" smtClean="0"/>
+              <a:t> -&gt; enlace</a:t>
+            </a:r>
+            <a:endParaRPr lang="es-PE" dirty="0" smtClean="0"/>
+          </a:p>
+          <a:p>
+            <a:r>
+              <a:rPr lang="es-PE" dirty="0" err="1" smtClean="0"/>
+              <a:t>Recopilacion</a:t>
+            </a:r>
+            <a:r>
+              <a:rPr lang="es-PE" dirty="0" smtClean="0"/>
+              <a:t> y </a:t>
+            </a:r>
+            <a:r>
+              <a:rPr lang="es-PE" dirty="0" err="1" smtClean="0"/>
+              <a:t>analisis</a:t>
+            </a:r>
+            <a:endParaRPr lang="es-PE" dirty="0" smtClean="0"/>
+          </a:p>
+          <a:p>
+            <a:r>
+              <a:rPr lang="es-PE" dirty="0" smtClean="0"/>
+              <a:t>Alinear</a:t>
+            </a:r>
+            <a:r>
+              <a:rPr lang="es-PE" baseline="0" dirty="0" smtClean="0"/>
+              <a:t> con los planes globales</a:t>
+            </a:r>
+          </a:p>
+          <a:p>
+            <a:r>
+              <a:rPr lang="es-PE" baseline="0" dirty="0" smtClean="0"/>
+              <a:t> </a:t>
+            </a:r>
+            <a:r>
+              <a:rPr lang="es-PE" baseline="0" dirty="0" err="1" smtClean="0"/>
+              <a:t>Gestion</a:t>
+            </a:r>
+            <a:r>
+              <a:rPr lang="es-PE" baseline="0" dirty="0" smtClean="0"/>
+              <a:t> financiera -&gt; indicadores financieros</a:t>
+            </a:r>
+          </a:p>
+          <a:p>
+            <a:r>
+              <a:rPr lang="es-PE" baseline="0" dirty="0" smtClean="0"/>
+              <a:t>Venta y </a:t>
+            </a:r>
+            <a:r>
+              <a:rPr lang="es-PE" baseline="0" dirty="0" err="1" smtClean="0"/>
+              <a:t>adaptacion</a:t>
+            </a:r>
+            <a:r>
+              <a:rPr lang="es-PE" baseline="0" dirty="0" smtClean="0"/>
+              <a:t> (llamada, respuesta de correo, digitales, visitas)</a:t>
+            </a:r>
+          </a:p>
+          <a:p>
+            <a:r>
+              <a:rPr lang="es-PE" baseline="0" dirty="0" smtClean="0"/>
+              <a:t>Veta de </a:t>
+            </a:r>
+            <a:r>
+              <a:rPr lang="es-PE" baseline="0" dirty="0" err="1" smtClean="0"/>
+              <a:t>accesoiors</a:t>
+            </a:r>
+            <a:r>
+              <a:rPr lang="es-PE" baseline="0" dirty="0" smtClean="0"/>
+              <a:t> y consumibles, accesorios inalámbricos, </a:t>
+            </a:r>
+            <a:r>
+              <a:rPr lang="es-PE" baseline="0" dirty="0" err="1" smtClean="0"/>
+              <a:t>baterias</a:t>
+            </a:r>
+            <a:endParaRPr lang="es-PE" baseline="0" dirty="0" smtClean="0"/>
+          </a:p>
+          <a:p>
+            <a:r>
+              <a:rPr lang="es-PE" baseline="0" dirty="0" smtClean="0"/>
+              <a:t>Post venta reparaciones</a:t>
+            </a:r>
+          </a:p>
+          <a:p>
+            <a:r>
+              <a:rPr lang="es-PE" baseline="0" dirty="0" smtClean="0"/>
+              <a:t>Gestión de cadena de suministro, orden de compra</a:t>
+            </a:r>
+          </a:p>
+          <a:p>
+            <a:endParaRPr lang="es-PE" dirty="0"/>
+          </a:p>
+        </p:txBody>
+      </p:sp>
+      <p:sp>
+        <p:nvSpPr>
+          <p:cNvPr id="4" name="Marcador de número de diapositiva 3"/>
+          <p:cNvSpPr>
+            <a:spLocks noGrp="1"/>
+          </p:cNvSpPr>
+          <p:nvPr>
+            <p:ph type="sldNum" sz="quarter" idx="10"/>
+          </p:nvPr>
+        </p:nvSpPr>
+        <p:spPr/>
+        <p:txBody>
+          <a:bodyPr/>
+          <a:lstStyle/>
+          <a:p>
+            <a:fld id="{A6CA7FDE-C50E-488C-A877-2D06A4195A34}" type="slidenum">
+              <a:rPr lang="es-PE" smtClean="0"/>
+              <a:t>24</a:t>
+            </a:fld>
+            <a:endParaRPr lang="es-PE"/>
+          </a:p>
+        </p:txBody>
+      </p:sp>
+    </p:spTree>
+    <p:extLst>
+      <p:ext uri="{BB962C8B-B14F-4D97-AF65-F5344CB8AC3E}">
+        <p14:creationId xmlns:p14="http://schemas.microsoft.com/office/powerpoint/2010/main" val="2370814093"/>
+      </p:ext>
+    </p:extLst>
+  </p:cSld>
+  <p:clrMapOvr>
+    <a:masterClrMapping/>
+  </p:clrMapOvr>
+</p:notes>
+</file>
+
+<file path=ppt/notesSlides/notesSlide25.xml><?xml version="1.0" encoding="utf-8"?>
+<p:notes xmlns:a="http://schemas.openxmlformats.org/drawingml/2006/main" xmlns:r="http://schemas.openxmlformats.org/officeDocument/2006/relationships" xmlns:p="http://schemas.openxmlformats.org/presentationml/2006/main">
+  <p:cSld>
+    <p:spTree>
+      <p:nvGrpSpPr>
+        <p:cNvPr id="1" name=""/>
+        <p:cNvGrpSpPr/>
+        <p:nvPr/>
+      </p:nvGrpSpPr>
+      <p:grpSpPr>
+        <a:xfrm>
+          <a:off x="0" y="0"/>
+          <a:ext cx="0" cy="0"/>
+          <a:chOff x="0" y="0"/>
+          <a:chExt cx="0" cy="0"/>
+        </a:xfrm>
+      </p:grpSpPr>
+      <p:sp>
+        <p:nvSpPr>
+          <p:cNvPr id="2" name="1 Marcador de imagen de diapositiva"/>
+          <p:cNvSpPr>
+            <a:spLocks noGrp="1" noRot="1" noChangeAspect="1"/>
+          </p:cNvSpPr>
+          <p:nvPr>
+            <p:ph type="sldImg"/>
+          </p:nvPr>
+        </p:nvSpPr>
+        <p:spPr/>
+      </p:sp>
+      <p:sp>
+        <p:nvSpPr>
+          <p:cNvPr id="3" name="2 Marcador de notas"/>
+          <p:cNvSpPr>
+            <a:spLocks noGrp="1"/>
+          </p:cNvSpPr>
+          <p:nvPr>
+            <p:ph type="body" idx="1"/>
+          </p:nvPr>
+        </p:nvSpPr>
+        <p:spPr/>
+        <p:txBody>
+          <a:bodyPr/>
+          <a:lstStyle/>
+          <a:p>
+            <a:r>
+              <a:rPr lang="es-PE" dirty="0" smtClean="0"/>
+              <a:t>Hay un </a:t>
+            </a:r>
+            <a:r>
+              <a:rPr lang="es-PE" dirty="0" err="1" smtClean="0"/>
+              <a:t>parrafo</a:t>
+            </a:r>
+            <a:r>
+              <a:rPr lang="es-PE" dirty="0" smtClean="0"/>
+              <a:t> que parece repetido</a:t>
+            </a:r>
+            <a:endParaRPr lang="es-PE" dirty="0"/>
+          </a:p>
+        </p:txBody>
+      </p:sp>
+      <p:sp>
+        <p:nvSpPr>
+          <p:cNvPr id="4" name="3 Marcador de número de diapositiva"/>
+          <p:cNvSpPr>
+            <a:spLocks noGrp="1"/>
+          </p:cNvSpPr>
+          <p:nvPr>
+            <p:ph type="sldNum" sz="quarter" idx="10"/>
+          </p:nvPr>
+        </p:nvSpPr>
+        <p:spPr/>
+        <p:txBody>
+          <a:bodyPr/>
+          <a:lstStyle/>
+          <a:p>
+            <a:fld id="{A6CA7FDE-C50E-488C-A877-2D06A4195A34}" type="slidenum">
+              <a:rPr lang="es-PE" smtClean="0"/>
+              <a:t>25</a:t>
+            </a:fld>
+            <a:endParaRPr lang="es-PE"/>
+          </a:p>
+        </p:txBody>
+      </p:sp>
+    </p:spTree>
+    <p:extLst>
+      <p:ext uri="{BB962C8B-B14F-4D97-AF65-F5344CB8AC3E}">
+        <p14:creationId xmlns:p14="http://schemas.microsoft.com/office/powerpoint/2010/main" val="1612396673"/>
+      </p:ext>
+    </p:extLst>
+  </p:cSld>
+  <p:clrMapOvr>
+    <a:masterClrMapping/>
+  </p:clrMapOvr>
+</p:notes>
+</file>
+
+<file path=ppt/notesSlides/notesSlide26.xml><?xml version="1.0" encoding="utf-8"?>
+<p:notes xmlns:a="http://schemas.openxmlformats.org/drawingml/2006/main" xmlns:r="http://schemas.openxmlformats.org/officeDocument/2006/relationships" xmlns:p="http://schemas.openxmlformats.org/presentationml/2006/main">
+  <p:cSld>
+    <p:spTree>
+      <p:nvGrpSpPr>
+        <p:cNvPr id="1" name=""/>
+        <p:cNvGrpSpPr/>
+        <p:nvPr/>
+      </p:nvGrpSpPr>
+      <p:grpSpPr>
+        <a:xfrm>
+          <a:off x="0" y="0"/>
+          <a:ext cx="0" cy="0"/>
+          <a:chOff x="0" y="0"/>
+          <a:chExt cx="0" cy="0"/>
+        </a:xfrm>
+      </p:grpSpPr>
+      <p:sp>
+        <p:nvSpPr>
+          <p:cNvPr id="2" name="1 Marcador de imagen de diapositiva"/>
+          <p:cNvSpPr>
+            <a:spLocks noGrp="1" noRot="1" noChangeAspect="1"/>
+          </p:cNvSpPr>
+          <p:nvPr>
+            <p:ph type="sldImg"/>
+          </p:nvPr>
+        </p:nvSpPr>
+        <p:spPr/>
+      </p:sp>
+      <p:sp>
+        <p:nvSpPr>
+          <p:cNvPr id="3" name="2 Marcador de notas"/>
+          <p:cNvSpPr>
+            <a:spLocks noGrp="1"/>
+          </p:cNvSpPr>
+          <p:nvPr>
+            <p:ph type="body" idx="1"/>
+          </p:nvPr>
+        </p:nvSpPr>
+        <p:spPr/>
+        <p:txBody>
+          <a:bodyPr/>
+          <a:lstStyle/>
+          <a:p>
+            <a:r>
+              <a:rPr lang="es-PE" dirty="0" smtClean="0"/>
+              <a:t>https://es.wikipedia.org/wiki/Canal_de_distribuci%C3%B3n</a:t>
+            </a:r>
+            <a:endParaRPr lang="es-PE" dirty="0"/>
+          </a:p>
+        </p:txBody>
+      </p:sp>
+      <p:sp>
+        <p:nvSpPr>
+          <p:cNvPr id="4" name="3 Marcador de número de diapositiva"/>
+          <p:cNvSpPr>
+            <a:spLocks noGrp="1"/>
+          </p:cNvSpPr>
+          <p:nvPr>
+            <p:ph type="sldNum" sz="quarter" idx="10"/>
+          </p:nvPr>
+        </p:nvSpPr>
+        <p:spPr/>
+        <p:txBody>
+          <a:bodyPr/>
+          <a:lstStyle/>
+          <a:p>
+            <a:fld id="{A6CA7FDE-C50E-488C-A877-2D06A4195A34}" type="slidenum">
+              <a:rPr lang="es-PE" smtClean="0"/>
+              <a:t>28</a:t>
+            </a:fld>
+            <a:endParaRPr lang="es-PE"/>
+          </a:p>
+        </p:txBody>
+      </p:sp>
+    </p:spTree>
+    <p:extLst>
+      <p:ext uri="{BB962C8B-B14F-4D97-AF65-F5344CB8AC3E}">
+        <p14:creationId xmlns:p14="http://schemas.microsoft.com/office/powerpoint/2010/main" val="602655491"/>
+      </p:ext>
+    </p:extLst>
+  </p:cSld>
+  <p:clrMapOvr>
+    <a:masterClrMapping/>
+  </p:clrMapOvr>
+</p:notes>
+</file>
+
 <file path=ppt/notesSlides/notesSlide3.xml><?xml version="1.0" encoding="utf-8"?>
 <p:notes xmlns:a="http://schemas.openxmlformats.org/drawingml/2006/main" xmlns:r="http://schemas.openxmlformats.org/officeDocument/2006/relationships" xmlns:p="http://schemas.openxmlformats.org/presentationml/2006/main">
   <p:cSld>
@@ -24507,7 +29195,7 @@
           <a:p>
             <a:fld id="{3CDF921A-03C6-4718-B29D-DA210FB6DD20}" type="datetimeFigureOut">
               <a:rPr lang="es-PE" smtClean="0"/>
-              <a:t>18/09/2017</a:t>
+              <a:t>22/09/2017</a:t>
             </a:fld>
             <a:endParaRPr lang="es-PE"/>
           </a:p>
@@ -24684,7 +29372,7 @@
           <a:p>
             <a:fld id="{3CDF921A-03C6-4718-B29D-DA210FB6DD20}" type="datetimeFigureOut">
               <a:rPr lang="es-PE" smtClean="0"/>
-              <a:t>18/09/2017</a:t>
+              <a:t>22/09/2017</a:t>
             </a:fld>
             <a:endParaRPr lang="es-PE"/>
           </a:p>
@@ -24871,7 +29559,7 @@
           <a:p>
             <a:fld id="{3CDF921A-03C6-4718-B29D-DA210FB6DD20}" type="datetimeFigureOut">
               <a:rPr lang="es-PE" smtClean="0"/>
-              <a:t>18/09/2017</a:t>
+              <a:t>22/09/2017</a:t>
             </a:fld>
             <a:endParaRPr lang="es-PE"/>
           </a:p>
@@ -25111,7 +29799,7 @@
           <a:p>
             <a:fld id="{3CDF921A-03C6-4718-B29D-DA210FB6DD20}" type="datetimeFigureOut">
               <a:rPr lang="es-PE" smtClean="0"/>
-              <a:t>18/09/2017</a:t>
+              <a:t>22/09/2017</a:t>
             </a:fld>
             <a:endParaRPr lang="es-PE"/>
           </a:p>
@@ -25434,7 +30122,7 @@
           <a:p>
             <a:fld id="{3CDF921A-03C6-4718-B29D-DA210FB6DD20}" type="datetimeFigureOut">
               <a:rPr lang="es-PE" smtClean="0"/>
-              <a:t>18/09/2017</a:t>
+              <a:t>22/09/2017</a:t>
             </a:fld>
             <a:endParaRPr lang="es-PE"/>
           </a:p>
@@ -25729,7 +30417,7 @@
           <a:p>
             <a:fld id="{3CDF921A-03C6-4718-B29D-DA210FB6DD20}" type="datetimeFigureOut">
               <a:rPr lang="es-PE" smtClean="0"/>
-              <a:t>18/09/2017</a:t>
+              <a:t>22/09/2017</a:t>
             </a:fld>
             <a:endParaRPr lang="es-PE"/>
           </a:p>
@@ -26158,7 +30846,7 @@
           <a:p>
             <a:fld id="{3CDF921A-03C6-4718-B29D-DA210FB6DD20}" type="datetimeFigureOut">
               <a:rPr lang="es-PE" smtClean="0"/>
-              <a:t>18/09/2017</a:t>
+              <a:t>22/09/2017</a:t>
             </a:fld>
             <a:endParaRPr lang="es-PE"/>
           </a:p>
@@ -26301,7 +30989,7 @@
           <a:p>
             <a:fld id="{3CDF921A-03C6-4718-B29D-DA210FB6DD20}" type="datetimeFigureOut">
               <a:rPr lang="es-PE" smtClean="0"/>
-              <a:t>18/09/2017</a:t>
+              <a:t>22/09/2017</a:t>
             </a:fld>
             <a:endParaRPr lang="es-PE"/>
           </a:p>
@@ -26473,7 +31161,7 @@
           <a:p>
             <a:fld id="{3CDF921A-03C6-4718-B29D-DA210FB6DD20}" type="datetimeFigureOut">
               <a:rPr lang="es-PE" smtClean="0"/>
-              <a:t>18/09/2017</a:t>
+              <a:t>22/09/2017</a:t>
             </a:fld>
             <a:endParaRPr lang="es-PE"/>
           </a:p>
@@ -26827,7 +31515,7 @@
           <a:p>
             <a:fld id="{3CDF921A-03C6-4718-B29D-DA210FB6DD20}" type="datetimeFigureOut">
               <a:rPr lang="es-PE" smtClean="0"/>
-              <a:t>18/09/2017</a:t>
+              <a:t>22/09/2017</a:t>
             </a:fld>
             <a:endParaRPr lang="es-PE"/>
           </a:p>
@@ -27087,7 +31775,7 @@
           <a:p>
             <a:fld id="{3CDF921A-03C6-4718-B29D-DA210FB6DD20}" type="datetimeFigureOut">
               <a:rPr lang="es-PE" smtClean="0"/>
-              <a:t>18/09/2017</a:t>
+              <a:t>22/09/2017</a:t>
             </a:fld>
             <a:endParaRPr lang="es-PE"/>
           </a:p>
@@ -27307,7 +31995,7 @@
           <a:p>
             <a:fld id="{3CDF921A-03C6-4718-B29D-DA210FB6DD20}" type="datetimeFigureOut">
               <a:rPr lang="es-PE" smtClean="0"/>
-              <a:t>18/09/2017</a:t>
+              <a:t>22/09/2017</a:t>
             </a:fld>
             <a:endParaRPr lang="es-PE"/>
           </a:p>
@@ -31111,11 +35799,6 @@
               </a:rPr>
               <a:t>Inteligencia de todos</a:t>
             </a:r>
-            <a:endParaRPr lang="es-PE" b="1" dirty="0" smtClean="0">
-              <a:solidFill>
-                <a:schemeClr val="tx2"/>
-              </a:solidFill>
-            </a:endParaRPr>
           </a:p>
         </p:txBody>
       </p:sp>
@@ -34529,6 +39212,1332 @@
 </p:sld>
 </file>
 
+<file path=ppt/slides/slide23.xml><?xml version="1.0" encoding="utf-8"?>
+<p:sld xmlns:a="http://schemas.openxmlformats.org/drawingml/2006/main" xmlns:r="http://schemas.openxmlformats.org/officeDocument/2006/relationships" xmlns:p="http://schemas.openxmlformats.org/presentationml/2006/main">
+  <p:cSld>
+    <p:spTree>
+      <p:nvGrpSpPr>
+        <p:cNvPr id="1" name=""/>
+        <p:cNvGrpSpPr/>
+        <p:nvPr/>
+      </p:nvGrpSpPr>
+      <p:grpSpPr>
+        <a:xfrm>
+          <a:off x="0" y="0"/>
+          <a:ext cx="0" cy="0"/>
+          <a:chOff x="0" y="0"/>
+          <a:chExt cx="0" cy="0"/>
+        </a:xfrm>
+      </p:grpSpPr>
+      <p:sp>
+        <p:nvSpPr>
+          <p:cNvPr id="7" name="1 Título"/>
+          <p:cNvSpPr txBox="1">
+            <a:spLocks/>
+          </p:cNvSpPr>
+          <p:nvPr/>
+        </p:nvSpPr>
+        <p:spPr>
+          <a:xfrm>
+            <a:off x="1922494" y="52476"/>
+            <a:ext cx="5616624" cy="857250"/>
+          </a:xfrm>
+          <a:prstGeom prst="rect">
+            <a:avLst/>
+          </a:prstGeom>
+        </p:spPr>
+        <p:txBody>
+          <a:bodyPr anchor="ctr">
+            <a:normAutofit/>
+          </a:bodyPr>
+          <a:lstStyle>
+            <a:lvl1pPr algn="ctr" defTabSz="914400" rtl="0" eaLnBrk="1" latinLnBrk="0" hangingPunct="1">
+              <a:spcBef>
+                <a:spcPct val="0"/>
+              </a:spcBef>
+              <a:buNone/>
+              <a:defRPr sz="4400" kern="1200">
+                <a:solidFill>
+                  <a:schemeClr val="tx1"/>
+                </a:solidFill>
+                <a:latin typeface="+mj-lt"/>
+                <a:ea typeface="+mj-ea"/>
+                <a:cs typeface="+mj-cs"/>
+              </a:defRPr>
+            </a:lvl1pPr>
+          </a:lstStyle>
+          <a:p>
+            <a:r>
+              <a:rPr lang="es-PE" sz="2800" b="1" dirty="0" smtClean="0">
+                <a:solidFill>
+                  <a:schemeClr val="tx2">
+                    <a:lumMod val="75000"/>
+                  </a:schemeClr>
+                </a:solidFill>
+                <a:latin typeface="Arial" panose="020B0604020202020204" pitchFamily="34" charset="0"/>
+                <a:cs typeface="Arial" panose="020B0604020202020204" pitchFamily="34" charset="0"/>
+              </a:rPr>
+              <a:t>Plan de Marketing</a:t>
+            </a:r>
+            <a:endParaRPr lang="es-PE" sz="2800" b="1" dirty="0">
+              <a:solidFill>
+                <a:schemeClr val="tx2">
+                  <a:lumMod val="75000"/>
+                </a:schemeClr>
+              </a:solidFill>
+              <a:latin typeface="Arial" panose="020B0604020202020204" pitchFamily="34" charset="0"/>
+              <a:cs typeface="Arial" panose="020B0604020202020204" pitchFamily="34" charset="0"/>
+            </a:endParaRPr>
+          </a:p>
+        </p:txBody>
+      </p:sp>
+      <p:sp>
+        <p:nvSpPr>
+          <p:cNvPr id="4" name="CuadroTexto 3"/>
+          <p:cNvSpPr txBox="1"/>
+          <p:nvPr/>
+        </p:nvSpPr>
+        <p:spPr>
+          <a:xfrm>
+            <a:off x="153119" y="792412"/>
+            <a:ext cx="8784976" cy="615553"/>
+          </a:xfrm>
+          <a:prstGeom prst="rect">
+            <a:avLst/>
+          </a:prstGeom>
+          <a:noFill/>
+        </p:spPr>
+        <p:txBody>
+          <a:bodyPr wrap="square" rtlCol="0">
+            <a:spAutoFit/>
+          </a:bodyPr>
+          <a:lstStyle/>
+          <a:p>
+            <a:pPr algn="just"/>
+            <a:r>
+              <a:rPr lang="es-PE" b="1" dirty="0" err="1" smtClean="0">
+                <a:solidFill>
+                  <a:schemeClr val="tx2">
+                    <a:lumMod val="75000"/>
+                  </a:schemeClr>
+                </a:solidFill>
+                <a:latin typeface="Arial" panose="020B0604020202020204" pitchFamily="34" charset="0"/>
+                <a:cs typeface="Arial" panose="020B0604020202020204" pitchFamily="34" charset="0"/>
+              </a:rPr>
+              <a:t>Mix</a:t>
+            </a:r>
+            <a:r>
+              <a:rPr lang="es-PE" b="1" dirty="0" smtClean="0">
+                <a:solidFill>
+                  <a:schemeClr val="tx2">
+                    <a:lumMod val="75000"/>
+                  </a:schemeClr>
+                </a:solidFill>
+                <a:latin typeface="Arial" panose="020B0604020202020204" pitchFamily="34" charset="0"/>
+                <a:cs typeface="Arial" panose="020B0604020202020204" pitchFamily="34" charset="0"/>
+              </a:rPr>
+              <a:t> de Marketing:</a:t>
+            </a:r>
+            <a:endParaRPr lang="es-PE" dirty="0" smtClean="0">
+              <a:latin typeface="Arial" panose="020B0604020202020204" pitchFamily="34" charset="0"/>
+              <a:cs typeface="Arial" panose="020B0604020202020204" pitchFamily="34" charset="0"/>
+            </a:endParaRPr>
+          </a:p>
+          <a:p>
+            <a:pPr algn="just"/>
+            <a:endParaRPr lang="es-PE" sz="1600" dirty="0" smtClean="0">
+              <a:latin typeface="Arial" panose="020B0604020202020204" pitchFamily="34" charset="0"/>
+              <a:cs typeface="Arial" panose="020B0604020202020204" pitchFamily="34" charset="0"/>
+            </a:endParaRPr>
+          </a:p>
+        </p:txBody>
+      </p:sp>
+      <p:sp>
+        <p:nvSpPr>
+          <p:cNvPr id="5" name="Rectángulo 4"/>
+          <p:cNvSpPr/>
+          <p:nvPr/>
+        </p:nvSpPr>
+        <p:spPr>
+          <a:xfrm>
+            <a:off x="179512" y="1641461"/>
+            <a:ext cx="184731" cy="830997"/>
+          </a:xfrm>
+          <a:prstGeom prst="rect">
+            <a:avLst/>
+          </a:prstGeom>
+        </p:spPr>
+        <p:txBody>
+          <a:bodyPr wrap="none">
+            <a:spAutoFit/>
+          </a:bodyPr>
+          <a:lstStyle/>
+          <a:p>
+            <a:pPr>
+              <a:lnSpc>
+                <a:spcPct val="150000"/>
+              </a:lnSpc>
+            </a:pPr>
+            <a:endParaRPr lang="es-PE" sz="1600" dirty="0">
+              <a:latin typeface="Arial" panose="020B0604020202020204" pitchFamily="34" charset="0"/>
+              <a:cs typeface="Arial" panose="020B0604020202020204" pitchFamily="34" charset="0"/>
+            </a:endParaRPr>
+          </a:p>
+          <a:p>
+            <a:pPr>
+              <a:lnSpc>
+                <a:spcPct val="150000"/>
+              </a:lnSpc>
+            </a:pPr>
+            <a:endParaRPr lang="es-PE" sz="1600" dirty="0">
+              <a:latin typeface="Arial" panose="020B0604020202020204" pitchFamily="34" charset="0"/>
+              <a:cs typeface="Arial" panose="020B0604020202020204" pitchFamily="34" charset="0"/>
+            </a:endParaRPr>
+          </a:p>
+        </p:txBody>
+      </p:sp>
+      <p:graphicFrame>
+        <p:nvGraphicFramePr>
+          <p:cNvPr id="2" name="Diagrama 1"/>
+          <p:cNvGraphicFramePr/>
+          <p:nvPr>
+            <p:extLst>
+              <p:ext uri="{D42A27DB-BD31-4B8C-83A1-F6EECF244321}">
+                <p14:modId xmlns:p14="http://schemas.microsoft.com/office/powerpoint/2010/main" val="2195055416"/>
+              </p:ext>
+            </p:extLst>
+          </p:nvPr>
+        </p:nvGraphicFramePr>
+        <p:xfrm>
+          <a:off x="1704020" y="1067614"/>
+          <a:ext cx="6540388" cy="3952408"/>
+        </p:xfrm>
+        <a:graphic>
+          <a:graphicData uri="http://schemas.openxmlformats.org/drawingml/2006/diagram">
+            <dgm:relIds xmlns:dgm="http://schemas.openxmlformats.org/drawingml/2006/diagram" xmlns:r="http://schemas.openxmlformats.org/officeDocument/2006/relationships" r:dm="rId3" r:lo="rId4" r:qs="rId5" r:cs="rId6"/>
+          </a:graphicData>
+        </a:graphic>
+      </p:graphicFrame>
+      <p:sp>
+        <p:nvSpPr>
+          <p:cNvPr id="3" name="CuadroTexto 2"/>
+          <p:cNvSpPr txBox="1"/>
+          <p:nvPr/>
+        </p:nvSpPr>
+        <p:spPr>
+          <a:xfrm>
+            <a:off x="1881416" y="1426398"/>
+            <a:ext cx="576064" cy="523220"/>
+          </a:xfrm>
+          <a:prstGeom prst="rect">
+            <a:avLst/>
+          </a:prstGeom>
+          <a:noFill/>
+        </p:spPr>
+        <p:txBody>
+          <a:bodyPr wrap="square" rtlCol="0">
+            <a:spAutoFit/>
+          </a:bodyPr>
+          <a:lstStyle/>
+          <a:p>
+            <a:r>
+              <a:rPr lang="es-PE" sz="2800" b="1" dirty="0" smtClean="0">
+                <a:solidFill>
+                  <a:schemeClr val="tx2">
+                    <a:lumMod val="75000"/>
+                  </a:schemeClr>
+                </a:solidFill>
+              </a:rPr>
+              <a:t>1P</a:t>
+            </a:r>
+            <a:endParaRPr lang="es-PE" sz="2800" b="1" dirty="0">
+              <a:solidFill>
+                <a:schemeClr val="tx2">
+                  <a:lumMod val="75000"/>
+                </a:schemeClr>
+              </a:solidFill>
+            </a:endParaRPr>
+          </a:p>
+        </p:txBody>
+      </p:sp>
+      <p:sp>
+        <p:nvSpPr>
+          <p:cNvPr id="9" name="CuadroTexto 8"/>
+          <p:cNvSpPr txBox="1"/>
+          <p:nvPr/>
+        </p:nvSpPr>
+        <p:spPr>
+          <a:xfrm>
+            <a:off x="2244610" y="2369399"/>
+            <a:ext cx="576064" cy="523220"/>
+          </a:xfrm>
+          <a:prstGeom prst="rect">
+            <a:avLst/>
+          </a:prstGeom>
+          <a:noFill/>
+        </p:spPr>
+        <p:txBody>
+          <a:bodyPr wrap="square" rtlCol="0">
+            <a:spAutoFit/>
+          </a:bodyPr>
+          <a:lstStyle/>
+          <a:p>
+            <a:r>
+              <a:rPr lang="es-PE" sz="2800" b="1" dirty="0" smtClean="0">
+                <a:solidFill>
+                  <a:schemeClr val="tx2">
+                    <a:lumMod val="75000"/>
+                  </a:schemeClr>
+                </a:solidFill>
+              </a:rPr>
+              <a:t>2P</a:t>
+            </a:r>
+            <a:endParaRPr lang="es-PE" sz="2800" b="1" dirty="0">
+              <a:solidFill>
+                <a:schemeClr val="tx2">
+                  <a:lumMod val="75000"/>
+                </a:schemeClr>
+              </a:solidFill>
+            </a:endParaRPr>
+          </a:p>
+        </p:txBody>
+      </p:sp>
+      <p:sp>
+        <p:nvSpPr>
+          <p:cNvPr id="10" name="CuadroTexto 9"/>
+          <p:cNvSpPr txBox="1"/>
+          <p:nvPr/>
+        </p:nvSpPr>
+        <p:spPr>
+          <a:xfrm>
+            <a:off x="2244610" y="3312400"/>
+            <a:ext cx="576064" cy="523220"/>
+          </a:xfrm>
+          <a:prstGeom prst="rect">
+            <a:avLst/>
+          </a:prstGeom>
+          <a:noFill/>
+        </p:spPr>
+        <p:txBody>
+          <a:bodyPr wrap="square" rtlCol="0">
+            <a:spAutoFit/>
+          </a:bodyPr>
+          <a:lstStyle/>
+          <a:p>
+            <a:r>
+              <a:rPr lang="es-PE" sz="2800" b="1" dirty="0" smtClean="0">
+                <a:solidFill>
+                  <a:schemeClr val="tx2">
+                    <a:lumMod val="75000"/>
+                  </a:schemeClr>
+                </a:solidFill>
+              </a:rPr>
+              <a:t>3P</a:t>
+            </a:r>
+            <a:endParaRPr lang="es-PE" sz="2800" b="1" dirty="0">
+              <a:solidFill>
+                <a:schemeClr val="tx2">
+                  <a:lumMod val="75000"/>
+                </a:schemeClr>
+              </a:solidFill>
+            </a:endParaRPr>
+          </a:p>
+        </p:txBody>
+      </p:sp>
+      <p:sp>
+        <p:nvSpPr>
+          <p:cNvPr id="11" name="CuadroTexto 10"/>
+          <p:cNvSpPr txBox="1"/>
+          <p:nvPr/>
+        </p:nvSpPr>
+        <p:spPr>
+          <a:xfrm>
+            <a:off x="1891186" y="4255401"/>
+            <a:ext cx="576064" cy="523220"/>
+          </a:xfrm>
+          <a:prstGeom prst="rect">
+            <a:avLst/>
+          </a:prstGeom>
+          <a:noFill/>
+        </p:spPr>
+        <p:txBody>
+          <a:bodyPr wrap="square" rtlCol="0">
+            <a:spAutoFit/>
+          </a:bodyPr>
+          <a:lstStyle/>
+          <a:p>
+            <a:r>
+              <a:rPr lang="es-PE" sz="2800" b="1" dirty="0" smtClean="0">
+                <a:solidFill>
+                  <a:schemeClr val="tx2">
+                    <a:lumMod val="75000"/>
+                  </a:schemeClr>
+                </a:solidFill>
+              </a:rPr>
+              <a:t>4P</a:t>
+            </a:r>
+            <a:endParaRPr lang="es-PE" sz="2800" b="1" dirty="0">
+              <a:solidFill>
+                <a:schemeClr val="tx2">
+                  <a:lumMod val="75000"/>
+                </a:schemeClr>
+              </a:solidFill>
+            </a:endParaRPr>
+          </a:p>
+        </p:txBody>
+      </p:sp>
+    </p:spTree>
+    <p:extLst>
+      <p:ext uri="{BB962C8B-B14F-4D97-AF65-F5344CB8AC3E}">
+        <p14:creationId xmlns:p14="http://schemas.microsoft.com/office/powerpoint/2010/main" val="37299258"/>
+      </p:ext>
+    </p:extLst>
+  </p:cSld>
+  <p:clrMapOvr>
+    <a:masterClrMapping/>
+  </p:clrMapOvr>
+  <p:timing>
+    <p:tnLst>
+      <p:par>
+        <p:cTn id="1" dur="indefinite" restart="never" nodeType="tmRoot"/>
+      </p:par>
+    </p:tnLst>
+  </p:timing>
+</p:sld>
+</file>
+
+<file path=ppt/slides/slide24.xml><?xml version="1.0" encoding="utf-8"?>
+<p:sld xmlns:a="http://schemas.openxmlformats.org/drawingml/2006/main" xmlns:r="http://schemas.openxmlformats.org/officeDocument/2006/relationships" xmlns:p="http://schemas.openxmlformats.org/presentationml/2006/main">
+  <p:cSld>
+    <p:spTree>
+      <p:nvGrpSpPr>
+        <p:cNvPr id="1" name=""/>
+        <p:cNvGrpSpPr/>
+        <p:nvPr/>
+      </p:nvGrpSpPr>
+      <p:grpSpPr>
+        <a:xfrm>
+          <a:off x="0" y="0"/>
+          <a:ext cx="0" cy="0"/>
+          <a:chOff x="0" y="0"/>
+          <a:chExt cx="0" cy="0"/>
+        </a:xfrm>
+      </p:grpSpPr>
+      <p:sp>
+        <p:nvSpPr>
+          <p:cNvPr id="7" name="1 Título"/>
+          <p:cNvSpPr txBox="1">
+            <a:spLocks/>
+          </p:cNvSpPr>
+          <p:nvPr/>
+        </p:nvSpPr>
+        <p:spPr>
+          <a:xfrm>
+            <a:off x="1922494" y="52476"/>
+            <a:ext cx="5616624" cy="857250"/>
+          </a:xfrm>
+          <a:prstGeom prst="rect">
+            <a:avLst/>
+          </a:prstGeom>
+        </p:spPr>
+        <p:txBody>
+          <a:bodyPr anchor="ctr">
+            <a:normAutofit/>
+          </a:bodyPr>
+          <a:lstStyle>
+            <a:lvl1pPr algn="ctr" defTabSz="914400" rtl="0" eaLnBrk="1" latinLnBrk="0" hangingPunct="1">
+              <a:spcBef>
+                <a:spcPct val="0"/>
+              </a:spcBef>
+              <a:buNone/>
+              <a:defRPr sz="4400" kern="1200">
+                <a:solidFill>
+                  <a:schemeClr val="tx1"/>
+                </a:solidFill>
+                <a:latin typeface="+mj-lt"/>
+                <a:ea typeface="+mj-ea"/>
+                <a:cs typeface="+mj-cs"/>
+              </a:defRPr>
+            </a:lvl1pPr>
+          </a:lstStyle>
+          <a:p>
+            <a:r>
+              <a:rPr lang="es-PE" sz="2800" b="1" dirty="0" smtClean="0">
+                <a:solidFill>
+                  <a:schemeClr val="tx2">
+                    <a:lumMod val="75000"/>
+                  </a:schemeClr>
+                </a:solidFill>
+                <a:latin typeface="Arial" panose="020B0604020202020204" pitchFamily="34" charset="0"/>
+                <a:cs typeface="Arial" panose="020B0604020202020204" pitchFamily="34" charset="0"/>
+              </a:rPr>
+              <a:t>Plan de Operaciones</a:t>
+            </a:r>
+            <a:endParaRPr lang="es-PE" sz="2800" b="1" dirty="0">
+              <a:solidFill>
+                <a:schemeClr val="tx2">
+                  <a:lumMod val="75000"/>
+                </a:schemeClr>
+              </a:solidFill>
+              <a:latin typeface="Arial" panose="020B0604020202020204" pitchFamily="34" charset="0"/>
+              <a:cs typeface="Arial" panose="020B0604020202020204" pitchFamily="34" charset="0"/>
+            </a:endParaRPr>
+          </a:p>
+        </p:txBody>
+      </p:sp>
+      <p:pic>
+        <p:nvPicPr>
+          <p:cNvPr id="1027" name="Picture 3"/>
+          <p:cNvPicPr>
+            <a:picLocks noChangeAspect="1" noChangeArrowheads="1"/>
+          </p:cNvPicPr>
+          <p:nvPr/>
+        </p:nvPicPr>
+        <p:blipFill>
+          <a:blip r:embed="rId3">
+            <a:extLst>
+              <a:ext uri="{28A0092B-C50C-407E-A947-70E740481C1C}">
+                <a14:useLocalDpi xmlns:a14="http://schemas.microsoft.com/office/drawing/2010/main" val="0"/>
+              </a:ext>
+            </a:extLst>
+          </a:blip>
+          <a:srcRect/>
+          <a:stretch>
+            <a:fillRect/>
+          </a:stretch>
+        </p:blipFill>
+        <p:spPr bwMode="auto">
+          <a:xfrm>
+            <a:off x="787945" y="806624"/>
+            <a:ext cx="7604844" cy="4344669"/>
+          </a:xfrm>
+          <a:prstGeom prst="rect">
+            <a:avLst/>
+          </a:prstGeom>
+          <a:noFill/>
+          <a:ln>
+            <a:noFill/>
+          </a:ln>
+          <a:effectLst/>
+          <a:extLst>
+            <a:ext uri="{909E8E84-426E-40DD-AFC4-6F175D3DCCD1}">
+              <a14:hiddenFill xmlns:a14="http://schemas.microsoft.com/office/drawing/2010/main">
+                <a:solidFill>
+                  <a:schemeClr val="accent1"/>
+                </a:solidFill>
+              </a14:hiddenFill>
+            </a:ext>
+            <a:ext uri="{91240B29-F687-4F45-9708-019B960494DF}">
+              <a14:hiddenLine xmlns:a14="http://schemas.microsoft.com/office/drawing/2010/main" w="9525">
+                <a:solidFill>
+                  <a:schemeClr val="tx1"/>
+                </a:solidFill>
+                <a:miter lim="800000"/>
+                <a:headEnd/>
+                <a:tailEnd/>
+              </a14:hiddenLine>
+            </a:ext>
+            <a:ext uri="{AF507438-7753-43E0-B8FC-AC1667EBCBE1}">
+              <a14:hiddenEffects xmlns:a14="http://schemas.microsoft.com/office/drawing/2010/main">
+                <a:effectLst>
+                  <a:outerShdw dist="35921" dir="2700000" algn="ctr" rotWithShape="0">
+                    <a:schemeClr val="bg2"/>
+                  </a:outerShdw>
+                </a:effectLst>
+              </a14:hiddenEffects>
+            </a:ext>
+          </a:extLst>
+        </p:spPr>
+      </p:pic>
+    </p:spTree>
+    <p:extLst>
+      <p:ext uri="{BB962C8B-B14F-4D97-AF65-F5344CB8AC3E}">
+        <p14:creationId xmlns:p14="http://schemas.microsoft.com/office/powerpoint/2010/main" val="3427141549"/>
+      </p:ext>
+    </p:extLst>
+  </p:cSld>
+  <p:clrMapOvr>
+    <a:masterClrMapping/>
+  </p:clrMapOvr>
+  <p:timing>
+    <p:tnLst>
+      <p:par>
+        <p:cTn id="1" dur="indefinite" restart="never" nodeType="tmRoot"/>
+      </p:par>
+    </p:tnLst>
+  </p:timing>
+</p:sld>
+</file>
+
+<file path=ppt/slides/slide25.xml><?xml version="1.0" encoding="utf-8"?>
+<p:sld xmlns:a="http://schemas.openxmlformats.org/drawingml/2006/main" xmlns:r="http://schemas.openxmlformats.org/officeDocument/2006/relationships" xmlns:p="http://schemas.openxmlformats.org/presentationml/2006/main">
+  <p:cSld>
+    <p:spTree>
+      <p:nvGrpSpPr>
+        <p:cNvPr id="1" name=""/>
+        <p:cNvGrpSpPr/>
+        <p:nvPr/>
+      </p:nvGrpSpPr>
+      <p:grpSpPr>
+        <a:xfrm>
+          <a:off x="0" y="0"/>
+          <a:ext cx="0" cy="0"/>
+          <a:chOff x="0" y="0"/>
+          <a:chExt cx="0" cy="0"/>
+        </a:xfrm>
+      </p:grpSpPr>
+      <p:sp>
+        <p:nvSpPr>
+          <p:cNvPr id="2" name="1 Título"/>
+          <p:cNvSpPr>
+            <a:spLocks noGrp="1"/>
+          </p:cNvSpPr>
+          <p:nvPr>
+            <p:ph type="title"/>
+          </p:nvPr>
+        </p:nvSpPr>
+        <p:spPr/>
+        <p:txBody>
+          <a:bodyPr/>
+          <a:lstStyle/>
+          <a:p>
+            <a:endParaRPr lang="es-PE"/>
+          </a:p>
+        </p:txBody>
+      </p:sp>
+      <p:sp>
+        <p:nvSpPr>
+          <p:cNvPr id="3" name="2 Rectángulo"/>
+          <p:cNvSpPr/>
+          <p:nvPr/>
+        </p:nvSpPr>
+        <p:spPr>
+          <a:xfrm>
+            <a:off x="251520" y="1131590"/>
+            <a:ext cx="8352928" cy="1200329"/>
+          </a:xfrm>
+          <a:prstGeom prst="rect">
+            <a:avLst/>
+          </a:prstGeom>
+        </p:spPr>
+        <p:txBody>
+          <a:bodyPr wrap="square">
+            <a:spAutoFit/>
+          </a:bodyPr>
+          <a:lstStyle/>
+          <a:p>
+            <a:r>
+              <a:rPr lang="es-PE" dirty="0" err="1" smtClean="0"/>
+              <a:t>Starkey</a:t>
+            </a:r>
+            <a:r>
+              <a:rPr lang="es-PE" dirty="0" smtClean="0"/>
+              <a:t> </a:t>
+            </a:r>
+            <a:r>
+              <a:rPr lang="es-PE" dirty="0" err="1" smtClean="0"/>
+              <a:t>Laboratories</a:t>
+            </a:r>
+            <a:r>
+              <a:rPr lang="es-PE" dirty="0" smtClean="0"/>
+              <a:t> inició un proceso de adquisición de Tecnología Auditiva Americana S.A., desde el 2011 a través de la compra progresiva de acciones; inició con el 20% y continuó con 10% adicional cada año hasta completar el 100% de la compra del último paquete de acciones en marzo de 2018</a:t>
+            </a:r>
+            <a:endParaRPr lang="es-PE" dirty="0"/>
+          </a:p>
+        </p:txBody>
+      </p:sp>
+      <p:sp>
+        <p:nvSpPr>
+          <p:cNvPr id="4" name="3 Rectángulo"/>
+          <p:cNvSpPr/>
+          <p:nvPr/>
+        </p:nvSpPr>
+        <p:spPr>
+          <a:xfrm>
+            <a:off x="285638" y="2331919"/>
+            <a:ext cx="7958769" cy="646331"/>
+          </a:xfrm>
+          <a:prstGeom prst="rect">
+            <a:avLst/>
+          </a:prstGeom>
+        </p:spPr>
+        <p:txBody>
+          <a:bodyPr wrap="square">
+            <a:spAutoFit/>
+          </a:bodyPr>
+          <a:lstStyle/>
+          <a:p>
+            <a:r>
+              <a:rPr lang="es-ES" dirty="0"/>
+              <a:t>inventarios de audífonos se mantienen en un almacén </a:t>
+            </a:r>
+            <a:r>
+              <a:rPr lang="es-ES" dirty="0" err="1"/>
+              <a:t>tercerizado</a:t>
+            </a:r>
+            <a:r>
+              <a:rPr lang="es-ES" dirty="0"/>
+              <a:t> para cumplir con la normativa de </a:t>
+            </a:r>
+            <a:r>
+              <a:rPr lang="es-ES" dirty="0" smtClean="0"/>
+              <a:t>BPA. ¿ Qué inventarios mantienes?, solo de los productos pedidos</a:t>
+            </a:r>
+            <a:endParaRPr lang="es-PE" dirty="0"/>
+          </a:p>
+        </p:txBody>
+      </p:sp>
+      <p:sp>
+        <p:nvSpPr>
+          <p:cNvPr id="5" name="4 Rectángulo"/>
+          <p:cNvSpPr/>
+          <p:nvPr/>
+        </p:nvSpPr>
+        <p:spPr>
+          <a:xfrm>
+            <a:off x="289801" y="3147814"/>
+            <a:ext cx="3831498" cy="369332"/>
+          </a:xfrm>
+          <a:prstGeom prst="rect">
+            <a:avLst/>
+          </a:prstGeom>
+        </p:spPr>
+        <p:txBody>
+          <a:bodyPr wrap="none">
+            <a:spAutoFit/>
+          </a:bodyPr>
+          <a:lstStyle/>
+          <a:p>
+            <a:r>
+              <a:rPr lang="es-ES" dirty="0"/>
+              <a:t>manufactura local de pedidos urgentes</a:t>
+            </a:r>
+            <a:endParaRPr lang="es-PE" dirty="0"/>
+          </a:p>
+        </p:txBody>
+      </p:sp>
+    </p:spTree>
+    <p:extLst>
+      <p:ext uri="{BB962C8B-B14F-4D97-AF65-F5344CB8AC3E}">
+        <p14:creationId xmlns:p14="http://schemas.microsoft.com/office/powerpoint/2010/main" val="2734374960"/>
+      </p:ext>
+    </p:extLst>
+  </p:cSld>
+  <p:clrMapOvr>
+    <a:masterClrMapping/>
+  </p:clrMapOvr>
+  <p:timing>
+    <p:tnLst>
+      <p:par>
+        <p:cTn id="1" dur="indefinite" restart="never" nodeType="tmRoot"/>
+      </p:par>
+    </p:tnLst>
+  </p:timing>
+</p:sld>
+</file>
+
+<file path=ppt/slides/slide26.xml><?xml version="1.0" encoding="utf-8"?>
+<p:sld xmlns:a="http://schemas.openxmlformats.org/drawingml/2006/main" xmlns:r="http://schemas.openxmlformats.org/officeDocument/2006/relationships" xmlns:p="http://schemas.openxmlformats.org/presentationml/2006/main">
+  <p:cSld>
+    <p:spTree>
+      <p:nvGrpSpPr>
+        <p:cNvPr id="1" name=""/>
+        <p:cNvGrpSpPr/>
+        <p:nvPr/>
+      </p:nvGrpSpPr>
+      <p:grpSpPr>
+        <a:xfrm>
+          <a:off x="0" y="0"/>
+          <a:ext cx="0" cy="0"/>
+          <a:chOff x="0" y="0"/>
+          <a:chExt cx="0" cy="0"/>
+        </a:xfrm>
+      </p:grpSpPr>
+      <p:sp>
+        <p:nvSpPr>
+          <p:cNvPr id="3" name="2 Rectángulo"/>
+          <p:cNvSpPr/>
+          <p:nvPr/>
+        </p:nvSpPr>
+        <p:spPr>
+          <a:xfrm>
+            <a:off x="4572000" y="705058"/>
+            <a:ext cx="4572000" cy="3139321"/>
+          </a:xfrm>
+          <a:prstGeom prst="rect">
+            <a:avLst/>
+          </a:prstGeom>
+        </p:spPr>
+        <p:txBody>
+          <a:bodyPr>
+            <a:spAutoFit/>
+          </a:bodyPr>
+          <a:lstStyle/>
+          <a:p>
+            <a:r>
+              <a:rPr lang="es-PE" dirty="0" smtClean="0"/>
+              <a:t>a) buenas prácticas de gobierno corporativo, como el involucramiento de la matriz y sus filiales en el desarrollo de estrategias globales y locales por medio de cuatro reuniones de coordinación presenciales al año en diferentes países, y reuniones mensuales de forma virtual entre los directivos estratégicos; b) la marca y posicionamiento de Tecnología Americana con sus 27 años de operación y los 50 años de </a:t>
+            </a:r>
+            <a:r>
+              <a:rPr lang="es-PE" dirty="0" err="1" smtClean="0"/>
+              <a:t>Starkey</a:t>
+            </a:r>
+            <a:r>
+              <a:rPr lang="es-PE" dirty="0" smtClean="0"/>
+              <a:t> </a:t>
+            </a:r>
+            <a:r>
+              <a:rPr lang="es-PE" dirty="0" err="1" smtClean="0"/>
+              <a:t>Laboratories</a:t>
+            </a:r>
+            <a:r>
+              <a:rPr lang="es-PE" dirty="0" smtClean="0"/>
+              <a:t>,  c) la cultura </a:t>
+            </a:r>
+            <a:r>
+              <a:rPr lang="es-PE" dirty="0" err="1" smtClean="0"/>
+              <a:t>Starkey</a:t>
+            </a:r>
+            <a:r>
+              <a:rPr lang="es-PE" dirty="0" smtClean="0"/>
+              <a:t> y d) las alianzas estratégicas con </a:t>
+            </a:r>
+            <a:r>
+              <a:rPr lang="es-PE" dirty="0" err="1" smtClean="0"/>
+              <a:t>proveeedores</a:t>
+            </a:r>
+            <a:r>
+              <a:rPr lang="es-PE" dirty="0" smtClean="0"/>
+              <a:t>.</a:t>
+            </a:r>
+            <a:endParaRPr lang="es-PE" dirty="0"/>
+          </a:p>
+        </p:txBody>
+      </p:sp>
+      <p:sp>
+        <p:nvSpPr>
+          <p:cNvPr id="5" name="4 Rectángulo"/>
+          <p:cNvSpPr/>
+          <p:nvPr/>
+        </p:nvSpPr>
+        <p:spPr>
+          <a:xfrm>
+            <a:off x="7932" y="843557"/>
+            <a:ext cx="4572000" cy="2862322"/>
+          </a:xfrm>
+          <a:prstGeom prst="rect">
+            <a:avLst/>
+          </a:prstGeom>
+        </p:spPr>
+        <p:txBody>
+          <a:bodyPr>
+            <a:spAutoFit/>
+          </a:bodyPr>
+          <a:lstStyle/>
+          <a:p>
+            <a:r>
+              <a:rPr lang="es-PE" dirty="0"/>
+              <a:t>a) Las sólidas relaciones con los proveedores logísticos </a:t>
+            </a:r>
+            <a:r>
+              <a:rPr lang="es-PE" dirty="0" err="1"/>
+              <a:t>United</a:t>
+            </a:r>
+            <a:r>
+              <a:rPr lang="es-PE" dirty="0"/>
+              <a:t> </a:t>
+            </a:r>
+            <a:r>
+              <a:rPr lang="es-PE" dirty="0" err="1"/>
+              <a:t>Parcel</a:t>
+            </a:r>
+            <a:r>
+              <a:rPr lang="es-PE" dirty="0"/>
+              <a:t> </a:t>
+            </a:r>
+            <a:r>
+              <a:rPr lang="es-PE" dirty="0" err="1"/>
+              <a:t>Service</a:t>
+            </a:r>
+            <a:r>
+              <a:rPr lang="es-PE" dirty="0"/>
+              <a:t> (UPS) y Federal </a:t>
+            </a:r>
+            <a:r>
+              <a:rPr lang="es-PE" dirty="0" err="1"/>
+              <a:t>Exprex</a:t>
+            </a:r>
+            <a:r>
+              <a:rPr lang="es-PE" dirty="0"/>
+              <a:t> (</a:t>
+            </a:r>
+            <a:r>
+              <a:rPr lang="es-PE" dirty="0" err="1"/>
+              <a:t>Fedex</a:t>
+            </a:r>
+            <a:r>
+              <a:rPr lang="es-PE" dirty="0"/>
+              <a:t>) dadas a nivel global por </a:t>
+            </a:r>
+            <a:r>
+              <a:rPr lang="es-ES" dirty="0" err="1"/>
+              <a:t>Starkey</a:t>
+            </a:r>
+            <a:r>
+              <a:rPr lang="es-ES" dirty="0"/>
+              <a:t> </a:t>
+            </a:r>
+            <a:r>
+              <a:rPr lang="es-ES" dirty="0" err="1"/>
+              <a:t>Laboratories</a:t>
+            </a:r>
+            <a:r>
+              <a:rPr lang="es-ES" dirty="0"/>
+              <a:t>, con las que obtiene precios y atención preferencial; b) el reconocimiento de la marca Tecnología Auditiva Americana con 27 años en el mercado y un posicionamiento en servicios y productos de calidad; c) los precios preferenciales de compra de los audífonos dada por su matriz, y la calidad de estos. </a:t>
+            </a:r>
+            <a:endParaRPr lang="es-PE" dirty="0"/>
+          </a:p>
+        </p:txBody>
+      </p:sp>
+    </p:spTree>
+    <p:extLst>
+      <p:ext uri="{BB962C8B-B14F-4D97-AF65-F5344CB8AC3E}">
+        <p14:creationId xmlns:p14="http://schemas.microsoft.com/office/powerpoint/2010/main" val="2348566149"/>
+      </p:ext>
+    </p:extLst>
+  </p:cSld>
+  <p:clrMapOvr>
+    <a:masterClrMapping/>
+  </p:clrMapOvr>
+  <p:timing>
+    <p:tnLst>
+      <p:par>
+        <p:cTn id="1" dur="indefinite" restart="never" nodeType="tmRoot"/>
+      </p:par>
+    </p:tnLst>
+  </p:timing>
+</p:sld>
+</file>
+
+<file path=ppt/slides/slide27.xml><?xml version="1.0" encoding="utf-8"?>
+<p:sld xmlns:a="http://schemas.openxmlformats.org/drawingml/2006/main" xmlns:r="http://schemas.openxmlformats.org/officeDocument/2006/relationships" xmlns:p="http://schemas.openxmlformats.org/presentationml/2006/main">
+  <p:cSld>
+    <p:spTree>
+      <p:nvGrpSpPr>
+        <p:cNvPr id="1" name=""/>
+        <p:cNvGrpSpPr/>
+        <p:nvPr/>
+      </p:nvGrpSpPr>
+      <p:grpSpPr>
+        <a:xfrm>
+          <a:off x="0" y="0"/>
+          <a:ext cx="0" cy="0"/>
+          <a:chOff x="0" y="0"/>
+          <a:chExt cx="0" cy="0"/>
+        </a:xfrm>
+      </p:grpSpPr>
+      <p:sp>
+        <p:nvSpPr>
+          <p:cNvPr id="2" name="1 Título"/>
+          <p:cNvSpPr>
+            <a:spLocks noGrp="1"/>
+          </p:cNvSpPr>
+          <p:nvPr>
+            <p:ph type="title"/>
+          </p:nvPr>
+        </p:nvSpPr>
+        <p:spPr/>
+        <p:txBody>
+          <a:bodyPr/>
+          <a:lstStyle/>
+          <a:p>
+            <a:endParaRPr lang="es-PE"/>
+          </a:p>
+        </p:txBody>
+      </p:sp>
+      <p:sp>
+        <p:nvSpPr>
+          <p:cNvPr id="3" name="2 Rectángulo"/>
+          <p:cNvSpPr/>
+          <p:nvPr/>
+        </p:nvSpPr>
+        <p:spPr>
+          <a:xfrm>
+            <a:off x="0" y="843558"/>
+            <a:ext cx="4572000" cy="2862322"/>
+          </a:xfrm>
+          <a:prstGeom prst="rect">
+            <a:avLst/>
+          </a:prstGeom>
+        </p:spPr>
+        <p:txBody>
+          <a:bodyPr>
+            <a:spAutoFit/>
+          </a:bodyPr>
+          <a:lstStyle/>
+          <a:p>
+            <a:r>
+              <a:rPr lang="es-ES" dirty="0"/>
+              <a:t>a) Los tiempos prolongados en el proceso de homologación de nuevos modelos de audífonos, debido a procedimientos internos de la matriz; b) el reducido número de locales de atención y desarrollo del mercado peruano (un local en Lima), y c) la falta de conocimiento de las características y necesidades el cliente externo, que puede ser utilizadas para mejorar la propuesta de valor e identificación del mix de medios de comunicación adecuados.</a:t>
+            </a:r>
+            <a:endParaRPr lang="es-PE" dirty="0"/>
+          </a:p>
+        </p:txBody>
+      </p:sp>
+    </p:spTree>
+    <p:extLst>
+      <p:ext uri="{BB962C8B-B14F-4D97-AF65-F5344CB8AC3E}">
+        <p14:creationId xmlns:p14="http://schemas.microsoft.com/office/powerpoint/2010/main" val="3886384092"/>
+      </p:ext>
+    </p:extLst>
+  </p:cSld>
+  <p:clrMapOvr>
+    <a:masterClrMapping/>
+  </p:clrMapOvr>
+  <p:timing>
+    <p:tnLst>
+      <p:par>
+        <p:cTn id="1" dur="indefinite" restart="never" nodeType="tmRoot"/>
+      </p:par>
+    </p:tnLst>
+  </p:timing>
+</p:sld>
+</file>
+
+<file path=ppt/slides/slide28.xml><?xml version="1.0" encoding="utf-8"?>
+<p:sld xmlns:a="http://schemas.openxmlformats.org/drawingml/2006/main" xmlns:r="http://schemas.openxmlformats.org/officeDocument/2006/relationships" xmlns:p="http://schemas.openxmlformats.org/presentationml/2006/main">
+  <p:cSld>
+    <p:spTree>
+      <p:nvGrpSpPr>
+        <p:cNvPr id="1" name=""/>
+        <p:cNvGrpSpPr/>
+        <p:nvPr/>
+      </p:nvGrpSpPr>
+      <p:grpSpPr>
+        <a:xfrm>
+          <a:off x="0" y="0"/>
+          <a:ext cx="0" cy="0"/>
+          <a:chOff x="0" y="0"/>
+          <a:chExt cx="0" cy="0"/>
+        </a:xfrm>
+      </p:grpSpPr>
+      <p:sp>
+        <p:nvSpPr>
+          <p:cNvPr id="2" name="1 Título"/>
+          <p:cNvSpPr>
+            <a:spLocks noGrp="1"/>
+          </p:cNvSpPr>
+          <p:nvPr>
+            <p:ph type="title"/>
+          </p:nvPr>
+        </p:nvSpPr>
+        <p:spPr/>
+        <p:txBody>
+          <a:bodyPr/>
+          <a:lstStyle/>
+          <a:p>
+            <a:endParaRPr lang="es-PE"/>
+          </a:p>
+        </p:txBody>
+      </p:sp>
+      <p:sp>
+        <p:nvSpPr>
+          <p:cNvPr id="3" name="2 Rectángulo"/>
+          <p:cNvSpPr/>
+          <p:nvPr/>
+        </p:nvSpPr>
+        <p:spPr>
+          <a:xfrm>
+            <a:off x="620972" y="1234607"/>
+            <a:ext cx="7623435" cy="923330"/>
+          </a:xfrm>
+          <a:prstGeom prst="rect">
+            <a:avLst/>
+          </a:prstGeom>
+        </p:spPr>
+        <p:txBody>
+          <a:bodyPr wrap="square">
+            <a:spAutoFit/>
+          </a:bodyPr>
+          <a:lstStyle/>
+          <a:p>
+            <a:r>
+              <a:rPr lang="es-PE" dirty="0" err="1"/>
+              <a:t>Starkey</a:t>
+            </a:r>
+            <a:r>
+              <a:rPr lang="es-PE" dirty="0"/>
+              <a:t> Perú tiene como objetivo posicionar a Tecnología Auditiva Americana, como una empresa que ofrece calidad de vida a través de productos innovadores y de alta calidad</a:t>
+            </a:r>
+            <a:endParaRPr lang="es-PE" dirty="0"/>
+          </a:p>
+        </p:txBody>
+      </p:sp>
+      <p:sp>
+        <p:nvSpPr>
+          <p:cNvPr id="4" name="3 Rectángulo"/>
+          <p:cNvSpPr/>
+          <p:nvPr/>
+        </p:nvSpPr>
+        <p:spPr>
+          <a:xfrm>
+            <a:off x="743095" y="2285459"/>
+            <a:ext cx="4572000" cy="646331"/>
+          </a:xfrm>
+          <a:prstGeom prst="rect">
+            <a:avLst/>
+          </a:prstGeom>
+        </p:spPr>
+        <p:txBody>
+          <a:bodyPr>
+            <a:spAutoFit/>
+          </a:bodyPr>
+          <a:lstStyle/>
+          <a:p>
+            <a:r>
+              <a:rPr lang="es-PE" dirty="0" smtClean="0"/>
+              <a:t>Mantra -&gt; Mejorar la calidad de vida de las personas con deficiencia auditiva</a:t>
+            </a:r>
+            <a:endParaRPr lang="es-PE" dirty="0"/>
+          </a:p>
+        </p:txBody>
+      </p:sp>
+      <p:sp>
+        <p:nvSpPr>
+          <p:cNvPr id="5" name="4 Rectángulo"/>
+          <p:cNvSpPr/>
+          <p:nvPr/>
+        </p:nvSpPr>
+        <p:spPr>
+          <a:xfrm>
+            <a:off x="743095" y="3033415"/>
+            <a:ext cx="7501312" cy="646331"/>
+          </a:xfrm>
+          <a:prstGeom prst="rect">
+            <a:avLst/>
+          </a:prstGeom>
+        </p:spPr>
+        <p:txBody>
+          <a:bodyPr wrap="square">
+            <a:spAutoFit/>
+          </a:bodyPr>
+          <a:lstStyle/>
+          <a:p>
+            <a:r>
+              <a:rPr lang="es-PE" dirty="0"/>
+              <a:t>Siguiendo los lineamientos de </a:t>
+            </a:r>
+            <a:r>
+              <a:rPr lang="es-PE" dirty="0" err="1"/>
+              <a:t>Kotler</a:t>
+            </a:r>
+            <a:r>
+              <a:rPr lang="es-PE" dirty="0"/>
+              <a:t> y </a:t>
+            </a:r>
+            <a:r>
+              <a:rPr lang="es-PE" dirty="0" err="1"/>
+              <a:t>Keller</a:t>
+            </a:r>
+            <a:r>
+              <a:rPr lang="es-PE" dirty="0"/>
+              <a:t> (2012), el precio de los audífonos actúa como una señal de calidad del producto, </a:t>
+            </a:r>
+            <a:endParaRPr lang="es-PE" dirty="0"/>
+          </a:p>
+        </p:txBody>
+      </p:sp>
+      <p:sp>
+        <p:nvSpPr>
+          <p:cNvPr id="6" name="5 Rectángulo"/>
+          <p:cNvSpPr/>
+          <p:nvPr/>
+        </p:nvSpPr>
+        <p:spPr>
+          <a:xfrm>
+            <a:off x="641444" y="3725912"/>
+            <a:ext cx="4572000" cy="923330"/>
+          </a:xfrm>
+          <a:prstGeom prst="rect">
+            <a:avLst/>
+          </a:prstGeom>
+        </p:spPr>
+        <p:txBody>
+          <a:bodyPr>
+            <a:spAutoFit/>
+          </a:bodyPr>
+          <a:lstStyle/>
+          <a:p>
+            <a:r>
+              <a:rPr lang="es-PE" dirty="0"/>
+              <a:t>Finalmente, se debe establecer alianzas estratégicas con municipalidades de las zonas 6 y 7 Zona </a:t>
+            </a:r>
+          </a:p>
+        </p:txBody>
+      </p:sp>
+    </p:spTree>
+    <p:extLst>
+      <p:ext uri="{BB962C8B-B14F-4D97-AF65-F5344CB8AC3E}">
+        <p14:creationId xmlns:p14="http://schemas.microsoft.com/office/powerpoint/2010/main" val="3104063829"/>
+      </p:ext>
+    </p:extLst>
+  </p:cSld>
+  <p:clrMapOvr>
+    <a:masterClrMapping/>
+  </p:clrMapOvr>
+  <p:timing>
+    <p:tnLst>
+      <p:par>
+        <p:cTn id="1" dur="indefinite" restart="never" nodeType="tmRoot"/>
+      </p:par>
+    </p:tnLst>
+  </p:timing>
+</p:sld>
+</file>
+
+<file path=ppt/slides/slide29.xml><?xml version="1.0" encoding="utf-8"?>
+<p:sld xmlns:a="http://schemas.openxmlformats.org/drawingml/2006/main" xmlns:r="http://schemas.openxmlformats.org/officeDocument/2006/relationships" xmlns:p="http://schemas.openxmlformats.org/presentationml/2006/main">
+  <p:cSld>
+    <p:spTree>
+      <p:nvGrpSpPr>
+        <p:cNvPr id="1" name=""/>
+        <p:cNvGrpSpPr/>
+        <p:nvPr/>
+      </p:nvGrpSpPr>
+      <p:grpSpPr>
+        <a:xfrm>
+          <a:off x="0" y="0"/>
+          <a:ext cx="0" cy="0"/>
+          <a:chOff x="0" y="0"/>
+          <a:chExt cx="0" cy="0"/>
+        </a:xfrm>
+      </p:grpSpPr>
+      <p:sp>
+        <p:nvSpPr>
+          <p:cNvPr id="2" name="1 Título"/>
+          <p:cNvSpPr>
+            <a:spLocks noGrp="1"/>
+          </p:cNvSpPr>
+          <p:nvPr>
+            <p:ph type="title"/>
+          </p:nvPr>
+        </p:nvSpPr>
+        <p:spPr/>
+        <p:txBody>
+          <a:bodyPr/>
+          <a:lstStyle/>
+          <a:p>
+            <a:endParaRPr lang="es-PE"/>
+          </a:p>
+        </p:txBody>
+      </p:sp>
+      <p:sp>
+        <p:nvSpPr>
+          <p:cNvPr id="3" name="2 Rectángulo"/>
+          <p:cNvSpPr/>
+          <p:nvPr/>
+        </p:nvSpPr>
+        <p:spPr>
+          <a:xfrm>
+            <a:off x="467544" y="1372507"/>
+            <a:ext cx="6102424" cy="646331"/>
+          </a:xfrm>
+          <a:prstGeom prst="rect">
+            <a:avLst/>
+          </a:prstGeom>
+        </p:spPr>
+        <p:txBody>
+          <a:bodyPr wrap="square">
+            <a:spAutoFit/>
+          </a:bodyPr>
+          <a:lstStyle/>
+          <a:p>
+            <a:r>
+              <a:rPr lang="es-PE" smtClean="0"/>
+              <a:t>incrementar la calidad -&gt; productos terminados, reparaciones, proceso de adaptación y control de quejas y reclamos</a:t>
+            </a:r>
+            <a:endParaRPr lang="es-PE" dirty="0"/>
+          </a:p>
+        </p:txBody>
+      </p:sp>
+      <p:sp>
+        <p:nvSpPr>
+          <p:cNvPr id="4" name="3 Rectángulo"/>
+          <p:cNvSpPr/>
+          <p:nvPr/>
+        </p:nvSpPr>
+        <p:spPr>
+          <a:xfrm>
+            <a:off x="179512" y="2018838"/>
+            <a:ext cx="8352928" cy="646331"/>
+          </a:xfrm>
+          <a:prstGeom prst="rect">
+            <a:avLst/>
+          </a:prstGeom>
+        </p:spPr>
+        <p:txBody>
+          <a:bodyPr wrap="square">
+            <a:spAutoFit/>
+          </a:bodyPr>
+          <a:lstStyle/>
+          <a:p>
+            <a:r>
+              <a:rPr lang="es-PE" dirty="0" smtClean="0"/>
+              <a:t>reducir los costos operativos mediante la optimización de los procesos de importación, homologación, capacidad de atención instalada, reparaciones y manufactura </a:t>
+            </a:r>
+            <a:endParaRPr lang="es-PE" dirty="0"/>
+          </a:p>
+        </p:txBody>
+      </p:sp>
+      <p:sp>
+        <p:nvSpPr>
+          <p:cNvPr id="5" name="4 Rectángulo"/>
+          <p:cNvSpPr/>
+          <p:nvPr/>
+        </p:nvSpPr>
+        <p:spPr>
+          <a:xfrm>
+            <a:off x="467544" y="2787774"/>
+            <a:ext cx="4572000" cy="923330"/>
+          </a:xfrm>
+          <a:prstGeom prst="rect">
+            <a:avLst/>
+          </a:prstGeom>
+        </p:spPr>
+        <p:txBody>
+          <a:bodyPr>
+            <a:spAutoFit/>
+          </a:bodyPr>
+          <a:lstStyle/>
+          <a:p>
+            <a:r>
+              <a:rPr lang="es-PE" dirty="0"/>
+              <a:t>disminuir los tiempos asociados a importación, reparaciones, remplazos y cambios de audífonos</a:t>
+            </a:r>
+            <a:endParaRPr lang="es-PE" dirty="0"/>
+          </a:p>
+        </p:txBody>
+      </p:sp>
+    </p:spTree>
+    <p:extLst>
+      <p:ext uri="{BB962C8B-B14F-4D97-AF65-F5344CB8AC3E}">
+        <p14:creationId xmlns:p14="http://schemas.microsoft.com/office/powerpoint/2010/main" val="1022191115"/>
+      </p:ext>
+    </p:extLst>
+  </p:cSld>
+  <p:clrMapOvr>
+    <a:masterClrMapping/>
+  </p:clrMapOvr>
+  <p:timing>
+    <p:tnLst>
+      <p:par>
+        <p:cTn id="1" dur="indefinite" restart="never" nodeType="tmRoot"/>
+      </p:par>
+    </p:tnLst>
+  </p:timing>
+</p:sld>
+</file>
+
 <file path=ppt/slides/slide3.xml><?xml version="1.0" encoding="utf-8"?>
 <p:sld xmlns:a="http://schemas.openxmlformats.org/drawingml/2006/main" xmlns:r="http://schemas.openxmlformats.org/officeDocument/2006/relationships" xmlns:p="http://schemas.openxmlformats.org/presentationml/2006/main">
   <p:cSld>
